--- a/translations/french/datatable_fr.pptx
+++ b/translations/french/datatable_fr.pptx
@@ -316,7 +316,7 @@
   </p:defaultTextStyle>
   <p:extLst>
     <p:ext uri="{EFAFB233-063F-42B5-8137-9DF3F51BA10A}">
-      <p15:sldGuideLst xmlns:p15="http://schemas.microsoft.com/office/powerpoint/2012/main">
+      <p15:sldGuideLst xmlns:p15="http://schemas.microsoft.com/office/powerpoint/2012/main" xmlns="">
         <p15:guide id="1" orient="horz" pos="951" userDrawn="1">
           <p15:clr>
             <a:srgbClr val="A4A3A4"/>
@@ -330,7 +330,7 @@
       </p15:sldGuideLst>
     </p:ext>
     <p:ext uri="{2D200454-40CA-4A62-9FC3-DE9A4176ACB9}">
-      <p15:notesGuideLst xmlns:p15="http://schemas.microsoft.com/office/powerpoint/2012/main"/>
+      <p15:notesGuideLst xmlns:p15="http://schemas.microsoft.com/office/powerpoint/2012/main" xmlns=""/>
     </p:ext>
   </p:extLst>
 </p:presentation>
@@ -419,7 +419,7 @@
             <a:fld id="{14A1A45B-F66E-48A2-89C5-3AD170776287}" type="datetimeFigureOut">
               <a:rPr lang="da-DK" smtClean="0"/>
               <a:pPr/>
-              <a:t>16.08.2024</a:t>
+              <a:t>13-09-2025</a:t>
             </a:fld>
             <a:endParaRPr lang="da-DK"/>
           </a:p>
@@ -495,7 +495,7 @@
     </p:spTree>
     <p:extLst>
       <p:ext uri="{BB962C8B-B14F-4D97-AF65-F5344CB8AC3E}">
-        <p14:creationId xmlns:p14="http://schemas.microsoft.com/office/powerpoint/2010/main" val="1358073725"/>
+        <p14:creationId xmlns:p14="http://schemas.microsoft.com/office/powerpoint/2010/main" xmlns="" val="1358073725"/>
       </p:ext>
     </p:extLst>
   </p:cSld>
@@ -582,7 +582,7 @@
     </p:spTree>
     <p:extLst>
       <p:ext uri="{BB962C8B-B14F-4D97-AF65-F5344CB8AC3E}">
-        <p14:creationId xmlns:p14="http://schemas.microsoft.com/office/powerpoint/2010/main" val="817923562"/>
+        <p14:creationId xmlns:p14="http://schemas.microsoft.com/office/powerpoint/2010/main" xmlns="" val="817923562"/>
       </p:ext>
     </p:extLst>
   </p:cSld>
@@ -747,7 +747,7 @@
     </p:spTree>
     <p:extLst>
       <p:ext uri="{BB962C8B-B14F-4D97-AF65-F5344CB8AC3E}">
-        <p14:creationId xmlns:p14="http://schemas.microsoft.com/office/powerpoint/2010/main" val="3787924101"/>
+        <p14:creationId xmlns:p14="http://schemas.microsoft.com/office/powerpoint/2010/main" xmlns="" val="3787924101"/>
       </p:ext>
     </p:extLst>
   </p:cSld>
@@ -813,7 +813,7 @@
     </p:spTree>
     <p:extLst>
       <p:ext uri="{BB962C8B-B14F-4D97-AF65-F5344CB8AC3E}">
-        <p14:creationId xmlns:p14="http://schemas.microsoft.com/office/powerpoint/2010/main" val="338885873"/>
+        <p14:creationId xmlns:p14="http://schemas.microsoft.com/office/powerpoint/2010/main" xmlns="" val="338885873"/>
       </p:ext>
     </p:extLst>
   </p:cSld>
@@ -2470,7 +2470,7 @@
           </a:ln>
           <a:extLst>
             <a:ext uri="{C572A759-6A51-4108-AA02-DFA0A04FC94B}">
-              <ma14:wrappingTextBoxFlag xmlns="" xmlns:ma14="http://schemas.microsoft.com/office/mac/drawingml/2011/main" val="1"/>
+              <ma14:wrappingTextBoxFlag xmlns:ma14="http://schemas.microsoft.com/office/mac/drawingml/2011/main" xmlns="" val="1"/>
             </a:ext>
           </a:extLst>
         </p:spPr>
@@ -2509,7 +2509,7 @@
           </a:ln>
           <a:extLst>
             <a:ext uri="{C572A759-6A51-4108-AA02-DFA0A04FC94B}">
-              <ma14:wrappingTextBoxFlag xmlns="" xmlns:ma14="http://schemas.microsoft.com/office/mac/drawingml/2011/main" val="1"/>
+              <ma14:wrappingTextBoxFlag xmlns:ma14="http://schemas.microsoft.com/office/mac/drawingml/2011/main" xmlns="" val="1"/>
             </a:ext>
           </a:extLst>
         </p:spPr>
@@ -3435,7 +3435,7 @@
           <p:cNvPr id="13" name="Picture 12">
             <a:extLst>
               <a:ext uri="{FF2B5EF4-FFF2-40B4-BE49-F238E27FC236}">
-                <a16:creationId xmlns:a16="http://schemas.microsoft.com/office/drawing/2014/main" id="{6DA5DEF8-AA7C-8A4B-ACFE-A4A645305676}"/>
+                <a16:creationId xmlns:a16="http://schemas.microsoft.com/office/drawing/2014/main" xmlns="" id="{6DA5DEF8-AA7C-8A4B-ACFE-A4A645305676}"/>
               </a:ext>
             </a:extLst>
           </p:cNvPr>
@@ -3448,7 +3448,7 @@
           <a:blip r:embed="rId3" cstate="print">
             <a:extLst>
               <a:ext uri="{28A0092B-C50C-407E-A947-70E740481C1C}">
-                <a14:useLocalDpi xmlns:a14="http://schemas.microsoft.com/office/drawing/2010/main" val="0"/>
+                <a14:useLocalDpi xmlns:a14="http://schemas.microsoft.com/office/drawing/2010/main" xmlns="" val="0"/>
               </a:ext>
             </a:extLst>
           </a:blip>
@@ -3568,7 +3568,7 @@
           </a:ln>
           <a:extLst>
             <a:ext uri="{C572A759-6A51-4108-AA02-DFA0A04FC94B}">
-              <ma14:wrappingTextBoxFlag xmlns="" xmlns:ma14="http://schemas.microsoft.com/office/mac/drawingml/2011/main" val="1"/>
+              <ma14:wrappingTextBoxFlag xmlns:ma14="http://schemas.microsoft.com/office/mac/drawingml/2011/main" xmlns="" val="1"/>
             </a:ext>
           </a:extLst>
         </p:spPr>
@@ -3630,7 +3630,7 @@
           </a:ln>
           <a:extLst>
             <a:ext uri="{C572A759-6A51-4108-AA02-DFA0A04FC94B}">
-              <ma14:wrappingTextBoxFlag xmlns="" xmlns:ma14="http://schemas.microsoft.com/office/mac/drawingml/2011/main" val="1"/>
+              <ma14:wrappingTextBoxFlag xmlns:ma14="http://schemas.microsoft.com/office/mac/drawingml/2011/main" xmlns="" val="1"/>
             </a:ext>
           </a:extLst>
         </p:spPr>
@@ -3675,7 +3675,15 @@
                   <a:srgbClr val="5B6167"/>
                 </a:solidFill>
               </a:rPr>
-              <a:t>  et </a:t>
+              <a:t> </a:t>
+            </a:r>
+            <a:r>
+              <a:rPr lang="fr-FR" dirty="0" smtClean="0">
+                <a:solidFill>
+                  <a:srgbClr val="5B6167"/>
+                </a:solidFill>
+              </a:rPr>
+              <a:t>et </a:t>
             </a:r>
             <a:r>
               <a:rPr lang="fr-FR" dirty="0" err="1">
@@ -3707,47 +3715,63 @@
                   <a:srgbClr val="5B6167"/>
                 </a:solidFill>
               </a:rPr>
+              <a:t> – maragdestefanis@gmail.com</a:t>
+            </a:r>
+            <a:r>
+              <a:rPr lang="fr-FR" dirty="0">
+                <a:solidFill>
+                  <a:srgbClr val="757878"/>
+                </a:solidFill>
+              </a:rPr>
+              <a:t> </a:t>
+            </a:r>
+            <a:r>
+              <a:rPr lang="fr-FR" dirty="0">
+                <a:solidFill>
+                  <a:srgbClr val="5B6167"/>
+                </a:solidFill>
+              </a:rPr>
+              <a:t>• Traduit par Christian </a:t>
+            </a:r>
+            <a:r>
+              <a:rPr lang="fr-FR" dirty="0" err="1">
+                <a:solidFill>
+                  <a:srgbClr val="5B6167"/>
+                </a:solidFill>
+              </a:rPr>
+              <a:t>Wiat</a:t>
+            </a:r>
+            <a:r>
+              <a:rPr lang="fr-FR" dirty="0">
+                <a:solidFill>
+                  <a:srgbClr val="5B6167"/>
+                </a:solidFill>
+              </a:rPr>
               <a:t> – </a:t>
             </a:r>
             <a:r>
-              <a:rPr lang="fr-FR" dirty="0" err="1">
+              <a:rPr lang="fr-FR" dirty="0" smtClean="0">
                 <a:solidFill>
                   <a:srgbClr val="5B6167"/>
                 </a:solidFill>
               </a:rPr>
-              <a:t>maragdestefanis@gmail.com</a:t>
+              <a:t>w9204-rs@yahoo.com </a:t>
             </a:r>
             <a:r>
               <a:rPr lang="fr-FR" dirty="0">
                 <a:solidFill>
-                  <a:srgbClr val="757878"/>
-                </a:solidFill>
-              </a:rPr>
-              <a:t> </a:t>
-            </a:r>
-            <a:r>
-              <a:rPr lang="fr-FR" dirty="0">
-                <a:solidFill>
                   <a:srgbClr val="5B6167"/>
                 </a:solidFill>
               </a:rPr>
-              <a:t>• Traduit par Christian </a:t>
-            </a:r>
-            <a:r>
-              <a:rPr lang="fr-FR" dirty="0" err="1">
+              <a:t>• </a:t>
+            </a:r>
+            <a:r>
+              <a:rPr lang="fr-FR" dirty="0" smtClean="0">
                 <a:solidFill>
                   <a:srgbClr val="5B6167"/>
                 </a:solidFill>
               </a:rPr>
-              <a:t>Wiat</a:t>
-            </a:r>
-            <a:r>
-              <a:rPr lang="fr-FR" dirty="0">
-                <a:solidFill>
-                  <a:srgbClr val="5B6167"/>
-                </a:solidFill>
-              </a:rPr>
-              <a:t> – w9204-rs@jahoo.com • Apprenez-en plus à la </a:t>
+              <a:t>Voir la </a:t>
             </a:r>
             <a:r>
               <a:rPr lang="fr-FR" dirty="0">
@@ -3757,7 +3781,7 @@
                 <a:hlinkClick r:id="rId4">
                   <a:extLst>
                     <a:ext uri="{A12FA001-AC4F-418D-AE19-62706E023703}">
-                      <ahyp:hlinkClr xmlns:ahyp="http://schemas.microsoft.com/office/drawing/2018/hyperlinkcolor" val="tx"/>
+                      <ahyp:hlinkClr xmlns:ahyp="http://schemas.microsoft.com/office/drawing/2018/hyperlinkcolor" xmlns="" val="tx"/>
                     </a:ext>
                   </a:extLst>
                 </a:hlinkClick>
@@ -3780,7 +3804,7 @@
                 <a:hlinkClick r:id="rId5">
                   <a:extLst>
                     <a:ext uri="{A12FA001-AC4F-418D-AE19-62706E023703}">
-                      <ahyp:hlinkClr xmlns:ahyp="http://schemas.microsoft.com/office/drawing/2018/hyperlinkcolor" val="tx"/>
+                      <ahyp:hlinkClr xmlns:ahyp="http://schemas.microsoft.com/office/drawing/2018/hyperlinkcolor" xmlns="" val="tx"/>
                     </a:ext>
                   </a:extLst>
                 </a:hlinkClick>
@@ -3825,8 +3849,45 @@
                   <a:srgbClr val="5B6167"/>
                 </a:solidFill>
               </a:rPr>
-              <a:t> version 1.15.0 • Mise-à-jour: 2024-01, traduction 2024-08</a:t>
-            </a:r>
+              <a:t> version </a:t>
+            </a:r>
+            <a:r>
+              <a:rPr lang="fr-FR" dirty="0" smtClean="0">
+                <a:solidFill>
+                  <a:srgbClr val="5B6167"/>
+                </a:solidFill>
+              </a:rPr>
+              <a:t>1.17.8 </a:t>
+            </a:r>
+            <a:r>
+              <a:rPr lang="fr-FR" dirty="0">
+                <a:solidFill>
+                  <a:srgbClr val="5B6167"/>
+                </a:solidFill>
+              </a:rPr>
+              <a:t>• Mise-à-jour: </a:t>
+            </a:r>
+            <a:r>
+              <a:rPr lang="fr-FR" dirty="0" smtClean="0">
+                <a:solidFill>
+                  <a:srgbClr val="5B6167"/>
+                </a:solidFill>
+              </a:rPr>
+              <a:t>2025-07 • </a:t>
+            </a:r>
+            <a:r>
+              <a:rPr lang="fr-FR" dirty="0" smtClean="0">
+                <a:solidFill>
+                  <a:srgbClr val="5B6167"/>
+                </a:solidFill>
+              </a:rPr>
+              <a:t>traduction 2025-09</a:t>
+            </a:r>
+            <a:endParaRPr lang="fr-FR" dirty="0">
+              <a:solidFill>
+                <a:srgbClr val="5B6167"/>
+              </a:solidFill>
+            </a:endParaRPr>
           </a:p>
         </p:txBody>
       </p:sp>
@@ -4019,7 +4080,7 @@
           </a:ln>
           <a:extLst>
             <a:ext uri="{C572A759-6A51-4108-AA02-DFA0A04FC94B}">
-              <ma14:wrappingTextBoxFlag xmlns="" xmlns:ma14="http://schemas.microsoft.com/office/mac/drawingml/2011/main" val="1"/>
+              <ma14:wrappingTextBoxFlag xmlns:ma14="http://schemas.microsoft.com/office/mac/drawingml/2011/main" xmlns="" val="1"/>
             </a:ext>
           </a:extLst>
         </p:spPr>
@@ -4080,7 +4141,7 @@
           </a:ln>
           <a:extLst>
             <a:ext uri="{C572A759-6A51-4108-AA02-DFA0A04FC94B}">
-              <ma14:wrappingTextBoxFlag xmlns="" xmlns:ma14="http://schemas.microsoft.com/office/mac/drawingml/2011/main" val="1"/>
+              <ma14:wrappingTextBoxFlag xmlns:ma14="http://schemas.microsoft.com/office/mac/drawingml/2011/main" xmlns="" val="1"/>
             </a:ext>
           </a:extLst>
         </p:spPr>
@@ -4146,7 +4207,7 @@
           </a:ln>
           <a:extLst>
             <a:ext uri="{C572A759-6A51-4108-AA02-DFA0A04FC94B}">
-              <ma14:wrappingTextBoxFlag xmlns="" xmlns:ma14="http://schemas.microsoft.com/office/mac/drawingml/2011/main" val="1"/>
+              <ma14:wrappingTextBoxFlag xmlns:ma14="http://schemas.microsoft.com/office/mac/drawingml/2011/main" xmlns="" val="1"/>
             </a:ext>
           </a:extLst>
         </p:spPr>
@@ -4177,7 +4238,25 @@
                 </a:solidFill>
                 <a:cs typeface="Arial" panose="020B0604020202020204" pitchFamily="34" charset="0"/>
               </a:rPr>
-              <a:t> est un package très rapide et performant en gestion de la mémoire pour transformer des données avec R. Il convertit les objets </a:t>
+              <a:t> est un package très rapide et performant en gestion de la mémoire pour transformer des données avec </a:t>
+            </a:r>
+            <a:r>
+              <a:rPr lang="fr-FR" sz="1150" b="0" dirty="0" smtClean="0">
+                <a:solidFill>
+                  <a:srgbClr val="000000"/>
+                </a:solidFill>
+                <a:cs typeface="Arial" panose="020B0604020202020204" pitchFamily="34" charset="0"/>
+              </a:rPr>
+              <a:t>R avec une syntaxe concise. </a:t>
+            </a:r>
+            <a:r>
+              <a:rPr lang="fr-FR" sz="1150" b="0" dirty="0">
+                <a:solidFill>
+                  <a:srgbClr val="000000"/>
+                </a:solidFill>
+                <a:cs typeface="Arial" panose="020B0604020202020204" pitchFamily="34" charset="0"/>
+              </a:rPr>
+              <a:t>Il convertit les objets </a:t>
             </a:r>
             <a:r>
               <a:rPr lang="fr-FR" sz="1150" b="0" dirty="0" err="1">
@@ -4664,7 +4743,7 @@
           </a:ln>
           <a:extLst>
             <a:ext uri="{C572A759-6A51-4108-AA02-DFA0A04FC94B}">
-              <ma14:wrappingTextBoxFlag xmlns="" xmlns:ma14="http://schemas.microsoft.com/office/mac/drawingml/2011/main" val="1"/>
+              <ma14:wrappingTextBoxFlag xmlns:ma14="http://schemas.microsoft.com/office/mac/drawingml/2011/main" xmlns="" val="1"/>
             </a:ext>
           </a:extLst>
         </p:spPr>
@@ -4717,7 +4796,15 @@
                   <a:srgbClr val="000000"/>
                 </a:solidFill>
               </a:rPr>
-              <a:t> – crée une </a:t>
+              <a:t> – crée </a:t>
+            </a:r>
+            <a:r>
+              <a:rPr lang="fr-FR" b="0" dirty="0" smtClean="0">
+                <a:solidFill>
+                  <a:srgbClr val="000000"/>
+                </a:solidFill>
+              </a:rPr>
+              <a:t>un </a:t>
             </a:r>
             <a:r>
               <a:rPr lang="fr-FR" b="0" dirty="0" err="1">
@@ -4937,7 +5024,7 @@
           </a:ln>
           <a:extLst>
             <a:ext uri="{C572A759-6A51-4108-AA02-DFA0A04FC94B}">
-              <ma14:wrappingTextBoxFlag xmlns="" xmlns:ma14="http://schemas.microsoft.com/office/mac/drawingml/2011/main" val="1"/>
+              <ma14:wrappingTextBoxFlag xmlns:ma14="http://schemas.microsoft.com/office/mac/drawingml/2011/main" xmlns="" val="1"/>
             </a:ext>
           </a:extLst>
         </p:spPr>
@@ -4966,7 +5053,15 @@
                   <a:srgbClr val="393939"/>
                 </a:solidFill>
               </a:rPr>
-              <a:t>Créer une </a:t>
+              <a:t>Créer </a:t>
+            </a:r>
+            <a:r>
+              <a:rPr lang="fr-FR" dirty="0" smtClean="0">
+                <a:solidFill>
+                  <a:srgbClr val="393939"/>
+                </a:solidFill>
+              </a:rPr>
+              <a:t>un </a:t>
             </a:r>
             <a:r>
               <a:rPr lang="fr-FR" dirty="0" err="1">
@@ -5038,7 +5133,7 @@
         <p:spPr>
           <a:xfrm>
             <a:off x="1647107" y="7355629"/>
-            <a:ext cx="2962792" cy="1824305"/>
+            <a:ext cx="2948706" cy="1647334"/>
           </a:xfrm>
           <a:prstGeom prst="rect">
             <a:avLst/>
@@ -5048,7 +5143,7 @@
           </a:ln>
           <a:extLst>
             <a:ext uri="{C572A759-6A51-4108-AA02-DFA0A04FC94B}">
-              <ma14:wrappingTextBoxFlag xmlns="" xmlns:ma14="http://schemas.microsoft.com/office/mac/drawingml/2011/main" val="1"/>
+              <ma14:wrappingTextBoxFlag xmlns:ma14="http://schemas.microsoft.com/office/mac/drawingml/2011/main" xmlns="" val="1"/>
             </a:ext>
           </a:extLst>
         </p:spPr>
@@ -5064,7 +5159,7 @@
               </a:lnSpc>
             </a:pPr>
             <a:r>
-              <a:rPr lang="fr-FR" b="0" dirty="0" err="1">
+              <a:rPr lang="fr-FR" b="0" dirty="0" err="1" smtClean="0">
                 <a:solidFill>
                   <a:srgbClr val="000000"/>
                 </a:solidFill>
@@ -5072,29 +5167,50 @@
               <a:t>dt</a:t>
             </a:r>
             <a:r>
+              <a:rPr lang="fr-FR" b="0" dirty="0" smtClean="0">
+                <a:solidFill>
+                  <a:srgbClr val="000000"/>
+                </a:solidFill>
+              </a:rPr>
+              <a:t>[</a:t>
+            </a:r>
+            <a:r>
+              <a:rPr lang="fr-FR" dirty="0" smtClean="0">
+                <a:solidFill>
+                  <a:srgbClr val="119571"/>
+                </a:solidFill>
+              </a:rPr>
+              <a:t>1:2</a:t>
+            </a:r>
+            <a:r>
+              <a:rPr lang="fr-FR" b="0" dirty="0" smtClean="0">
+                <a:solidFill>
+                  <a:srgbClr val="000000"/>
+                </a:solidFill>
+              </a:rPr>
+              <a:t>] </a:t>
+            </a:r>
+            <a:r>
               <a:rPr lang="fr-FR" b="0" dirty="0">
                 <a:solidFill>
                   <a:srgbClr val="000000"/>
                 </a:solidFill>
               </a:rPr>
-              <a:t>[</a:t>
-            </a:r>
-            <a:r>
-              <a:rPr lang="fr-FR" dirty="0">
-                <a:solidFill>
-                  <a:srgbClr val="119571"/>
-                </a:solidFill>
-              </a:rPr>
-              <a:t>1:2</a:t>
-            </a:r>
-            <a:r>
-              <a:rPr lang="fr-FR" b="0" dirty="0">
-                <a:solidFill>
-                  <a:srgbClr val="000000"/>
-                </a:solidFill>
-              </a:rPr>
-              <a:t>, ] – extraire les lignes en fonction des numéros de lignes.</a:t>
-            </a:r>
+              <a:t>– extraire les lignes en fonction des numéros de lignes</a:t>
+            </a:r>
+            <a:r>
+              <a:rPr lang="fr-FR" b="0" dirty="0" smtClean="0">
+                <a:solidFill>
+                  <a:srgbClr val="000000"/>
+                </a:solidFill>
+              </a:rPr>
+              <a:t>.</a:t>
+            </a:r>
+            <a:endParaRPr lang="fr-FR" sz="1000" b="0" dirty="0">
+              <a:solidFill>
+                <a:srgbClr val="000000"/>
+              </a:solidFill>
+            </a:endParaRPr>
           </a:p>
           <a:p>
             <a:pPr>
@@ -5190,37 +5306,6 @@
             </a:endParaRPr>
           </a:p>
           <a:p>
-            <a:pPr>
-              <a:lnSpc>
-                <a:spcPct val="90000"/>
-              </a:lnSpc>
-              <a:spcBef>
-                <a:spcPts val="300"/>
-              </a:spcBef>
-              <a:buClr>
-                <a:schemeClr val="accent4">
-                  <a:hueOff val="384618"/>
-                  <a:satOff val="3869"/>
-                  <a:lumOff val="5802"/>
-                </a:schemeClr>
-              </a:buClr>
-              <a:defRPr b="0">
-                <a:solidFill>
-                  <a:srgbClr val="000000"/>
-                </a:solidFill>
-                <a:latin typeface="+mn-lt"/>
-                <a:ea typeface="+mn-ea"/>
-                <a:cs typeface="+mn-cs"/>
-                <a:sym typeface="Source Sans Pro Light"/>
-              </a:defRPr>
-            </a:pPr>
-            <a:endParaRPr lang="fr-FR" sz="1000" b="0" dirty="0">
-              <a:solidFill>
-                <a:srgbClr val="000000"/>
-              </a:solidFill>
-            </a:endParaRPr>
-          </a:p>
-          <a:p>
             <a:pPr lvl="1" indent="0">
               <a:lnSpc>
                 <a:spcPct val="90000"/>
@@ -5248,7 +5333,23 @@
                   <a:srgbClr val="119571"/>
                 </a:solidFill>
               </a:rPr>
-              <a:t>a &gt; 5</a:t>
+              <a:t>a &gt; </a:t>
+            </a:r>
+            <a:r>
+              <a:rPr lang="fr-FR" dirty="0" smtClean="0">
+                <a:solidFill>
+                  <a:srgbClr val="119571"/>
+                </a:solidFill>
+              </a:rPr>
+              <a:t>5</a:t>
+            </a:r>
+            <a:r>
+              <a:rPr lang="fr-FR" b="0" dirty="0" smtClean="0">
+                <a:solidFill>
+                  <a:srgbClr val="000000"/>
+                </a:solidFill>
+              </a:rPr>
+              <a:t>] </a:t>
             </a:r>
             <a:r>
               <a:rPr lang="fr-FR" b="0" dirty="0">
@@ -5256,7 +5357,7 @@
                   <a:srgbClr val="000000"/>
                 </a:solidFill>
               </a:rPr>
-              <a:t>, ] – extraire les lignes en fonction des valeurs contenues dans une ou plusieurs colonnes.</a:t>
+              <a:t>– extraire les lignes en fonction des valeurs contenues dans une ou plusieurs colonnes.</a:t>
             </a:r>
           </a:p>
           <a:p>
@@ -5311,7 +5412,7 @@
           </a:ln>
           <a:extLst>
             <a:ext uri="{C572A759-6A51-4108-AA02-DFA0A04FC94B}">
-              <ma14:wrappingTextBoxFlag xmlns="" xmlns:ma14="http://schemas.microsoft.com/office/mac/drawingml/2011/main" val="1"/>
+              <ma14:wrappingTextBoxFlag xmlns:ma14="http://schemas.microsoft.com/office/mac/drawingml/2011/main" xmlns="" val="1"/>
             </a:ext>
           </a:extLst>
         </p:spPr>
@@ -5417,7 +5518,7 @@
           </a:ln>
           <a:extLst>
             <a:ext uri="{C572A759-6A51-4108-AA02-DFA0A04FC94B}">
-              <ma14:wrappingTextBoxFlag xmlns="" xmlns:ma14="http://schemas.microsoft.com/office/mac/drawingml/2011/main" val="1"/>
+              <ma14:wrappingTextBoxFlag xmlns:ma14="http://schemas.microsoft.com/office/mac/drawingml/2011/main" xmlns="" val="1"/>
             </a:ext>
           </a:extLst>
         </p:spPr>
@@ -5509,7 +5610,7 @@
           </a:ln>
           <a:extLst>
             <a:ext uri="{C572A759-6A51-4108-AA02-DFA0A04FC94B}">
-              <ma14:wrappingTextBoxFlag xmlns="" xmlns:ma14="http://schemas.microsoft.com/office/mac/drawingml/2011/main" val="1"/>
+              <ma14:wrappingTextBoxFlag xmlns:ma14="http://schemas.microsoft.com/office/mac/drawingml/2011/main" xmlns="" val="1"/>
             </a:ext>
           </a:extLst>
         </p:spPr>
@@ -5573,7 +5674,7 @@
           <p:nvPr>
             <p:extLst>
               <p:ext uri="{D42A27DB-BD31-4B8C-83A1-F6EECF244321}">
-                <p14:modId xmlns:p14="http://schemas.microsoft.com/office/powerpoint/2010/main" val="2301038660"/>
+                <p14:modId xmlns:p14="http://schemas.microsoft.com/office/powerpoint/2010/main" xmlns="" val="2301038660"/>
               </p:ext>
             </p:extLst>
           </p:nvPr>
@@ -5592,21 +5693,21 @@
                 <a:gridCol w="154800">
                   <a:extLst>
                     <a:ext uri="{9D8B030D-6E8A-4147-A177-3AD203B41FA5}">
-                      <a16:colId xmlns:a16="http://schemas.microsoft.com/office/drawing/2014/main" val="20000"/>
+                      <a16:colId xmlns:a16="http://schemas.microsoft.com/office/drawing/2014/main" xmlns="" val="20000"/>
                     </a:ext>
                   </a:extLst>
                 </a:gridCol>
                 <a:gridCol w="154800">
                   <a:extLst>
                     <a:ext uri="{9D8B030D-6E8A-4147-A177-3AD203B41FA5}">
-                      <a16:colId xmlns:a16="http://schemas.microsoft.com/office/drawing/2014/main" val="20001"/>
+                      <a16:colId xmlns:a16="http://schemas.microsoft.com/office/drawing/2014/main" xmlns="" val="20001"/>
                     </a:ext>
                   </a:extLst>
                 </a:gridCol>
                 <a:gridCol w="154800">
                   <a:extLst>
                     <a:ext uri="{9D8B030D-6E8A-4147-A177-3AD203B41FA5}">
-                      <a16:colId xmlns:a16="http://schemas.microsoft.com/office/drawing/2014/main" val="20002"/>
+                      <a16:colId xmlns:a16="http://schemas.microsoft.com/office/drawing/2014/main" xmlns="" val="20002"/>
                     </a:ext>
                   </a:extLst>
                 </a:gridCol>
@@ -5680,7 +5781,7 @@
                 </a:tc>
                 <a:extLst>
                   <a:ext uri="{0D108BD9-81ED-4DB2-BD59-A6C34878D82A}">
-                    <a16:rowId xmlns:a16="http://schemas.microsoft.com/office/drawing/2014/main" val="10000"/>
+                    <a16:rowId xmlns:a16="http://schemas.microsoft.com/office/drawing/2014/main" xmlns="" val="10000"/>
                   </a:ext>
                 </a:extLst>
               </a:tr>
@@ -5759,7 +5860,7 @@
                 </a:tc>
                 <a:extLst>
                   <a:ext uri="{0D108BD9-81ED-4DB2-BD59-A6C34878D82A}">
-                    <a16:rowId xmlns:a16="http://schemas.microsoft.com/office/drawing/2014/main" val="10001"/>
+                    <a16:rowId xmlns:a16="http://schemas.microsoft.com/office/drawing/2014/main" xmlns="" val="10001"/>
                   </a:ext>
                 </a:extLst>
               </a:tr>
@@ -5838,7 +5939,7 @@
                 </a:tc>
                 <a:extLst>
                   <a:ext uri="{0D108BD9-81ED-4DB2-BD59-A6C34878D82A}">
-                    <a16:rowId xmlns:a16="http://schemas.microsoft.com/office/drawing/2014/main" val="10002"/>
+                    <a16:rowId xmlns:a16="http://schemas.microsoft.com/office/drawing/2014/main" xmlns="" val="10002"/>
                   </a:ext>
                 </a:extLst>
               </a:tr>
@@ -5907,7 +6008,7 @@
           <p:nvPr>
             <p:extLst>
               <p:ext uri="{D42A27DB-BD31-4B8C-83A1-F6EECF244321}">
-                <p14:modId xmlns:p14="http://schemas.microsoft.com/office/powerpoint/2010/main" val="3601920635"/>
+                <p14:modId xmlns:p14="http://schemas.microsoft.com/office/powerpoint/2010/main" xmlns="" val="3601920635"/>
               </p:ext>
             </p:extLst>
           </p:nvPr>
@@ -5926,21 +6027,21 @@
                 <a:gridCol w="154800">
                   <a:extLst>
                     <a:ext uri="{9D8B030D-6E8A-4147-A177-3AD203B41FA5}">
-                      <a16:colId xmlns:a16="http://schemas.microsoft.com/office/drawing/2014/main" val="20000"/>
+                      <a16:colId xmlns:a16="http://schemas.microsoft.com/office/drawing/2014/main" xmlns="" val="20000"/>
                     </a:ext>
                   </a:extLst>
                 </a:gridCol>
                 <a:gridCol w="154800">
                   <a:extLst>
                     <a:ext uri="{9D8B030D-6E8A-4147-A177-3AD203B41FA5}">
-                      <a16:colId xmlns:a16="http://schemas.microsoft.com/office/drawing/2014/main" val="20001"/>
+                      <a16:colId xmlns:a16="http://schemas.microsoft.com/office/drawing/2014/main" xmlns="" val="20001"/>
                     </a:ext>
                   </a:extLst>
                 </a:gridCol>
                 <a:gridCol w="154800">
                   <a:extLst>
                     <a:ext uri="{9D8B030D-6E8A-4147-A177-3AD203B41FA5}">
-                      <a16:colId xmlns:a16="http://schemas.microsoft.com/office/drawing/2014/main" val="20002"/>
+                      <a16:colId xmlns:a16="http://schemas.microsoft.com/office/drawing/2014/main" xmlns="" val="20002"/>
                     </a:ext>
                   </a:extLst>
                 </a:gridCol>
@@ -6014,7 +6115,7 @@
                 </a:tc>
                 <a:extLst>
                   <a:ext uri="{0D108BD9-81ED-4DB2-BD59-A6C34878D82A}">
-                    <a16:rowId xmlns:a16="http://schemas.microsoft.com/office/drawing/2014/main" val="10000"/>
+                    <a16:rowId xmlns:a16="http://schemas.microsoft.com/office/drawing/2014/main" xmlns="" val="10000"/>
                   </a:ext>
                 </a:extLst>
               </a:tr>
@@ -6093,7 +6194,7 @@
                 </a:tc>
                 <a:extLst>
                   <a:ext uri="{0D108BD9-81ED-4DB2-BD59-A6C34878D82A}">
-                    <a16:rowId xmlns:a16="http://schemas.microsoft.com/office/drawing/2014/main" val="10001"/>
+                    <a16:rowId xmlns:a16="http://schemas.microsoft.com/office/drawing/2014/main" xmlns="" val="10001"/>
                   </a:ext>
                 </a:extLst>
               </a:tr>
@@ -6172,7 +6273,7 @@
                 </a:tc>
                 <a:extLst>
                   <a:ext uri="{0D108BD9-81ED-4DB2-BD59-A6C34878D82A}">
-                    <a16:rowId xmlns:a16="http://schemas.microsoft.com/office/drawing/2014/main" val="10002"/>
+                    <a16:rowId xmlns:a16="http://schemas.microsoft.com/office/drawing/2014/main" xmlns="" val="10002"/>
                   </a:ext>
                 </a:extLst>
               </a:tr>
@@ -6245,7 +6346,7 @@
                 </a:tc>
                 <a:extLst>
                   <a:ext uri="{0D108BD9-81ED-4DB2-BD59-A6C34878D82A}">
-                    <a16:rowId xmlns:a16="http://schemas.microsoft.com/office/drawing/2014/main" val="10003"/>
+                    <a16:rowId xmlns:a16="http://schemas.microsoft.com/office/drawing/2014/main" xmlns="" val="10003"/>
                   </a:ext>
                 </a:extLst>
               </a:tr>
@@ -6272,7 +6373,7 @@
           </a:ln>
           <a:extLst>
             <a:ext uri="{C572A759-6A51-4108-AA02-DFA0A04FC94B}">
-              <ma14:wrappingTextBoxFlag xmlns="" xmlns:ma14="http://schemas.microsoft.com/office/mac/drawingml/2011/main" val="1"/>
+              <ma14:wrappingTextBoxFlag xmlns:ma14="http://schemas.microsoft.com/office/mac/drawingml/2011/main" xmlns="" val="1"/>
             </a:ext>
           </a:extLst>
         </p:spPr>
@@ -6317,8 +6418,53 @@
                   <a:srgbClr val="000000"/>
                 </a:solidFill>
               </a:rPr>
-              <a:t>] – extraire les colonnes par numéro. Préfixer les numéros de colonne avec “-” pour les éliminer.</a:t>
-            </a:r>
+              <a:t>] – extraire </a:t>
+            </a:r>
+            <a:r>
+              <a:rPr lang="fr-FR" b="0" dirty="0" smtClean="0">
+                <a:solidFill>
+                  <a:srgbClr val="000000"/>
+                </a:solidFill>
+              </a:rPr>
+              <a:t>des </a:t>
+            </a:r>
+            <a:r>
+              <a:rPr lang="fr-FR" b="0" dirty="0">
+                <a:solidFill>
+                  <a:srgbClr val="000000"/>
+                </a:solidFill>
+              </a:rPr>
+              <a:t>colonnes par numéro. Préfixer </a:t>
+            </a:r>
+            <a:r>
+              <a:rPr lang="fr-FR" b="0" dirty="0" smtClean="0">
+                <a:solidFill>
+                  <a:srgbClr val="000000"/>
+                </a:solidFill>
+              </a:rPr>
+              <a:t>avec “-” les </a:t>
+            </a:r>
+            <a:r>
+              <a:rPr lang="fr-FR" b="0" dirty="0">
+                <a:solidFill>
+                  <a:srgbClr val="000000"/>
+                </a:solidFill>
+              </a:rPr>
+              <a:t>numéros </a:t>
+            </a:r>
+            <a:r>
+              <a:rPr lang="fr-FR" b="0" dirty="0" smtClean="0">
+                <a:solidFill>
+                  <a:srgbClr val="000000"/>
+                </a:solidFill>
+              </a:rPr>
+              <a:t>des colonnes à ignorer.</a:t>
+            </a:r>
+            <a:endParaRPr lang="fr-FR" b="0" dirty="0">
+              <a:solidFill>
+                <a:srgbClr val="000000"/>
+              </a:solidFill>
+            </a:endParaRPr>
           </a:p>
         </p:txBody>
       </p:sp>
@@ -6329,7 +6475,7 @@
           <p:nvPr>
             <p:extLst>
               <p:ext uri="{D42A27DB-BD31-4B8C-83A1-F6EECF244321}">
-                <p14:modId xmlns:p14="http://schemas.microsoft.com/office/powerpoint/2010/main" val="3840837557"/>
+                <p14:modId xmlns:p14="http://schemas.microsoft.com/office/powerpoint/2010/main" xmlns="" val="3840837557"/>
               </p:ext>
             </p:extLst>
           </p:nvPr>
@@ -6348,7 +6494,7 @@
                 <a:gridCol w="154800">
                   <a:extLst>
                     <a:ext uri="{9D8B030D-6E8A-4147-A177-3AD203B41FA5}">
-                      <a16:colId xmlns:a16="http://schemas.microsoft.com/office/drawing/2014/main" val="20000"/>
+                      <a16:colId xmlns:a16="http://schemas.microsoft.com/office/drawing/2014/main" xmlns="" val="20000"/>
                     </a:ext>
                   </a:extLst>
                 </a:gridCol>
@@ -6380,7 +6526,7 @@
                 </a:tc>
                 <a:extLst>
                   <a:ext uri="{0D108BD9-81ED-4DB2-BD59-A6C34878D82A}">
-                    <a16:rowId xmlns:a16="http://schemas.microsoft.com/office/drawing/2014/main" val="10000"/>
+                    <a16:rowId xmlns:a16="http://schemas.microsoft.com/office/drawing/2014/main" xmlns="" val="10000"/>
                   </a:ext>
                 </a:extLst>
               </a:tr>
@@ -6411,7 +6557,7 @@
                 </a:tc>
                 <a:extLst>
                   <a:ext uri="{0D108BD9-81ED-4DB2-BD59-A6C34878D82A}">
-                    <a16:rowId xmlns:a16="http://schemas.microsoft.com/office/drawing/2014/main" val="10001"/>
+                    <a16:rowId xmlns:a16="http://schemas.microsoft.com/office/drawing/2014/main" xmlns="" val="10001"/>
                   </a:ext>
                 </a:extLst>
               </a:tr>
@@ -6442,7 +6588,7 @@
                 </a:tc>
                 <a:extLst>
                   <a:ext uri="{0D108BD9-81ED-4DB2-BD59-A6C34878D82A}">
-                    <a16:rowId xmlns:a16="http://schemas.microsoft.com/office/drawing/2014/main" val="10002"/>
+                    <a16:rowId xmlns:a16="http://schemas.microsoft.com/office/drawing/2014/main" xmlns="" val="10002"/>
                   </a:ext>
                 </a:extLst>
               </a:tr>
@@ -6473,7 +6619,7 @@
                 </a:tc>
                 <a:extLst>
                   <a:ext uri="{0D108BD9-81ED-4DB2-BD59-A6C34878D82A}">
-                    <a16:rowId xmlns:a16="http://schemas.microsoft.com/office/drawing/2014/main" val="10003"/>
+                    <a16:rowId xmlns:a16="http://schemas.microsoft.com/office/drawing/2014/main" xmlns="" val="10003"/>
                   </a:ext>
                 </a:extLst>
               </a:tr>
@@ -6542,7 +6688,7 @@
           <p:nvPr>
             <p:extLst>
               <p:ext uri="{D42A27DB-BD31-4B8C-83A1-F6EECF244321}">
-                <p14:modId xmlns:p14="http://schemas.microsoft.com/office/powerpoint/2010/main" val="336120589"/>
+                <p14:modId xmlns:p14="http://schemas.microsoft.com/office/powerpoint/2010/main" xmlns="" val="336120589"/>
               </p:ext>
             </p:extLst>
           </p:nvPr>
@@ -6561,21 +6707,21 @@
                 <a:gridCol w="154800">
                   <a:extLst>
                     <a:ext uri="{9D8B030D-6E8A-4147-A177-3AD203B41FA5}">
-                      <a16:colId xmlns:a16="http://schemas.microsoft.com/office/drawing/2014/main" val="20000"/>
+                      <a16:colId xmlns:a16="http://schemas.microsoft.com/office/drawing/2014/main" xmlns="" val="20000"/>
                     </a:ext>
                   </a:extLst>
                 </a:gridCol>
                 <a:gridCol w="154800">
                   <a:extLst>
                     <a:ext uri="{9D8B030D-6E8A-4147-A177-3AD203B41FA5}">
-                      <a16:colId xmlns:a16="http://schemas.microsoft.com/office/drawing/2014/main" val="20001"/>
+                      <a16:colId xmlns:a16="http://schemas.microsoft.com/office/drawing/2014/main" xmlns="" val="20001"/>
                     </a:ext>
                   </a:extLst>
                 </a:gridCol>
                 <a:gridCol w="154800">
                   <a:extLst>
                     <a:ext uri="{9D8B030D-6E8A-4147-A177-3AD203B41FA5}">
-                      <a16:colId xmlns:a16="http://schemas.microsoft.com/office/drawing/2014/main" val="20002"/>
+                      <a16:colId xmlns:a16="http://schemas.microsoft.com/office/drawing/2014/main" xmlns="" val="20002"/>
                     </a:ext>
                   </a:extLst>
                 </a:gridCol>
@@ -6651,7 +6797,7 @@
                 </a:tc>
                 <a:extLst>
                   <a:ext uri="{0D108BD9-81ED-4DB2-BD59-A6C34878D82A}">
-                    <a16:rowId xmlns:a16="http://schemas.microsoft.com/office/drawing/2014/main" val="10000"/>
+                    <a16:rowId xmlns:a16="http://schemas.microsoft.com/office/drawing/2014/main" xmlns="" val="10000"/>
                   </a:ext>
                 </a:extLst>
               </a:tr>
@@ -6726,7 +6872,7 @@
                 </a:tc>
                 <a:extLst>
                   <a:ext uri="{0D108BD9-81ED-4DB2-BD59-A6C34878D82A}">
-                    <a16:rowId xmlns:a16="http://schemas.microsoft.com/office/drawing/2014/main" val="10001"/>
+                    <a16:rowId xmlns:a16="http://schemas.microsoft.com/office/drawing/2014/main" xmlns="" val="10001"/>
                   </a:ext>
                 </a:extLst>
               </a:tr>
@@ -6801,7 +6947,7 @@
                 </a:tc>
                 <a:extLst>
                   <a:ext uri="{0D108BD9-81ED-4DB2-BD59-A6C34878D82A}">
-                    <a16:rowId xmlns:a16="http://schemas.microsoft.com/office/drawing/2014/main" val="10002"/>
+                    <a16:rowId xmlns:a16="http://schemas.microsoft.com/office/drawing/2014/main" xmlns="" val="10002"/>
                   </a:ext>
                 </a:extLst>
               </a:tr>
@@ -6876,7 +7022,7 @@
                 </a:tc>
                 <a:extLst>
                   <a:ext uri="{0D108BD9-81ED-4DB2-BD59-A6C34878D82A}">
-                    <a16:rowId xmlns:a16="http://schemas.microsoft.com/office/drawing/2014/main" val="10003"/>
+                    <a16:rowId xmlns:a16="http://schemas.microsoft.com/office/drawing/2014/main" xmlns="" val="10003"/>
                   </a:ext>
                 </a:extLst>
               </a:tr>
@@ -6903,7 +7049,7 @@
           </a:ln>
           <a:extLst>
             <a:ext uri="{C572A759-6A51-4108-AA02-DFA0A04FC94B}">
-              <ma14:wrappingTextBoxFlag xmlns="" xmlns:ma14="http://schemas.microsoft.com/office/mac/drawingml/2011/main" val="1"/>
+              <ma14:wrappingTextBoxFlag xmlns:ma14="http://schemas.microsoft.com/office/mac/drawingml/2011/main" xmlns="" val="1"/>
             </a:ext>
           </a:extLst>
         </p:spPr>
@@ -6974,7 +7120,7 @@
           <p:nvPr>
             <p:extLst>
               <p:ext uri="{D42A27DB-BD31-4B8C-83A1-F6EECF244321}">
-                <p14:modId xmlns:p14="http://schemas.microsoft.com/office/powerpoint/2010/main" val="4127869966"/>
+                <p14:modId xmlns:p14="http://schemas.microsoft.com/office/powerpoint/2010/main" xmlns="" val="4127869966"/>
               </p:ext>
             </p:extLst>
           </p:nvPr>
@@ -6993,14 +7139,14 @@
                 <a:gridCol w="154800">
                   <a:extLst>
                     <a:ext uri="{9D8B030D-6E8A-4147-A177-3AD203B41FA5}">
-                      <a16:colId xmlns:a16="http://schemas.microsoft.com/office/drawing/2014/main" val="20000"/>
+                      <a16:colId xmlns:a16="http://schemas.microsoft.com/office/drawing/2014/main" xmlns="" val="20000"/>
                     </a:ext>
                   </a:extLst>
                 </a:gridCol>
                 <a:gridCol w="154800">
                   <a:extLst>
                     <a:ext uri="{9D8B030D-6E8A-4147-A177-3AD203B41FA5}">
-                      <a16:colId xmlns:a16="http://schemas.microsoft.com/office/drawing/2014/main" val="20001"/>
+                      <a16:colId xmlns:a16="http://schemas.microsoft.com/office/drawing/2014/main" xmlns="" val="20001"/>
                     </a:ext>
                   </a:extLst>
                 </a:gridCol>
@@ -7064,7 +7210,7 @@
                 </a:tc>
                 <a:extLst>
                   <a:ext uri="{0D108BD9-81ED-4DB2-BD59-A6C34878D82A}">
-                    <a16:rowId xmlns:a16="http://schemas.microsoft.com/office/drawing/2014/main" val="10000"/>
+                    <a16:rowId xmlns:a16="http://schemas.microsoft.com/office/drawing/2014/main" xmlns="" val="10000"/>
                   </a:ext>
                 </a:extLst>
               </a:tr>
@@ -7119,7 +7265,7 @@
                 </a:tc>
                 <a:extLst>
                   <a:ext uri="{0D108BD9-81ED-4DB2-BD59-A6C34878D82A}">
-                    <a16:rowId xmlns:a16="http://schemas.microsoft.com/office/drawing/2014/main" val="10001"/>
+                    <a16:rowId xmlns:a16="http://schemas.microsoft.com/office/drawing/2014/main" xmlns="" val="10001"/>
                   </a:ext>
                 </a:extLst>
               </a:tr>
@@ -7174,7 +7320,7 @@
                 </a:tc>
                 <a:extLst>
                   <a:ext uri="{0D108BD9-81ED-4DB2-BD59-A6C34878D82A}">
-                    <a16:rowId xmlns:a16="http://schemas.microsoft.com/office/drawing/2014/main" val="10002"/>
+                    <a16:rowId xmlns:a16="http://schemas.microsoft.com/office/drawing/2014/main" xmlns="" val="10002"/>
                   </a:ext>
                 </a:extLst>
               </a:tr>
@@ -7229,7 +7375,7 @@
                 </a:tc>
                 <a:extLst>
                   <a:ext uri="{0D108BD9-81ED-4DB2-BD59-A6C34878D82A}">
-                    <a16:rowId xmlns:a16="http://schemas.microsoft.com/office/drawing/2014/main" val="10003"/>
+                    <a16:rowId xmlns:a16="http://schemas.microsoft.com/office/drawing/2014/main" xmlns="" val="10003"/>
                   </a:ext>
                 </a:extLst>
               </a:tr>
@@ -7298,7 +7444,7 @@
           <p:nvPr>
             <p:extLst>
               <p:ext uri="{D42A27DB-BD31-4B8C-83A1-F6EECF244321}">
-                <p14:modId xmlns:p14="http://schemas.microsoft.com/office/powerpoint/2010/main" val="2704408127"/>
+                <p14:modId xmlns:p14="http://schemas.microsoft.com/office/powerpoint/2010/main" xmlns="" val="2704408127"/>
               </p:ext>
             </p:extLst>
           </p:nvPr>
@@ -7317,21 +7463,21 @@
                 <a:gridCol w="154800">
                   <a:extLst>
                     <a:ext uri="{9D8B030D-6E8A-4147-A177-3AD203B41FA5}">
-                      <a16:colId xmlns:a16="http://schemas.microsoft.com/office/drawing/2014/main" val="20000"/>
+                      <a16:colId xmlns:a16="http://schemas.microsoft.com/office/drawing/2014/main" xmlns="" val="20000"/>
                     </a:ext>
                   </a:extLst>
                 </a:gridCol>
                 <a:gridCol w="154800">
                   <a:extLst>
                     <a:ext uri="{9D8B030D-6E8A-4147-A177-3AD203B41FA5}">
-                      <a16:colId xmlns:a16="http://schemas.microsoft.com/office/drawing/2014/main" val="20001"/>
+                      <a16:colId xmlns:a16="http://schemas.microsoft.com/office/drawing/2014/main" xmlns="" val="20001"/>
                     </a:ext>
                   </a:extLst>
                 </a:gridCol>
                 <a:gridCol w="154800">
                   <a:extLst>
                     <a:ext uri="{9D8B030D-6E8A-4147-A177-3AD203B41FA5}">
-                      <a16:colId xmlns:a16="http://schemas.microsoft.com/office/drawing/2014/main" val="20002"/>
+                      <a16:colId xmlns:a16="http://schemas.microsoft.com/office/drawing/2014/main" xmlns="" val="20002"/>
                     </a:ext>
                   </a:extLst>
                 </a:gridCol>
@@ -7417,7 +7563,7 @@
                 </a:tc>
                 <a:extLst>
                   <a:ext uri="{0D108BD9-81ED-4DB2-BD59-A6C34878D82A}">
-                    <a16:rowId xmlns:a16="http://schemas.microsoft.com/office/drawing/2014/main" val="10000"/>
+                    <a16:rowId xmlns:a16="http://schemas.microsoft.com/office/drawing/2014/main" xmlns="" val="10000"/>
                   </a:ext>
                 </a:extLst>
               </a:tr>
@@ -7494,7 +7640,7 @@
                 </a:tc>
                 <a:extLst>
                   <a:ext uri="{0D108BD9-81ED-4DB2-BD59-A6C34878D82A}">
-                    <a16:rowId xmlns:a16="http://schemas.microsoft.com/office/drawing/2014/main" val="10001"/>
+                    <a16:rowId xmlns:a16="http://schemas.microsoft.com/office/drawing/2014/main" xmlns="" val="10001"/>
                   </a:ext>
                 </a:extLst>
               </a:tr>
@@ -7571,7 +7717,7 @@
                 </a:tc>
                 <a:extLst>
                   <a:ext uri="{0D108BD9-81ED-4DB2-BD59-A6C34878D82A}">
-                    <a16:rowId xmlns:a16="http://schemas.microsoft.com/office/drawing/2014/main" val="10002"/>
+                    <a16:rowId xmlns:a16="http://schemas.microsoft.com/office/drawing/2014/main" xmlns="" val="10002"/>
                   </a:ext>
                 </a:extLst>
               </a:tr>
@@ -7648,7 +7794,7 @@
                 </a:tc>
                 <a:extLst>
                   <a:ext uri="{0D108BD9-81ED-4DB2-BD59-A6C34878D82A}">
-                    <a16:rowId xmlns:a16="http://schemas.microsoft.com/office/drawing/2014/main" val="10003"/>
+                    <a16:rowId xmlns:a16="http://schemas.microsoft.com/office/drawing/2014/main" xmlns="" val="10003"/>
                   </a:ext>
                 </a:extLst>
               </a:tr>
@@ -7663,7 +7809,7 @@
           <p:nvPr>
             <p:extLst>
               <p:ext uri="{D42A27DB-BD31-4B8C-83A1-F6EECF244321}">
-                <p14:modId xmlns:p14="http://schemas.microsoft.com/office/powerpoint/2010/main" val="2821445932"/>
+                <p14:modId xmlns:p14="http://schemas.microsoft.com/office/powerpoint/2010/main" xmlns="" val="2821445932"/>
               </p:ext>
             </p:extLst>
           </p:nvPr>
@@ -7682,21 +7828,21 @@
                 <a:gridCol w="154800">
                   <a:extLst>
                     <a:ext uri="{9D8B030D-6E8A-4147-A177-3AD203B41FA5}">
-                      <a16:colId xmlns:a16="http://schemas.microsoft.com/office/drawing/2014/main" val="20000"/>
+                      <a16:colId xmlns:a16="http://schemas.microsoft.com/office/drawing/2014/main" xmlns="" val="20000"/>
                     </a:ext>
                   </a:extLst>
                 </a:gridCol>
                 <a:gridCol w="154800">
                   <a:extLst>
                     <a:ext uri="{9D8B030D-6E8A-4147-A177-3AD203B41FA5}">
-                      <a16:colId xmlns:a16="http://schemas.microsoft.com/office/drawing/2014/main" val="20001"/>
+                      <a16:colId xmlns:a16="http://schemas.microsoft.com/office/drawing/2014/main" xmlns="" val="20001"/>
                     </a:ext>
                   </a:extLst>
                 </a:gridCol>
                 <a:gridCol w="154800">
                   <a:extLst>
                     <a:ext uri="{9D8B030D-6E8A-4147-A177-3AD203B41FA5}">
-                      <a16:colId xmlns:a16="http://schemas.microsoft.com/office/drawing/2014/main" val="20002"/>
+                      <a16:colId xmlns:a16="http://schemas.microsoft.com/office/drawing/2014/main" xmlns="" val="20002"/>
                     </a:ext>
                   </a:extLst>
                 </a:gridCol>
@@ -7776,7 +7922,7 @@
                 </a:tc>
                 <a:extLst>
                   <a:ext uri="{0D108BD9-81ED-4DB2-BD59-A6C34878D82A}">
-                    <a16:rowId xmlns:a16="http://schemas.microsoft.com/office/drawing/2014/main" val="10000"/>
+                    <a16:rowId xmlns:a16="http://schemas.microsoft.com/office/drawing/2014/main" xmlns="" val="10000"/>
                   </a:ext>
                 </a:extLst>
               </a:tr>
@@ -7867,7 +8013,7 @@
                 </a:tc>
                 <a:extLst>
                   <a:ext uri="{0D108BD9-81ED-4DB2-BD59-A6C34878D82A}">
-                    <a16:rowId xmlns:a16="http://schemas.microsoft.com/office/drawing/2014/main" val="10001"/>
+                    <a16:rowId xmlns:a16="http://schemas.microsoft.com/office/drawing/2014/main" xmlns="" val="10001"/>
                   </a:ext>
                 </a:extLst>
               </a:tr>
@@ -7936,7 +8082,7 @@
           <p:nvPr>
             <p:extLst>
               <p:ext uri="{D42A27DB-BD31-4B8C-83A1-F6EECF244321}">
-                <p14:modId xmlns:p14="http://schemas.microsoft.com/office/powerpoint/2010/main" val="1631091416"/>
+                <p14:modId xmlns:p14="http://schemas.microsoft.com/office/powerpoint/2010/main" xmlns="" val="1631091416"/>
               </p:ext>
             </p:extLst>
           </p:nvPr>
@@ -7955,21 +8101,21 @@
                 <a:gridCol w="154800">
                   <a:extLst>
                     <a:ext uri="{9D8B030D-6E8A-4147-A177-3AD203B41FA5}">
-                      <a16:colId xmlns:a16="http://schemas.microsoft.com/office/drawing/2014/main" val="20000"/>
+                      <a16:colId xmlns:a16="http://schemas.microsoft.com/office/drawing/2014/main" xmlns="" val="20000"/>
                     </a:ext>
                   </a:extLst>
                 </a:gridCol>
                 <a:gridCol w="154800">
                   <a:extLst>
                     <a:ext uri="{9D8B030D-6E8A-4147-A177-3AD203B41FA5}">
-                      <a16:colId xmlns:a16="http://schemas.microsoft.com/office/drawing/2014/main" val="20001"/>
+                      <a16:colId xmlns:a16="http://schemas.microsoft.com/office/drawing/2014/main" xmlns="" val="20001"/>
                     </a:ext>
                   </a:extLst>
                 </a:gridCol>
                 <a:gridCol w="154800">
                   <a:extLst>
                     <a:ext uri="{9D8B030D-6E8A-4147-A177-3AD203B41FA5}">
-                      <a16:colId xmlns:a16="http://schemas.microsoft.com/office/drawing/2014/main" val="20002"/>
+                      <a16:colId xmlns:a16="http://schemas.microsoft.com/office/drawing/2014/main" xmlns="" val="20002"/>
                     </a:ext>
                   </a:extLst>
                 </a:gridCol>
@@ -8049,7 +8195,7 @@
                 </a:tc>
                 <a:extLst>
                   <a:ext uri="{0D108BD9-81ED-4DB2-BD59-A6C34878D82A}">
-                    <a16:rowId xmlns:a16="http://schemas.microsoft.com/office/drawing/2014/main" val="10000"/>
+                    <a16:rowId xmlns:a16="http://schemas.microsoft.com/office/drawing/2014/main" xmlns="" val="10000"/>
                   </a:ext>
                 </a:extLst>
               </a:tr>
@@ -8134,7 +8280,7 @@
                 </a:tc>
                 <a:extLst>
                   <a:ext uri="{0D108BD9-81ED-4DB2-BD59-A6C34878D82A}">
-                    <a16:rowId xmlns:a16="http://schemas.microsoft.com/office/drawing/2014/main" val="10001"/>
+                    <a16:rowId xmlns:a16="http://schemas.microsoft.com/office/drawing/2014/main" xmlns="" val="10001"/>
                   </a:ext>
                 </a:extLst>
               </a:tr>
@@ -8225,7 +8371,7 @@
                 </a:tc>
                 <a:extLst>
                   <a:ext uri="{0D108BD9-81ED-4DB2-BD59-A6C34878D82A}">
-                    <a16:rowId xmlns:a16="http://schemas.microsoft.com/office/drawing/2014/main" val="10002"/>
+                    <a16:rowId xmlns:a16="http://schemas.microsoft.com/office/drawing/2014/main" xmlns="" val="10002"/>
                   </a:ext>
                 </a:extLst>
               </a:tr>
@@ -8310,7 +8456,7 @@
                 </a:tc>
                 <a:extLst>
                   <a:ext uri="{0D108BD9-81ED-4DB2-BD59-A6C34878D82A}">
-                    <a16:rowId xmlns:a16="http://schemas.microsoft.com/office/drawing/2014/main" val="10003"/>
+                    <a16:rowId xmlns:a16="http://schemas.microsoft.com/office/drawing/2014/main" xmlns="" val="10003"/>
                   </a:ext>
                 </a:extLst>
               </a:tr>
@@ -8403,7 +8549,7 @@
         <p:spPr>
           <a:xfrm>
             <a:off x="5904365" y="4544336"/>
-            <a:ext cx="3250160" cy="993092"/>
+            <a:ext cx="3250160" cy="1159292"/>
           </a:xfrm>
           <a:prstGeom prst="rect">
             <a:avLst/>
@@ -8413,7 +8559,7 @@
           </a:ln>
           <a:extLst>
             <a:ext uri="{C572A759-6A51-4108-AA02-DFA0A04FC94B}">
-              <ma14:wrappingTextBoxFlag xmlns="" xmlns:ma14="http://schemas.microsoft.com/office/mac/drawingml/2011/main" val="1"/>
+              <ma14:wrappingTextBoxFlag xmlns:ma14="http://schemas.microsoft.com/office/mac/drawingml/2011/main" xmlns="" val="1"/>
             </a:ext>
           </a:extLst>
         </p:spPr>
@@ -8486,7 +8632,17 @@
                 <a:latin typeface="Source Sans Pro" panose="020B0503030403020204" pitchFamily="34" charset="0"/>
                 <a:ea typeface="Source Sans Pro" panose="020B0503030403020204" pitchFamily="34" charset="0"/>
               </a:rPr>
-              <a:t>] – créer une </a:t>
+              <a:t>] – créer </a:t>
+            </a:r>
+            <a:r>
+              <a:rPr lang="fr-FR" b="0" dirty="0" smtClean="0">
+                <a:solidFill>
+                  <a:srgbClr val="000000"/>
+                </a:solidFill>
+                <a:latin typeface="Source Sans Pro" panose="020B0503030403020204" pitchFamily="34" charset="0"/>
+                <a:ea typeface="Source Sans Pro" panose="020B0503030403020204" pitchFamily="34" charset="0"/>
+              </a:rPr>
+              <a:t>un </a:t>
             </a:r>
             <a:r>
               <a:rPr lang="fr-FR" b="0" dirty="0" err="1">
@@ -8537,7 +8693,27 @@
                 <a:latin typeface="Source Sans Pro" panose="020B0503030403020204" pitchFamily="34" charset="0"/>
                 <a:ea typeface="Source Sans Pro" panose="020B0503030403020204" pitchFamily="34" charset="0"/>
               </a:rPr>
-              <a:t>Les fonctions de résumé telles que </a:t>
+              <a:t>Les fonctions </a:t>
+            </a:r>
+            <a:r>
+              <a:rPr lang="fr-FR" b="0" dirty="0" smtClean="0">
+                <a:solidFill>
+                  <a:srgbClr val="000000"/>
+                </a:solidFill>
+                <a:latin typeface="Source Sans Pro" panose="020B0503030403020204" pitchFamily="34" charset="0"/>
+                <a:ea typeface="Source Sans Pro" panose="020B0503030403020204" pitchFamily="34" charset="0"/>
+              </a:rPr>
+              <a:t>de sommation telles </a:t>
+            </a:r>
+            <a:r>
+              <a:rPr lang="fr-FR" b="0" dirty="0">
+                <a:solidFill>
+                  <a:srgbClr val="000000"/>
+                </a:solidFill>
+                <a:latin typeface="Source Sans Pro" panose="020B0503030403020204" pitchFamily="34" charset="0"/>
+                <a:ea typeface="Source Sans Pro" panose="020B0503030403020204" pitchFamily="34" charset="0"/>
+              </a:rPr>
+              <a:t>que </a:t>
             </a:r>
             <a:r>
               <a:rPr lang="fr-FR" b="0" dirty="0" err="1">
@@ -8638,7 +8814,7 @@
         <p:spPr>
           <a:xfrm>
             <a:off x="9357554" y="3786541"/>
-            <a:ext cx="4320000" cy="1632161"/>
+            <a:ext cx="4320000" cy="1964560"/>
           </a:xfrm>
           <a:prstGeom prst="rect">
             <a:avLst/>
@@ -8648,7 +8824,7 @@
           </a:ln>
           <a:extLst>
             <a:ext uri="{C572A759-6A51-4108-AA02-DFA0A04FC94B}">
-              <ma14:wrappingTextBoxFlag xmlns="" xmlns:ma14="http://schemas.microsoft.com/office/mac/drawingml/2011/main" val="1"/>
+              <ma14:wrappingTextBoxFlag xmlns:ma14="http://schemas.microsoft.com/office/mac/drawingml/2011/main" xmlns="" val="1"/>
             </a:ext>
           </a:extLst>
         </p:spPr>
@@ -8741,7 +8917,23 @@
                   <a:srgbClr val="000000"/>
                 </a:solidFill>
               </a:rPr>
-              <a:t>– résumer les lignes par groupe</a:t>
+              <a:t>– </a:t>
+            </a:r>
+            <a:r>
+              <a:rPr lang="fr-FR" b="0" dirty="0" smtClean="0">
+                <a:solidFill>
+                  <a:srgbClr val="000000"/>
+                </a:solidFill>
+              </a:rPr>
+              <a:t>sommer les </a:t>
+            </a:r>
+            <a:r>
+              <a:rPr lang="fr-FR" b="0" dirty="0">
+                <a:solidFill>
+                  <a:srgbClr val="000000"/>
+                </a:solidFill>
+              </a:rPr>
+              <a:t>lignes par groupe</a:t>
             </a:r>
             <a:r>
               <a:rPr lang="fr-FR" b="0" dirty="0">
@@ -9236,7 +9428,7 @@
           <p:nvPr>
             <p:extLst>
               <p:ext uri="{D42A27DB-BD31-4B8C-83A1-F6EECF244321}">
-                <p14:modId xmlns:p14="http://schemas.microsoft.com/office/powerpoint/2010/main" val="4284701110"/>
+                <p14:modId xmlns:p14="http://schemas.microsoft.com/office/powerpoint/2010/main" xmlns="" val="4284701110"/>
               </p:ext>
             </p:extLst>
           </p:nvPr>
@@ -9255,21 +9447,21 @@
                 <a:gridCol w="154800">
                   <a:extLst>
                     <a:ext uri="{9D8B030D-6E8A-4147-A177-3AD203B41FA5}">
-                      <a16:colId xmlns:a16="http://schemas.microsoft.com/office/drawing/2014/main" val="20000"/>
+                      <a16:colId xmlns:a16="http://schemas.microsoft.com/office/drawing/2014/main" xmlns="" val="20000"/>
                     </a:ext>
                   </a:extLst>
                 </a:gridCol>
                 <a:gridCol w="154800">
                   <a:extLst>
                     <a:ext uri="{9D8B030D-6E8A-4147-A177-3AD203B41FA5}">
-                      <a16:colId xmlns:a16="http://schemas.microsoft.com/office/drawing/2014/main" val="20001"/>
+                      <a16:colId xmlns:a16="http://schemas.microsoft.com/office/drawing/2014/main" xmlns="" val="20001"/>
                     </a:ext>
                   </a:extLst>
                 </a:gridCol>
                 <a:gridCol w="154800">
                   <a:extLst>
                     <a:ext uri="{9D8B030D-6E8A-4147-A177-3AD203B41FA5}">
-                      <a16:colId xmlns:a16="http://schemas.microsoft.com/office/drawing/2014/main" val="20002"/>
+                      <a16:colId xmlns:a16="http://schemas.microsoft.com/office/drawing/2014/main" xmlns="" val="20002"/>
                     </a:ext>
                   </a:extLst>
                 </a:gridCol>
@@ -9349,7 +9541,7 @@
                 </a:tc>
                 <a:extLst>
                   <a:ext uri="{0D108BD9-81ED-4DB2-BD59-A6C34878D82A}">
-                    <a16:rowId xmlns:a16="http://schemas.microsoft.com/office/drawing/2014/main" val="10000"/>
+                    <a16:rowId xmlns:a16="http://schemas.microsoft.com/office/drawing/2014/main" xmlns="" val="10000"/>
                   </a:ext>
                 </a:extLst>
               </a:tr>
@@ -9436,7 +9628,7 @@
                 </a:tc>
                 <a:extLst>
                   <a:ext uri="{0D108BD9-81ED-4DB2-BD59-A6C34878D82A}">
-                    <a16:rowId xmlns:a16="http://schemas.microsoft.com/office/drawing/2014/main" val="10001"/>
+                    <a16:rowId xmlns:a16="http://schemas.microsoft.com/office/drawing/2014/main" xmlns="" val="10001"/>
                   </a:ext>
                 </a:extLst>
               </a:tr>
@@ -9523,7 +9715,7 @@
                 </a:tc>
                 <a:extLst>
                   <a:ext uri="{0D108BD9-81ED-4DB2-BD59-A6C34878D82A}">
-                    <a16:rowId xmlns:a16="http://schemas.microsoft.com/office/drawing/2014/main" val="10002"/>
+                    <a16:rowId xmlns:a16="http://schemas.microsoft.com/office/drawing/2014/main" xmlns="" val="10002"/>
                   </a:ext>
                 </a:extLst>
               </a:tr>
@@ -9592,7 +9784,7 @@
           <p:nvPr>
             <p:extLst>
               <p:ext uri="{D42A27DB-BD31-4B8C-83A1-F6EECF244321}">
-                <p14:modId xmlns:p14="http://schemas.microsoft.com/office/powerpoint/2010/main" val="449746630"/>
+                <p14:modId xmlns:p14="http://schemas.microsoft.com/office/powerpoint/2010/main" xmlns="" val="449746630"/>
               </p:ext>
             </p:extLst>
           </p:nvPr>
@@ -9611,14 +9803,14 @@
                 <a:gridCol w="154800">
                   <a:extLst>
                     <a:ext uri="{9D8B030D-6E8A-4147-A177-3AD203B41FA5}">
-                      <a16:colId xmlns:a16="http://schemas.microsoft.com/office/drawing/2014/main" val="20000"/>
+                      <a16:colId xmlns:a16="http://schemas.microsoft.com/office/drawing/2014/main" xmlns="" val="20000"/>
                     </a:ext>
                   </a:extLst>
                 </a:gridCol>
                 <a:gridCol w="154800">
                   <a:extLst>
                     <a:ext uri="{9D8B030D-6E8A-4147-A177-3AD203B41FA5}">
-                      <a16:colId xmlns:a16="http://schemas.microsoft.com/office/drawing/2014/main" val="20001"/>
+                      <a16:colId xmlns:a16="http://schemas.microsoft.com/office/drawing/2014/main" xmlns="" val="20001"/>
                     </a:ext>
                   </a:extLst>
                 </a:gridCol>
@@ -9670,7 +9862,7 @@
                 </a:tc>
                 <a:extLst>
                   <a:ext uri="{0D108BD9-81ED-4DB2-BD59-A6C34878D82A}">
-                    <a16:rowId xmlns:a16="http://schemas.microsoft.com/office/drawing/2014/main" val="10000"/>
+                    <a16:rowId xmlns:a16="http://schemas.microsoft.com/office/drawing/2014/main" xmlns="" val="10000"/>
                   </a:ext>
                 </a:extLst>
               </a:tr>
@@ -9721,7 +9913,7 @@
                 </a:tc>
                 <a:extLst>
                   <a:ext uri="{0D108BD9-81ED-4DB2-BD59-A6C34878D82A}">
-                    <a16:rowId xmlns:a16="http://schemas.microsoft.com/office/drawing/2014/main" val="10001"/>
+                    <a16:rowId xmlns:a16="http://schemas.microsoft.com/office/drawing/2014/main" xmlns="" val="10001"/>
                   </a:ext>
                 </a:extLst>
               </a:tr>
@@ -9772,7 +9964,7 @@
                 </a:tc>
                 <a:extLst>
                   <a:ext uri="{0D108BD9-81ED-4DB2-BD59-A6C34878D82A}">
-                    <a16:rowId xmlns:a16="http://schemas.microsoft.com/office/drawing/2014/main" val="10002"/>
+                    <a16:rowId xmlns:a16="http://schemas.microsoft.com/office/drawing/2014/main" xmlns="" val="10002"/>
                   </a:ext>
                 </a:extLst>
               </a:tr>
@@ -9799,7 +9991,7 @@
           </a:ln>
           <a:extLst>
             <a:ext uri="{C572A759-6A51-4108-AA02-DFA0A04FC94B}">
-              <ma14:wrappingTextBoxFlag xmlns="" xmlns:ma14="http://schemas.microsoft.com/office/mac/drawingml/2011/main" val="1"/>
+              <ma14:wrappingTextBoxFlag xmlns:ma14="http://schemas.microsoft.com/office/mac/drawingml/2011/main" xmlns="" val="1"/>
             </a:ext>
           </a:extLst>
         </p:spPr>
@@ -9852,7 +10044,23 @@
                   <a:srgbClr val="000000"/>
                 </a:solidFill>
               </a:rPr>
-              <a:t>] – calculer une colonne sur base d’une expression.</a:t>
+              <a:t>] – calculer une colonne </a:t>
+            </a:r>
+            <a:r>
+              <a:rPr lang="fr-FR" b="0" dirty="0" smtClean="0">
+                <a:solidFill>
+                  <a:srgbClr val="000000"/>
+                </a:solidFill>
+              </a:rPr>
+              <a:t>sur la  </a:t>
+            </a:r>
+            <a:r>
+              <a:rPr lang="fr-FR" b="0" dirty="0">
+                <a:solidFill>
+                  <a:srgbClr val="000000"/>
+                </a:solidFill>
+              </a:rPr>
+              <a:t>base d’une expression.</a:t>
             </a:r>
           </a:p>
         </p:txBody>
@@ -9876,7 +10084,7 @@
           </a:ln>
           <a:extLst>
             <a:ext uri="{C572A759-6A51-4108-AA02-DFA0A04FC94B}">
-              <ma14:wrappingTextBoxFlag xmlns="" xmlns:ma14="http://schemas.microsoft.com/office/mac/drawingml/2011/main" val="1"/>
+              <ma14:wrappingTextBoxFlag xmlns:ma14="http://schemas.microsoft.com/office/mac/drawingml/2011/main" xmlns="" val="1"/>
             </a:ext>
           </a:extLst>
         </p:spPr>
@@ -9961,7 +10169,16 @@
                 </a:solidFill>
                 <a:cs typeface="Helvetica" panose="020B0604020202020204" pitchFamily="34" charset="0"/>
               </a:rPr>
-              <a:t> – trier une </a:t>
+              <a:t> – trier </a:t>
+            </a:r>
+            <a:r>
+              <a:rPr lang="fr-FR" b="0" dirty="0" smtClean="0">
+                <a:solidFill>
+                  <a:srgbClr val="000000"/>
+                </a:solidFill>
+                <a:cs typeface="Helvetica" panose="020B0604020202020204" pitchFamily="34" charset="0"/>
+              </a:rPr>
+              <a:t>un </a:t>
             </a:r>
             <a:r>
               <a:rPr lang="fr-FR" b="0" dirty="0" err="1">
@@ -10009,7 +10226,7 @@
           <p:nvPr>
             <p:extLst>
               <p:ext uri="{D42A27DB-BD31-4B8C-83A1-F6EECF244321}">
-                <p14:modId xmlns:p14="http://schemas.microsoft.com/office/powerpoint/2010/main" val="3584069129"/>
+                <p14:modId xmlns:p14="http://schemas.microsoft.com/office/powerpoint/2010/main" xmlns="" val="3584069129"/>
               </p:ext>
             </p:extLst>
           </p:nvPr>
@@ -10031,21 +10248,21 @@
                 <a:gridCol w="154800">
                   <a:extLst>
                     <a:ext uri="{9D8B030D-6E8A-4147-A177-3AD203B41FA5}">
-                      <a16:colId xmlns:a16="http://schemas.microsoft.com/office/drawing/2014/main" val="20000"/>
+                      <a16:colId xmlns:a16="http://schemas.microsoft.com/office/drawing/2014/main" xmlns="" val="20000"/>
                     </a:ext>
                   </a:extLst>
                 </a:gridCol>
                 <a:gridCol w="154800">
                   <a:extLst>
                     <a:ext uri="{9D8B030D-6E8A-4147-A177-3AD203B41FA5}">
-                      <a16:colId xmlns:a16="http://schemas.microsoft.com/office/drawing/2014/main" val="20001"/>
+                      <a16:colId xmlns:a16="http://schemas.microsoft.com/office/drawing/2014/main" xmlns="" val="20001"/>
                     </a:ext>
                   </a:extLst>
                 </a:gridCol>
                 <a:gridCol w="154800">
                   <a:extLst>
                     <a:ext uri="{9D8B030D-6E8A-4147-A177-3AD203B41FA5}">
-                      <a16:colId xmlns:a16="http://schemas.microsoft.com/office/drawing/2014/main" val="20002"/>
+                      <a16:colId xmlns:a16="http://schemas.microsoft.com/office/drawing/2014/main" xmlns="" val="20002"/>
                     </a:ext>
                   </a:extLst>
                 </a:gridCol>
@@ -10131,7 +10348,7 @@
                 </a:tc>
                 <a:extLst>
                   <a:ext uri="{0D108BD9-81ED-4DB2-BD59-A6C34878D82A}">
-                    <a16:rowId xmlns:a16="http://schemas.microsoft.com/office/drawing/2014/main" val="10000"/>
+                    <a16:rowId xmlns:a16="http://schemas.microsoft.com/office/drawing/2014/main" xmlns="" val="10000"/>
                   </a:ext>
                 </a:extLst>
               </a:tr>
@@ -10228,7 +10445,7 @@
                 </a:tc>
                 <a:extLst>
                   <a:ext uri="{0D108BD9-81ED-4DB2-BD59-A6C34878D82A}">
-                    <a16:rowId xmlns:a16="http://schemas.microsoft.com/office/drawing/2014/main" val="10001"/>
+                    <a16:rowId xmlns:a16="http://schemas.microsoft.com/office/drawing/2014/main" xmlns="" val="10001"/>
                   </a:ext>
                 </a:extLst>
               </a:tr>
@@ -10325,7 +10542,7 @@
                 </a:tc>
                 <a:extLst>
                   <a:ext uri="{0D108BD9-81ED-4DB2-BD59-A6C34878D82A}">
-                    <a16:rowId xmlns:a16="http://schemas.microsoft.com/office/drawing/2014/main" val="10002"/>
+                    <a16:rowId xmlns:a16="http://schemas.microsoft.com/office/drawing/2014/main" xmlns="" val="10002"/>
                   </a:ext>
                 </a:extLst>
               </a:tr>
@@ -10422,7 +10639,7 @@
                 </a:tc>
                 <a:extLst>
                   <a:ext uri="{0D108BD9-81ED-4DB2-BD59-A6C34878D82A}">
-                    <a16:rowId xmlns:a16="http://schemas.microsoft.com/office/drawing/2014/main" val="10003"/>
+                    <a16:rowId xmlns:a16="http://schemas.microsoft.com/office/drawing/2014/main" xmlns="" val="10003"/>
                   </a:ext>
                 </a:extLst>
               </a:tr>
@@ -10491,7 +10708,7 @@
           <p:nvPr>
             <p:extLst>
               <p:ext uri="{D42A27DB-BD31-4B8C-83A1-F6EECF244321}">
-                <p14:modId xmlns:p14="http://schemas.microsoft.com/office/powerpoint/2010/main" val="1644299138"/>
+                <p14:modId xmlns:p14="http://schemas.microsoft.com/office/powerpoint/2010/main" xmlns="" val="1644299138"/>
               </p:ext>
             </p:extLst>
           </p:nvPr>
@@ -10510,21 +10727,21 @@
                 <a:gridCol w="154800">
                   <a:extLst>
                     <a:ext uri="{9D8B030D-6E8A-4147-A177-3AD203B41FA5}">
-                      <a16:colId xmlns:a16="http://schemas.microsoft.com/office/drawing/2014/main" val="20000"/>
+                      <a16:colId xmlns:a16="http://schemas.microsoft.com/office/drawing/2014/main" xmlns="" val="20000"/>
                     </a:ext>
                   </a:extLst>
                 </a:gridCol>
                 <a:gridCol w="154800">
                   <a:extLst>
                     <a:ext uri="{9D8B030D-6E8A-4147-A177-3AD203B41FA5}">
-                      <a16:colId xmlns:a16="http://schemas.microsoft.com/office/drawing/2014/main" val="20001"/>
+                      <a16:colId xmlns:a16="http://schemas.microsoft.com/office/drawing/2014/main" xmlns="" val="20001"/>
                     </a:ext>
                   </a:extLst>
                 </a:gridCol>
                 <a:gridCol w="154800">
                   <a:extLst>
                     <a:ext uri="{9D8B030D-6E8A-4147-A177-3AD203B41FA5}">
-                      <a16:colId xmlns:a16="http://schemas.microsoft.com/office/drawing/2014/main" val="20002"/>
+                      <a16:colId xmlns:a16="http://schemas.microsoft.com/office/drawing/2014/main" xmlns="" val="20002"/>
                     </a:ext>
                   </a:extLst>
                 </a:gridCol>
@@ -10610,7 +10827,7 @@
                 </a:tc>
                 <a:extLst>
                   <a:ext uri="{0D108BD9-81ED-4DB2-BD59-A6C34878D82A}">
-                    <a16:rowId xmlns:a16="http://schemas.microsoft.com/office/drawing/2014/main" val="10000"/>
+                    <a16:rowId xmlns:a16="http://schemas.microsoft.com/office/drawing/2014/main" xmlns="" val="10000"/>
                   </a:ext>
                 </a:extLst>
               </a:tr>
@@ -10707,7 +10924,7 @@
                 </a:tc>
                 <a:extLst>
                   <a:ext uri="{0D108BD9-81ED-4DB2-BD59-A6C34878D82A}">
-                    <a16:rowId xmlns:a16="http://schemas.microsoft.com/office/drawing/2014/main" val="10001"/>
+                    <a16:rowId xmlns:a16="http://schemas.microsoft.com/office/drawing/2014/main" xmlns="" val="10001"/>
                   </a:ext>
                 </a:extLst>
               </a:tr>
@@ -10804,7 +11021,7 @@
                 </a:tc>
                 <a:extLst>
                   <a:ext uri="{0D108BD9-81ED-4DB2-BD59-A6C34878D82A}">
-                    <a16:rowId xmlns:a16="http://schemas.microsoft.com/office/drawing/2014/main" val="10002"/>
+                    <a16:rowId xmlns:a16="http://schemas.microsoft.com/office/drawing/2014/main" xmlns="" val="10002"/>
                   </a:ext>
                 </a:extLst>
               </a:tr>
@@ -10901,7 +11118,7 @@
                 </a:tc>
                 <a:extLst>
                   <a:ext uri="{0D108BD9-81ED-4DB2-BD59-A6C34878D82A}">
-                    <a16:rowId xmlns:a16="http://schemas.microsoft.com/office/drawing/2014/main" val="10003"/>
+                    <a16:rowId xmlns:a16="http://schemas.microsoft.com/office/drawing/2014/main" xmlns="" val="10003"/>
                   </a:ext>
                 </a:extLst>
               </a:tr>
@@ -11046,7 +11263,7 @@
           <p:nvPr>
             <p:extLst>
               <p:ext uri="{D42A27DB-BD31-4B8C-83A1-F6EECF244321}">
-                <p14:modId xmlns:p14="http://schemas.microsoft.com/office/powerpoint/2010/main" val="325753191"/>
+                <p14:modId xmlns:p14="http://schemas.microsoft.com/office/powerpoint/2010/main" xmlns="" val="325753191"/>
               </p:ext>
             </p:extLst>
           </p:nvPr>
@@ -11065,14 +11282,14 @@
                 <a:gridCol w="154800">
                   <a:extLst>
                     <a:ext uri="{9D8B030D-6E8A-4147-A177-3AD203B41FA5}">
-                      <a16:colId xmlns:a16="http://schemas.microsoft.com/office/drawing/2014/main" val="20000"/>
+                      <a16:colId xmlns:a16="http://schemas.microsoft.com/office/drawing/2014/main" xmlns="" val="20000"/>
                     </a:ext>
                   </a:extLst>
                 </a:gridCol>
                 <a:gridCol w="154800">
                   <a:extLst>
                     <a:ext uri="{9D8B030D-6E8A-4147-A177-3AD203B41FA5}">
-                      <a16:colId xmlns:a16="http://schemas.microsoft.com/office/drawing/2014/main" val="20001"/>
+                      <a16:colId xmlns:a16="http://schemas.microsoft.com/office/drawing/2014/main" xmlns="" val="20001"/>
                     </a:ext>
                   </a:extLst>
                 </a:gridCol>
@@ -11130,7 +11347,7 @@
                 </a:tc>
                 <a:extLst>
                   <a:ext uri="{0D108BD9-81ED-4DB2-BD59-A6C34878D82A}">
-                    <a16:rowId xmlns:a16="http://schemas.microsoft.com/office/drawing/2014/main" val="10000"/>
+                    <a16:rowId xmlns:a16="http://schemas.microsoft.com/office/drawing/2014/main" xmlns="" val="10000"/>
                   </a:ext>
                 </a:extLst>
               </a:tr>
@@ -11193,7 +11410,7 @@
                 </a:tc>
                 <a:extLst>
                   <a:ext uri="{0D108BD9-81ED-4DB2-BD59-A6C34878D82A}">
-                    <a16:rowId xmlns:a16="http://schemas.microsoft.com/office/drawing/2014/main" val="10001"/>
+                    <a16:rowId xmlns:a16="http://schemas.microsoft.com/office/drawing/2014/main" xmlns="" val="10001"/>
                   </a:ext>
                 </a:extLst>
               </a:tr>
@@ -11256,7 +11473,7 @@
                 </a:tc>
                 <a:extLst>
                   <a:ext uri="{0D108BD9-81ED-4DB2-BD59-A6C34878D82A}">
-                    <a16:rowId xmlns:a16="http://schemas.microsoft.com/office/drawing/2014/main" val="10002"/>
+                    <a16:rowId xmlns:a16="http://schemas.microsoft.com/office/drawing/2014/main" xmlns="" val="10002"/>
                   </a:ext>
                 </a:extLst>
               </a:tr>
@@ -11283,7 +11500,7 @@
           </a:ln>
           <a:extLst>
             <a:ext uri="{C572A759-6A51-4108-AA02-DFA0A04FC94B}">
-              <ma14:wrappingTextBoxFlag xmlns="" xmlns:ma14="http://schemas.microsoft.com/office/mac/drawingml/2011/main" val="1"/>
+              <ma14:wrappingTextBoxFlag xmlns:ma14="http://schemas.microsoft.com/office/mac/drawingml/2011/main" xmlns="" val="1"/>
             </a:ext>
           </a:extLst>
         </p:spPr>
@@ -11344,7 +11561,23 @@
                   <a:srgbClr val="000000"/>
                 </a:solidFill>
               </a:rPr>
-              <a:t>] – calculer une colonne sur base d’une expression, mais seulement sur un sous-ensemble de lignes.</a:t>
+              <a:t>] – calculer une colonne sur </a:t>
+            </a:r>
+            <a:r>
+              <a:rPr lang="fr-FR" b="0" dirty="0" smtClean="0">
+                <a:solidFill>
+                  <a:srgbClr val="000000"/>
+                </a:solidFill>
+              </a:rPr>
+              <a:t>la base </a:t>
+            </a:r>
+            <a:r>
+              <a:rPr lang="fr-FR" b="0" dirty="0">
+                <a:solidFill>
+                  <a:srgbClr val="000000"/>
+                </a:solidFill>
+              </a:rPr>
+              <a:t>d’une expression, mais seulement sur un sous-ensemble de lignes.</a:t>
             </a:r>
             <a:endParaRPr lang="fr-FR" dirty="0"/>
           </a:p>
@@ -11384,7 +11617,7 @@
           <p:nvPr>
             <p:extLst>
               <p:ext uri="{D42A27DB-BD31-4B8C-83A1-F6EECF244321}">
-                <p14:modId xmlns:p14="http://schemas.microsoft.com/office/powerpoint/2010/main" val="784391121"/>
+                <p14:modId xmlns:p14="http://schemas.microsoft.com/office/powerpoint/2010/main" xmlns="" val="784391121"/>
               </p:ext>
             </p:extLst>
           </p:nvPr>
@@ -11403,7 +11636,7 @@
                 <a:gridCol w="154319">
                   <a:extLst>
                     <a:ext uri="{9D8B030D-6E8A-4147-A177-3AD203B41FA5}">
-                      <a16:colId xmlns:a16="http://schemas.microsoft.com/office/drawing/2014/main" val="20000"/>
+                      <a16:colId xmlns:a16="http://schemas.microsoft.com/office/drawing/2014/main" xmlns="" val="20000"/>
                     </a:ext>
                   </a:extLst>
                 </a:gridCol>
@@ -11439,7 +11672,7 @@
                 </a:tc>
                 <a:extLst>
                   <a:ext uri="{0D108BD9-81ED-4DB2-BD59-A6C34878D82A}">
-                    <a16:rowId xmlns:a16="http://schemas.microsoft.com/office/drawing/2014/main" val="10000"/>
+                    <a16:rowId xmlns:a16="http://schemas.microsoft.com/office/drawing/2014/main" xmlns="" val="10000"/>
                   </a:ext>
                 </a:extLst>
               </a:tr>
@@ -11470,7 +11703,7 @@
                 </a:tc>
                 <a:extLst>
                   <a:ext uri="{0D108BD9-81ED-4DB2-BD59-A6C34878D82A}">
-                    <a16:rowId xmlns:a16="http://schemas.microsoft.com/office/drawing/2014/main" val="10001"/>
+                    <a16:rowId xmlns:a16="http://schemas.microsoft.com/office/drawing/2014/main" xmlns="" val="10001"/>
                   </a:ext>
                 </a:extLst>
               </a:tr>
@@ -11539,7 +11772,7 @@
           <p:nvPr>
             <p:extLst>
               <p:ext uri="{D42A27DB-BD31-4B8C-83A1-F6EECF244321}">
-                <p14:modId xmlns:p14="http://schemas.microsoft.com/office/powerpoint/2010/main" val="1985054015"/>
+                <p14:modId xmlns:p14="http://schemas.microsoft.com/office/powerpoint/2010/main" xmlns="" val="1985054015"/>
               </p:ext>
             </p:extLst>
           </p:nvPr>
@@ -11558,21 +11791,21 @@
                 <a:gridCol w="154800">
                   <a:extLst>
                     <a:ext uri="{9D8B030D-6E8A-4147-A177-3AD203B41FA5}">
-                      <a16:colId xmlns:a16="http://schemas.microsoft.com/office/drawing/2014/main" val="20000"/>
+                      <a16:colId xmlns:a16="http://schemas.microsoft.com/office/drawing/2014/main" xmlns="" val="20000"/>
                     </a:ext>
                   </a:extLst>
                 </a:gridCol>
                 <a:gridCol w="154179">
                   <a:extLst>
                     <a:ext uri="{9D8B030D-6E8A-4147-A177-3AD203B41FA5}">
-                      <a16:colId xmlns:a16="http://schemas.microsoft.com/office/drawing/2014/main" val="20001"/>
+                      <a16:colId xmlns:a16="http://schemas.microsoft.com/office/drawing/2014/main" xmlns="" val="20001"/>
                     </a:ext>
                   </a:extLst>
                 </a:gridCol>
                 <a:gridCol w="154179">
                   <a:extLst>
                     <a:ext uri="{9D8B030D-6E8A-4147-A177-3AD203B41FA5}">
-                      <a16:colId xmlns:a16="http://schemas.microsoft.com/office/drawing/2014/main" val="20002"/>
+                      <a16:colId xmlns:a16="http://schemas.microsoft.com/office/drawing/2014/main" xmlns="" val="20002"/>
                     </a:ext>
                   </a:extLst>
                 </a:gridCol>
@@ -11652,7 +11885,7 @@
                 </a:tc>
                 <a:extLst>
                   <a:ext uri="{0D108BD9-81ED-4DB2-BD59-A6C34878D82A}">
-                    <a16:rowId xmlns:a16="http://schemas.microsoft.com/office/drawing/2014/main" val="10000"/>
+                    <a16:rowId xmlns:a16="http://schemas.microsoft.com/office/drawing/2014/main" xmlns="" val="10000"/>
                   </a:ext>
                 </a:extLst>
               </a:tr>
@@ -11727,7 +11960,7 @@
                 </a:tc>
                 <a:extLst>
                   <a:ext uri="{0D108BD9-81ED-4DB2-BD59-A6C34878D82A}">
-                    <a16:rowId xmlns:a16="http://schemas.microsoft.com/office/drawing/2014/main" val="10001"/>
+                    <a16:rowId xmlns:a16="http://schemas.microsoft.com/office/drawing/2014/main" xmlns="" val="10001"/>
                   </a:ext>
                 </a:extLst>
               </a:tr>
@@ -11802,7 +12035,7 @@
                 </a:tc>
                 <a:extLst>
                   <a:ext uri="{0D108BD9-81ED-4DB2-BD59-A6C34878D82A}">
-                    <a16:rowId xmlns:a16="http://schemas.microsoft.com/office/drawing/2014/main" val="10002"/>
+                    <a16:rowId xmlns:a16="http://schemas.microsoft.com/office/drawing/2014/main" xmlns="" val="10002"/>
                   </a:ext>
                 </a:extLst>
               </a:tr>
@@ -11877,7 +12110,7 @@
                 </a:tc>
                 <a:extLst>
                   <a:ext uri="{0D108BD9-81ED-4DB2-BD59-A6C34878D82A}">
-                    <a16:rowId xmlns:a16="http://schemas.microsoft.com/office/drawing/2014/main" val="10003"/>
+                    <a16:rowId xmlns:a16="http://schemas.microsoft.com/office/drawing/2014/main" xmlns="" val="10003"/>
                   </a:ext>
                 </a:extLst>
               </a:tr>
@@ -11894,7 +12127,7 @@
         <p:spPr>
           <a:xfrm>
             <a:off x="4834526" y="4192366"/>
-            <a:ext cx="755976" cy="276999"/>
+            <a:ext cx="784830" cy="276999"/>
           </a:xfrm>
           <a:prstGeom prst="rect">
             <a:avLst/>
@@ -11908,9 +12141,10 @@
           <a:p>
             <a:pPr lvl="1" indent="0"/>
             <a:r>
-              <a:rPr lang="da-DK" dirty="0"/>
-              <a:t>RÉSUMER</a:t>
-            </a:r>
+              <a:rPr lang="da-DK" dirty="0" smtClean="0"/>
+              <a:t>SOMMER</a:t>
+            </a:r>
+            <a:endParaRPr lang="da-DK" dirty="0"/>
           </a:p>
         </p:txBody>
       </p:sp>
@@ -11921,7 +12155,7 @@
           <p:nvPr>
             <p:extLst>
               <p:ext uri="{D42A27DB-BD31-4B8C-83A1-F6EECF244321}">
-                <p14:modId xmlns:p14="http://schemas.microsoft.com/office/powerpoint/2010/main" val="2801020611"/>
+                <p14:modId xmlns:p14="http://schemas.microsoft.com/office/powerpoint/2010/main" xmlns="" val="2801020611"/>
               </p:ext>
             </p:extLst>
           </p:nvPr>
@@ -11940,21 +12174,21 @@
                 <a:gridCol w="154800">
                   <a:extLst>
                     <a:ext uri="{9D8B030D-6E8A-4147-A177-3AD203B41FA5}">
-                      <a16:colId xmlns:a16="http://schemas.microsoft.com/office/drawing/2014/main" val="20000"/>
+                      <a16:colId xmlns:a16="http://schemas.microsoft.com/office/drawing/2014/main" xmlns="" val="20000"/>
                     </a:ext>
                   </a:extLst>
                 </a:gridCol>
                 <a:gridCol w="154800">
                   <a:extLst>
                     <a:ext uri="{9D8B030D-6E8A-4147-A177-3AD203B41FA5}">
-                      <a16:colId xmlns:a16="http://schemas.microsoft.com/office/drawing/2014/main" val="20001"/>
+                      <a16:colId xmlns:a16="http://schemas.microsoft.com/office/drawing/2014/main" xmlns="" val="20001"/>
                     </a:ext>
                   </a:extLst>
                 </a:gridCol>
                 <a:gridCol w="198000">
                   <a:extLst>
                     <a:ext uri="{9D8B030D-6E8A-4147-A177-3AD203B41FA5}">
-                      <a16:colId xmlns:a16="http://schemas.microsoft.com/office/drawing/2014/main" val="20002"/>
+                      <a16:colId xmlns:a16="http://schemas.microsoft.com/office/drawing/2014/main" xmlns="" val="20002"/>
                     </a:ext>
                   </a:extLst>
                 </a:gridCol>
@@ -12038,7 +12272,7 @@
                 </a:tc>
                 <a:extLst>
                   <a:ext uri="{0D108BD9-81ED-4DB2-BD59-A6C34878D82A}">
-                    <a16:rowId xmlns:a16="http://schemas.microsoft.com/office/drawing/2014/main" val="10000"/>
+                    <a16:rowId xmlns:a16="http://schemas.microsoft.com/office/drawing/2014/main" xmlns="" val="10000"/>
                   </a:ext>
                 </a:extLst>
               </a:tr>
@@ -12141,7 +12375,7 @@
                 </a:tc>
                 <a:extLst>
                   <a:ext uri="{0D108BD9-81ED-4DB2-BD59-A6C34878D82A}">
-                    <a16:rowId xmlns:a16="http://schemas.microsoft.com/office/drawing/2014/main" val="10001"/>
+                    <a16:rowId xmlns:a16="http://schemas.microsoft.com/office/drawing/2014/main" xmlns="" val="10001"/>
                   </a:ext>
                 </a:extLst>
               </a:tr>
@@ -12244,7 +12478,7 @@
                 </a:tc>
                 <a:extLst>
                   <a:ext uri="{0D108BD9-81ED-4DB2-BD59-A6C34878D82A}">
-                    <a16:rowId xmlns:a16="http://schemas.microsoft.com/office/drawing/2014/main" val="10002"/>
+                    <a16:rowId xmlns:a16="http://schemas.microsoft.com/office/drawing/2014/main" xmlns="" val="10002"/>
                   </a:ext>
                 </a:extLst>
               </a:tr>
@@ -12257,7 +12491,7 @@
           <p:cNvPr id="84" name="Graphic 83">
             <a:extLst>
               <a:ext uri="{FF2B5EF4-FFF2-40B4-BE49-F238E27FC236}">
-                <a16:creationId xmlns:a16="http://schemas.microsoft.com/office/drawing/2014/main" id="{43CC6773-1267-9A43-98DD-0FDDAB5749C8}"/>
+                <a16:creationId xmlns:a16="http://schemas.microsoft.com/office/drawing/2014/main" xmlns="" id="{43CC6773-1267-9A43-98DD-0FDDAB5749C8}"/>
               </a:ext>
             </a:extLst>
           </p:cNvPr>
@@ -12287,7 +12521,7 @@
           <p:cNvPr id="92" name="Line">
             <a:extLst>
               <a:ext uri="{FF2B5EF4-FFF2-40B4-BE49-F238E27FC236}">
-                <a16:creationId xmlns:a16="http://schemas.microsoft.com/office/drawing/2014/main" id="{D1B8FF3B-6C57-DF4D-B3E5-95B25814611A}"/>
+                <a16:creationId xmlns:a16="http://schemas.microsoft.com/office/drawing/2014/main" xmlns="" id="{D1B8FF3B-6C57-DF4D-B3E5-95B25814611A}"/>
               </a:ext>
             </a:extLst>
           </p:cNvPr>
@@ -12338,7 +12572,7 @@
           <p:cNvPr id="93" name="Layout Suggestions">
             <a:extLst>
               <a:ext uri="{FF2B5EF4-FFF2-40B4-BE49-F238E27FC236}">
-                <a16:creationId xmlns:a16="http://schemas.microsoft.com/office/drawing/2014/main" id="{B31B9D0D-B029-3849-95ED-A6B0B6BAD9D8}"/>
+                <a16:creationId xmlns:a16="http://schemas.microsoft.com/office/drawing/2014/main" xmlns="" id="{B31B9D0D-B029-3849-95ED-A6B0B6BAD9D8}"/>
               </a:ext>
             </a:extLst>
           </p:cNvPr>
@@ -12358,7 +12592,7 @@
           </a:ln>
           <a:extLst>
             <a:ext uri="{C572A759-6A51-4108-AA02-DFA0A04FC94B}">
-              <ma14:wrappingTextBoxFlag xmlns="" xmlns:ma14="http://schemas.microsoft.com/office/mac/drawingml/2011/main" val="1"/>
+              <ma14:wrappingTextBoxFlag xmlns:ma14="http://schemas.microsoft.com/office/mac/drawingml/2011/main" xmlns="" val="1"/>
             </a:ext>
           </a:extLst>
         </p:spPr>
@@ -12407,7 +12641,7 @@
           <p:cNvPr id="94" name="Table">
             <a:extLst>
               <a:ext uri="{FF2B5EF4-FFF2-40B4-BE49-F238E27FC236}">
-                <a16:creationId xmlns:a16="http://schemas.microsoft.com/office/drawing/2014/main" id="{79B945F6-A997-F048-867C-9D072ADC99E9}"/>
+                <a16:creationId xmlns:a16="http://schemas.microsoft.com/office/drawing/2014/main" xmlns="" id="{79B945F6-A997-F048-867C-9D072ADC99E9}"/>
               </a:ext>
             </a:extLst>
           </p:cNvPr>
@@ -12415,7 +12649,7 @@
           <p:nvPr>
             <p:extLst>
               <p:ext uri="{D42A27DB-BD31-4B8C-83A1-F6EECF244321}">
-                <p14:modId xmlns:p14="http://schemas.microsoft.com/office/powerpoint/2010/main" val="3210736610"/>
+                <p14:modId xmlns:p14="http://schemas.microsoft.com/office/powerpoint/2010/main" xmlns="" val="3210736610"/>
               </p:ext>
             </p:extLst>
           </p:nvPr>
@@ -12434,21 +12668,21 @@
                 <a:gridCol w="154800">
                   <a:extLst>
                     <a:ext uri="{9D8B030D-6E8A-4147-A177-3AD203B41FA5}">
-                      <a16:colId xmlns:a16="http://schemas.microsoft.com/office/drawing/2014/main" val="20000"/>
+                      <a16:colId xmlns:a16="http://schemas.microsoft.com/office/drawing/2014/main" xmlns="" val="20000"/>
                     </a:ext>
                   </a:extLst>
                 </a:gridCol>
                 <a:gridCol w="154800">
                   <a:extLst>
                     <a:ext uri="{9D8B030D-6E8A-4147-A177-3AD203B41FA5}">
-                      <a16:colId xmlns:a16="http://schemas.microsoft.com/office/drawing/2014/main" val="20001"/>
+                      <a16:colId xmlns:a16="http://schemas.microsoft.com/office/drawing/2014/main" xmlns="" val="20001"/>
                     </a:ext>
                   </a:extLst>
                 </a:gridCol>
                 <a:gridCol w="154800">
                   <a:extLst>
                     <a:ext uri="{9D8B030D-6E8A-4147-A177-3AD203B41FA5}">
-                      <a16:colId xmlns:a16="http://schemas.microsoft.com/office/drawing/2014/main" val="20002"/>
+                      <a16:colId xmlns:a16="http://schemas.microsoft.com/office/drawing/2014/main" xmlns="" val="20002"/>
                     </a:ext>
                   </a:extLst>
                 </a:gridCol>
@@ -12528,7 +12762,7 @@
                 </a:tc>
                 <a:extLst>
                   <a:ext uri="{0D108BD9-81ED-4DB2-BD59-A6C34878D82A}">
-                    <a16:rowId xmlns:a16="http://schemas.microsoft.com/office/drawing/2014/main" val="10000"/>
+                    <a16:rowId xmlns:a16="http://schemas.microsoft.com/office/drawing/2014/main" xmlns="" val="10000"/>
                   </a:ext>
                 </a:extLst>
               </a:tr>
@@ -12601,7 +12835,7 @@
                 </a:tc>
                 <a:extLst>
                   <a:ext uri="{0D108BD9-81ED-4DB2-BD59-A6C34878D82A}">
-                    <a16:rowId xmlns:a16="http://schemas.microsoft.com/office/drawing/2014/main" val="10001"/>
+                    <a16:rowId xmlns:a16="http://schemas.microsoft.com/office/drawing/2014/main" xmlns="" val="10001"/>
                   </a:ext>
                 </a:extLst>
               </a:tr>
@@ -12674,7 +12908,7 @@
                 </a:tc>
                 <a:extLst>
                   <a:ext uri="{0D108BD9-81ED-4DB2-BD59-A6C34878D82A}">
-                    <a16:rowId xmlns:a16="http://schemas.microsoft.com/office/drawing/2014/main" val="10002"/>
+                    <a16:rowId xmlns:a16="http://schemas.microsoft.com/office/drawing/2014/main" xmlns="" val="10002"/>
                   </a:ext>
                 </a:extLst>
               </a:tr>
@@ -12687,7 +12921,7 @@
           <p:cNvPr id="95" name="Line">
             <a:extLst>
               <a:ext uri="{FF2B5EF4-FFF2-40B4-BE49-F238E27FC236}">
-                <a16:creationId xmlns:a16="http://schemas.microsoft.com/office/drawing/2014/main" id="{2DABAA71-5B01-564B-ADCF-5D1C5CF0E04A}"/>
+                <a16:creationId xmlns:a16="http://schemas.microsoft.com/office/drawing/2014/main" xmlns="" id="{2DABAA71-5B01-564B-ADCF-5D1C5CF0E04A}"/>
               </a:ext>
             </a:extLst>
           </p:cNvPr>
@@ -12747,7 +12981,7 @@
           <p:cNvPr id="96" name="Table">
             <a:extLst>
               <a:ext uri="{FF2B5EF4-FFF2-40B4-BE49-F238E27FC236}">
-                <a16:creationId xmlns:a16="http://schemas.microsoft.com/office/drawing/2014/main" id="{9BF9812C-594F-2649-8AB7-B2CB5A718183}"/>
+                <a16:creationId xmlns:a16="http://schemas.microsoft.com/office/drawing/2014/main" xmlns="" id="{9BF9812C-594F-2649-8AB7-B2CB5A718183}"/>
               </a:ext>
             </a:extLst>
           </p:cNvPr>
@@ -12755,7 +12989,7 @@
           <p:nvPr>
             <p:extLst>
               <p:ext uri="{D42A27DB-BD31-4B8C-83A1-F6EECF244321}">
-                <p14:modId xmlns:p14="http://schemas.microsoft.com/office/powerpoint/2010/main" val="1259442418"/>
+                <p14:modId xmlns:p14="http://schemas.microsoft.com/office/powerpoint/2010/main" xmlns="" val="1259442418"/>
               </p:ext>
             </p:extLst>
           </p:nvPr>
@@ -12774,21 +13008,21 @@
                 <a:gridCol w="154800">
                   <a:extLst>
                     <a:ext uri="{9D8B030D-6E8A-4147-A177-3AD203B41FA5}">
-                      <a16:colId xmlns:a16="http://schemas.microsoft.com/office/drawing/2014/main" val="20000"/>
+                      <a16:colId xmlns:a16="http://schemas.microsoft.com/office/drawing/2014/main" xmlns="" val="20000"/>
                     </a:ext>
                   </a:extLst>
                 </a:gridCol>
                 <a:gridCol w="154800">
                   <a:extLst>
                     <a:ext uri="{9D8B030D-6E8A-4147-A177-3AD203B41FA5}">
-                      <a16:colId xmlns:a16="http://schemas.microsoft.com/office/drawing/2014/main" val="20001"/>
+                      <a16:colId xmlns:a16="http://schemas.microsoft.com/office/drawing/2014/main" xmlns="" val="20001"/>
                     </a:ext>
                   </a:extLst>
                 </a:gridCol>
                 <a:gridCol w="154800">
                   <a:extLst>
                     <a:ext uri="{9D8B030D-6E8A-4147-A177-3AD203B41FA5}">
-                      <a16:colId xmlns:a16="http://schemas.microsoft.com/office/drawing/2014/main" val="20002"/>
+                      <a16:colId xmlns:a16="http://schemas.microsoft.com/office/drawing/2014/main" xmlns="" val="20002"/>
                     </a:ext>
                   </a:extLst>
                 </a:gridCol>
@@ -12868,7 +13102,7 @@
                 </a:tc>
                 <a:extLst>
                   <a:ext uri="{0D108BD9-81ED-4DB2-BD59-A6C34878D82A}">
-                    <a16:rowId xmlns:a16="http://schemas.microsoft.com/office/drawing/2014/main" val="10000"/>
+                    <a16:rowId xmlns:a16="http://schemas.microsoft.com/office/drawing/2014/main" xmlns="" val="10000"/>
                   </a:ext>
                 </a:extLst>
               </a:tr>
@@ -12941,7 +13175,7 @@
                 </a:tc>
                 <a:extLst>
                   <a:ext uri="{0D108BD9-81ED-4DB2-BD59-A6C34878D82A}">
-                    <a16:rowId xmlns:a16="http://schemas.microsoft.com/office/drawing/2014/main" val="10001"/>
+                    <a16:rowId xmlns:a16="http://schemas.microsoft.com/office/drawing/2014/main" xmlns="" val="10001"/>
                   </a:ext>
                 </a:extLst>
               </a:tr>
@@ -13014,7 +13248,7 @@
                 </a:tc>
                 <a:extLst>
                   <a:ext uri="{0D108BD9-81ED-4DB2-BD59-A6C34878D82A}">
-                    <a16:rowId xmlns:a16="http://schemas.microsoft.com/office/drawing/2014/main" val="10002"/>
+                    <a16:rowId xmlns:a16="http://schemas.microsoft.com/office/drawing/2014/main" xmlns="" val="10002"/>
                   </a:ext>
                 </a:extLst>
               </a:tr>
@@ -13093,7 +13327,7 @@
                 </a:tc>
                 <a:extLst>
                   <a:ext uri="{0D108BD9-81ED-4DB2-BD59-A6C34878D82A}">
-                    <a16:rowId xmlns:a16="http://schemas.microsoft.com/office/drawing/2014/main" val="10003"/>
+                    <a16:rowId xmlns:a16="http://schemas.microsoft.com/office/drawing/2014/main" xmlns="" val="10003"/>
                   </a:ext>
                 </a:extLst>
               </a:tr>
@@ -13172,7 +13406,7 @@
                 </a:tc>
                 <a:extLst>
                   <a:ext uri="{0D108BD9-81ED-4DB2-BD59-A6C34878D82A}">
-                    <a16:rowId xmlns:a16="http://schemas.microsoft.com/office/drawing/2014/main" val="10004"/>
+                    <a16:rowId xmlns:a16="http://schemas.microsoft.com/office/drawing/2014/main" xmlns="" val="10004"/>
                   </a:ext>
                 </a:extLst>
               </a:tr>
@@ -13251,7 +13485,7 @@
                 </a:tc>
                 <a:extLst>
                   <a:ext uri="{0D108BD9-81ED-4DB2-BD59-A6C34878D82A}">
-                    <a16:rowId xmlns:a16="http://schemas.microsoft.com/office/drawing/2014/main" val="10005"/>
+                    <a16:rowId xmlns:a16="http://schemas.microsoft.com/office/drawing/2014/main" xmlns="" val="10005"/>
                   </a:ext>
                 </a:extLst>
               </a:tr>
@@ -13330,7 +13564,7 @@
                 </a:tc>
                 <a:extLst>
                   <a:ext uri="{0D108BD9-81ED-4DB2-BD59-A6C34878D82A}">
-                    <a16:rowId xmlns:a16="http://schemas.microsoft.com/office/drawing/2014/main" val="10006"/>
+                    <a16:rowId xmlns:a16="http://schemas.microsoft.com/office/drawing/2014/main" xmlns="" val="10006"/>
                   </a:ext>
                 </a:extLst>
               </a:tr>
@@ -13343,7 +13577,7 @@
           <p:cNvPr id="97" name="Tabel 3">
             <a:extLst>
               <a:ext uri="{FF2B5EF4-FFF2-40B4-BE49-F238E27FC236}">
-                <a16:creationId xmlns:a16="http://schemas.microsoft.com/office/drawing/2014/main" id="{443F8848-7FD4-6848-A08D-A03EE8956F06}"/>
+                <a16:creationId xmlns:a16="http://schemas.microsoft.com/office/drawing/2014/main" xmlns="" id="{443F8848-7FD4-6848-A08D-A03EE8956F06}"/>
               </a:ext>
             </a:extLst>
           </p:cNvPr>
@@ -13353,7 +13587,7 @@
           <p:nvPr>
             <p:extLst>
               <p:ext uri="{D42A27DB-BD31-4B8C-83A1-F6EECF244321}">
-                <p14:modId xmlns:p14="http://schemas.microsoft.com/office/powerpoint/2010/main" val="1707246212"/>
+                <p14:modId xmlns:p14="http://schemas.microsoft.com/office/powerpoint/2010/main" xmlns="" val="1707246212"/>
               </p:ext>
             </p:extLst>
           </p:nvPr>
@@ -13372,21 +13606,21 @@
                 <a:gridCol w="154800">
                   <a:extLst>
                     <a:ext uri="{9D8B030D-6E8A-4147-A177-3AD203B41FA5}">
-                      <a16:colId xmlns:a16="http://schemas.microsoft.com/office/drawing/2014/main" val="20000"/>
+                      <a16:colId xmlns:a16="http://schemas.microsoft.com/office/drawing/2014/main" xmlns="" val="20000"/>
                     </a:ext>
                   </a:extLst>
                 </a:gridCol>
                 <a:gridCol w="154800">
                   <a:extLst>
                     <a:ext uri="{9D8B030D-6E8A-4147-A177-3AD203B41FA5}">
-                      <a16:colId xmlns:a16="http://schemas.microsoft.com/office/drawing/2014/main" val="20001"/>
+                      <a16:colId xmlns:a16="http://schemas.microsoft.com/office/drawing/2014/main" xmlns="" val="20001"/>
                     </a:ext>
                   </a:extLst>
                 </a:gridCol>
                 <a:gridCol w="154800">
                   <a:extLst>
                     <a:ext uri="{9D8B030D-6E8A-4147-A177-3AD203B41FA5}">
-                      <a16:colId xmlns:a16="http://schemas.microsoft.com/office/drawing/2014/main" val="20002"/>
+                      <a16:colId xmlns:a16="http://schemas.microsoft.com/office/drawing/2014/main" xmlns="" val="20002"/>
                     </a:ext>
                   </a:extLst>
                 </a:gridCol>
@@ -13460,7 +13694,7 @@
                 </a:tc>
                 <a:extLst>
                   <a:ext uri="{0D108BD9-81ED-4DB2-BD59-A6C34878D82A}">
-                    <a16:rowId xmlns:a16="http://schemas.microsoft.com/office/drawing/2014/main" val="10000"/>
+                    <a16:rowId xmlns:a16="http://schemas.microsoft.com/office/drawing/2014/main" xmlns="" val="10000"/>
                   </a:ext>
                 </a:extLst>
               </a:tr>
@@ -13533,7 +13767,7 @@
                 </a:tc>
                 <a:extLst>
                   <a:ext uri="{0D108BD9-81ED-4DB2-BD59-A6C34878D82A}">
-                    <a16:rowId xmlns:a16="http://schemas.microsoft.com/office/drawing/2014/main" val="10001"/>
+                    <a16:rowId xmlns:a16="http://schemas.microsoft.com/office/drawing/2014/main" xmlns="" val="10001"/>
                   </a:ext>
                 </a:extLst>
               </a:tr>
@@ -13546,7 +13780,7 @@
           <p:cNvPr id="98" name="Tabel 4">
             <a:extLst>
               <a:ext uri="{FF2B5EF4-FFF2-40B4-BE49-F238E27FC236}">
-                <a16:creationId xmlns:a16="http://schemas.microsoft.com/office/drawing/2014/main" id="{B1606D4E-6C79-CA4E-8B89-B6BEB98D4D8D}"/>
+                <a16:creationId xmlns:a16="http://schemas.microsoft.com/office/drawing/2014/main" xmlns="" id="{B1606D4E-6C79-CA4E-8B89-B6BEB98D4D8D}"/>
               </a:ext>
             </a:extLst>
           </p:cNvPr>
@@ -13556,7 +13790,7 @@
           <p:nvPr>
             <p:extLst>
               <p:ext uri="{D42A27DB-BD31-4B8C-83A1-F6EECF244321}">
-                <p14:modId xmlns:p14="http://schemas.microsoft.com/office/powerpoint/2010/main" val="393275537"/>
+                <p14:modId xmlns:p14="http://schemas.microsoft.com/office/powerpoint/2010/main" xmlns="" val="393275537"/>
               </p:ext>
             </p:extLst>
           </p:nvPr>
@@ -13575,21 +13809,21 @@
                 <a:gridCol w="154800">
                   <a:extLst>
                     <a:ext uri="{9D8B030D-6E8A-4147-A177-3AD203B41FA5}">
-                      <a16:colId xmlns:a16="http://schemas.microsoft.com/office/drawing/2014/main" val="20000"/>
+                      <a16:colId xmlns:a16="http://schemas.microsoft.com/office/drawing/2014/main" xmlns="" val="20000"/>
                     </a:ext>
                   </a:extLst>
                 </a:gridCol>
                 <a:gridCol w="154800">
                   <a:extLst>
                     <a:ext uri="{9D8B030D-6E8A-4147-A177-3AD203B41FA5}">
-                      <a16:colId xmlns:a16="http://schemas.microsoft.com/office/drawing/2014/main" val="20001"/>
+                      <a16:colId xmlns:a16="http://schemas.microsoft.com/office/drawing/2014/main" xmlns="" val="20001"/>
                     </a:ext>
                   </a:extLst>
                 </a:gridCol>
                 <a:gridCol w="154800">
                   <a:extLst>
                     <a:ext uri="{9D8B030D-6E8A-4147-A177-3AD203B41FA5}">
-                      <a16:colId xmlns:a16="http://schemas.microsoft.com/office/drawing/2014/main" val="20002"/>
+                      <a16:colId xmlns:a16="http://schemas.microsoft.com/office/drawing/2014/main" xmlns="" val="20002"/>
                     </a:ext>
                   </a:extLst>
                 </a:gridCol>
@@ -13663,7 +13897,7 @@
                 </a:tc>
                 <a:extLst>
                   <a:ext uri="{0D108BD9-81ED-4DB2-BD59-A6C34878D82A}">
-                    <a16:rowId xmlns:a16="http://schemas.microsoft.com/office/drawing/2014/main" val="10000"/>
+                    <a16:rowId xmlns:a16="http://schemas.microsoft.com/office/drawing/2014/main" xmlns="" val="10000"/>
                   </a:ext>
                 </a:extLst>
               </a:tr>
@@ -13736,7 +13970,7 @@
                 </a:tc>
                 <a:extLst>
                   <a:ext uri="{0D108BD9-81ED-4DB2-BD59-A6C34878D82A}">
-                    <a16:rowId xmlns:a16="http://schemas.microsoft.com/office/drawing/2014/main" val="10001"/>
+                    <a16:rowId xmlns:a16="http://schemas.microsoft.com/office/drawing/2014/main" xmlns="" val="10001"/>
                   </a:ext>
                 </a:extLst>
               </a:tr>
@@ -13749,7 +13983,7 @@
           <p:cNvPr id="99" name="Line">
             <a:extLst>
               <a:ext uri="{FF2B5EF4-FFF2-40B4-BE49-F238E27FC236}">
-                <a16:creationId xmlns:a16="http://schemas.microsoft.com/office/drawing/2014/main" id="{A0C1E1A8-344F-B842-A209-E7720244B819}"/>
+                <a16:creationId xmlns:a16="http://schemas.microsoft.com/office/drawing/2014/main" xmlns="" id="{A0C1E1A8-344F-B842-A209-E7720244B819}"/>
               </a:ext>
             </a:extLst>
           </p:cNvPr>
@@ -13809,7 +14043,7 @@
           <p:cNvPr id="100" name="Table">
             <a:extLst>
               <a:ext uri="{FF2B5EF4-FFF2-40B4-BE49-F238E27FC236}">
-                <a16:creationId xmlns:a16="http://schemas.microsoft.com/office/drawing/2014/main" id="{542333FA-63C1-CB4A-BBB5-22C50E8B3306}"/>
+                <a16:creationId xmlns:a16="http://schemas.microsoft.com/office/drawing/2014/main" xmlns="" id="{542333FA-63C1-CB4A-BBB5-22C50E8B3306}"/>
               </a:ext>
             </a:extLst>
           </p:cNvPr>
@@ -13817,7 +14051,7 @@
           <p:nvPr>
             <p:extLst>
               <p:ext uri="{D42A27DB-BD31-4B8C-83A1-F6EECF244321}">
-                <p14:modId xmlns:p14="http://schemas.microsoft.com/office/powerpoint/2010/main" val="1311809860"/>
+                <p14:modId xmlns:p14="http://schemas.microsoft.com/office/powerpoint/2010/main" xmlns="" val="1311809860"/>
               </p:ext>
             </p:extLst>
           </p:nvPr>
@@ -13836,21 +14070,21 @@
                 <a:gridCol w="154800">
                   <a:extLst>
                     <a:ext uri="{9D8B030D-6E8A-4147-A177-3AD203B41FA5}">
-                      <a16:colId xmlns:a16="http://schemas.microsoft.com/office/drawing/2014/main" val="20000"/>
+                      <a16:colId xmlns:a16="http://schemas.microsoft.com/office/drawing/2014/main" xmlns="" val="20000"/>
                     </a:ext>
                   </a:extLst>
                 </a:gridCol>
                 <a:gridCol w="154800">
                   <a:extLst>
                     <a:ext uri="{9D8B030D-6E8A-4147-A177-3AD203B41FA5}">
-                      <a16:colId xmlns:a16="http://schemas.microsoft.com/office/drawing/2014/main" val="20001"/>
+                      <a16:colId xmlns:a16="http://schemas.microsoft.com/office/drawing/2014/main" xmlns="" val="20001"/>
                     </a:ext>
                   </a:extLst>
                 </a:gridCol>
                 <a:gridCol w="154800">
                   <a:extLst>
                     <a:ext uri="{9D8B030D-6E8A-4147-A177-3AD203B41FA5}">
-                      <a16:colId xmlns:a16="http://schemas.microsoft.com/office/drawing/2014/main" val="20002"/>
+                      <a16:colId xmlns:a16="http://schemas.microsoft.com/office/drawing/2014/main" xmlns="" val="20002"/>
                     </a:ext>
                   </a:extLst>
                 </a:gridCol>
@@ -13930,7 +14164,7 @@
                 </a:tc>
                 <a:extLst>
                   <a:ext uri="{0D108BD9-81ED-4DB2-BD59-A6C34878D82A}">
-                    <a16:rowId xmlns:a16="http://schemas.microsoft.com/office/drawing/2014/main" val="10000"/>
+                    <a16:rowId xmlns:a16="http://schemas.microsoft.com/office/drawing/2014/main" xmlns="" val="10000"/>
                   </a:ext>
                 </a:extLst>
               </a:tr>
@@ -14003,7 +14237,7 @@
                 </a:tc>
                 <a:extLst>
                   <a:ext uri="{0D108BD9-81ED-4DB2-BD59-A6C34878D82A}">
-                    <a16:rowId xmlns:a16="http://schemas.microsoft.com/office/drawing/2014/main" val="10001"/>
+                    <a16:rowId xmlns:a16="http://schemas.microsoft.com/office/drawing/2014/main" xmlns="" val="10001"/>
                   </a:ext>
                 </a:extLst>
               </a:tr>
@@ -14082,7 +14316,7 @@
                 </a:tc>
                 <a:extLst>
                   <a:ext uri="{0D108BD9-81ED-4DB2-BD59-A6C34878D82A}">
-                    <a16:rowId xmlns:a16="http://schemas.microsoft.com/office/drawing/2014/main" val="10002"/>
+                    <a16:rowId xmlns:a16="http://schemas.microsoft.com/office/drawing/2014/main" xmlns="" val="10002"/>
                   </a:ext>
                 </a:extLst>
               </a:tr>
@@ -14161,7 +14395,7 @@
                 </a:tc>
                 <a:extLst>
                   <a:ext uri="{0D108BD9-81ED-4DB2-BD59-A6C34878D82A}">
-                    <a16:rowId xmlns:a16="http://schemas.microsoft.com/office/drawing/2014/main" val="10003"/>
+                    <a16:rowId xmlns:a16="http://schemas.microsoft.com/office/drawing/2014/main" xmlns="" val="10003"/>
                   </a:ext>
                 </a:extLst>
               </a:tr>
@@ -14174,7 +14408,7 @@
           <p:cNvPr id="101" name="Use headers, colors, and/or backgrounds to separate or group together sections.">
             <a:extLst>
               <a:ext uri="{FF2B5EF4-FFF2-40B4-BE49-F238E27FC236}">
-                <a16:creationId xmlns:a16="http://schemas.microsoft.com/office/drawing/2014/main" id="{98E8719E-5D47-0E45-9466-14965AD66E5B}"/>
+                <a16:creationId xmlns:a16="http://schemas.microsoft.com/office/drawing/2014/main" xmlns="" id="{98E8719E-5D47-0E45-9466-14965AD66E5B}"/>
               </a:ext>
             </a:extLst>
           </p:cNvPr>
@@ -14184,7 +14418,7 @@
         <p:spPr>
           <a:xfrm>
             <a:off x="11419296" y="2128300"/>
-            <a:ext cx="2301101" cy="1048492"/>
+            <a:ext cx="2301101" cy="1214692"/>
           </a:xfrm>
           <a:prstGeom prst="rect">
             <a:avLst/>
@@ -14194,7 +14428,7 @@
           </a:ln>
           <a:extLst>
             <a:ext uri="{C572A759-6A51-4108-AA02-DFA0A04FC94B}">
-              <ma14:wrappingTextBoxFlag xmlns="" xmlns:ma14="http://schemas.microsoft.com/office/mac/drawingml/2011/main" val="1"/>
+              <ma14:wrappingTextBoxFlag xmlns:ma14="http://schemas.microsoft.com/office/mac/drawingml/2011/main" xmlns="" val="1"/>
             </a:ext>
           </a:extLst>
         </p:spPr>
@@ -14258,7 +14492,7 @@
               <a:t>] – grouper les lignes par valeurs des colonnes indiquées</a:t>
             </a:r>
             <a:r>
-              <a:rPr lang="fr-FR" b="0" dirty="0">
+              <a:rPr lang="fr-FR" b="0" dirty="0" smtClean="0">
                 <a:solidFill>
                   <a:srgbClr val="000000"/>
                 </a:solidFill>
@@ -14287,7 +14521,7 @@
               </a:lnSpc>
             </a:pPr>
             <a:r>
-              <a:rPr lang="fr-FR" b="0" dirty="0" err="1">
+              <a:rPr lang="fr-FR" b="0" dirty="0" err="1" smtClean="0">
                 <a:solidFill>
                   <a:srgbClr val="000000"/>
                 </a:solidFill>
@@ -14375,7 +14609,25 @@
                 </a:solidFill>
                 <a:cs typeface="Arial" panose="020B0604020202020204" pitchFamily="34" charset="0"/>
               </a:rPr>
-              <a:t> les lignes par valeur des colonnes indiquées.</a:t>
+              <a:t> les lignes par valeur </a:t>
+            </a:r>
+            <a:r>
+              <a:rPr lang="fr-FR" b="0" dirty="0" smtClean="0">
+                <a:solidFill>
+                  <a:srgbClr val="000000"/>
+                </a:solidFill>
+                <a:cs typeface="Arial" panose="020B0604020202020204" pitchFamily="34" charset="0"/>
+              </a:rPr>
+              <a:t>des </a:t>
+            </a:r>
+            <a:r>
+              <a:rPr lang="fr-FR" b="0" dirty="0">
+                <a:solidFill>
+                  <a:srgbClr val="000000"/>
+                </a:solidFill>
+                <a:cs typeface="Arial" panose="020B0604020202020204" pitchFamily="34" charset="0"/>
+              </a:rPr>
+              <a:t>colonnes indiquées.</a:t>
             </a:r>
             <a:endParaRPr lang="fr-FR" b="0" dirty="0">
               <a:solidFill>
@@ -14390,7 +14642,7 @@
           <p:cNvPr id="102" name="Line">
             <a:extLst>
               <a:ext uri="{FF2B5EF4-FFF2-40B4-BE49-F238E27FC236}">
-                <a16:creationId xmlns:a16="http://schemas.microsoft.com/office/drawing/2014/main" id="{6F914470-B6DA-2345-9E90-BF891DAB8549}"/>
+                <a16:creationId xmlns:a16="http://schemas.microsoft.com/office/drawing/2014/main" xmlns="" id="{6F914470-B6DA-2345-9E90-BF891DAB8549}"/>
               </a:ext>
             </a:extLst>
           </p:cNvPr>
@@ -14399,7 +14651,7 @@
         </p:nvSpPr>
         <p:spPr>
           <a:xfrm>
-            <a:off x="9357554" y="5659393"/>
+            <a:off x="9357554" y="5721312"/>
             <a:ext cx="4320000" cy="0"/>
           </a:xfrm>
           <a:prstGeom prst="line">
@@ -14441,7 +14693,7 @@
           <p:cNvPr id="103" name="Useful Elements">
             <a:extLst>
               <a:ext uri="{FF2B5EF4-FFF2-40B4-BE49-F238E27FC236}">
-                <a16:creationId xmlns:a16="http://schemas.microsoft.com/office/drawing/2014/main" id="{DD34CE4D-5E1C-004A-9859-97898C186D20}"/>
+                <a16:creationId xmlns:a16="http://schemas.microsoft.com/office/drawing/2014/main" xmlns="" id="{DD34CE4D-5E1C-004A-9859-97898C186D20}"/>
               </a:ext>
             </a:extLst>
           </p:cNvPr>
@@ -14461,7 +14713,7 @@
           </a:ln>
           <a:extLst>
             <a:ext uri="{C572A759-6A51-4108-AA02-DFA0A04FC94B}">
-              <ma14:wrappingTextBoxFlag xmlns="" xmlns:ma14="http://schemas.microsoft.com/office/mac/drawingml/2011/main" val="1"/>
+              <ma14:wrappingTextBoxFlag xmlns:ma14="http://schemas.microsoft.com/office/mac/drawingml/2011/main" xmlns="" val="1"/>
             </a:ext>
           </a:extLst>
         </p:spPr>
@@ -14500,7 +14752,7 @@
           <p:cNvPr id="108" name="Use headers, colors, and/or backgrounds to separate or group together sections.">
             <a:extLst>
               <a:ext uri="{FF2B5EF4-FFF2-40B4-BE49-F238E27FC236}">
-                <a16:creationId xmlns:a16="http://schemas.microsoft.com/office/drawing/2014/main" id="{33A98CA9-3C1F-4C42-AC36-FE4E87F51AF9}"/>
+                <a16:creationId xmlns:a16="http://schemas.microsoft.com/office/drawing/2014/main" xmlns="" id="{33A98CA9-3C1F-4C42-AC36-FE4E87F51AF9}"/>
               </a:ext>
             </a:extLst>
           </p:cNvPr>
@@ -14520,7 +14772,7 @@
           </a:ln>
           <a:extLst>
             <a:ext uri="{C572A759-6A51-4108-AA02-DFA0A04FC94B}">
-              <ma14:wrappingTextBoxFlag xmlns="" xmlns:ma14="http://schemas.microsoft.com/office/mac/drawingml/2011/main" val="1"/>
+              <ma14:wrappingTextBoxFlag xmlns:ma14="http://schemas.microsoft.com/office/mac/drawingml/2011/main" xmlns="" val="1"/>
             </a:ext>
           </a:extLst>
         </p:spPr>
@@ -14589,7 +14841,15 @@
                   <a:srgbClr val="000000"/>
                 </a:solidFill>
               </a:rPr>
-              <a:t>– réaliser une séquence d’opérations de </a:t>
+              <a:t>– réaliser une séquence d’opérations </a:t>
+            </a:r>
+            <a:r>
+              <a:rPr lang="fr-FR" b="0" dirty="0" smtClean="0">
+                <a:solidFill>
+                  <a:srgbClr val="000000"/>
+                </a:solidFill>
+              </a:rPr>
+              <a:t>sur </a:t>
             </a:r>
             <a:r>
               <a:rPr lang="fr-FR" b="0" dirty="0" err="1">
@@ -14631,7 +14891,7 @@
           <p:cNvPr id="109" name="Group">
             <a:extLst>
               <a:ext uri="{FF2B5EF4-FFF2-40B4-BE49-F238E27FC236}">
-                <a16:creationId xmlns:a16="http://schemas.microsoft.com/office/drawing/2014/main" id="{7C094C0A-A0A2-C145-A656-D45E5E8ECA8E}"/>
+                <a16:creationId xmlns:a16="http://schemas.microsoft.com/office/drawing/2014/main" xmlns="" id="{7C094C0A-A0A2-C145-A656-D45E5E8ECA8E}"/>
               </a:ext>
             </a:extLst>
           </p:cNvPr>
@@ -14691,7 +14951,7 @@
           <p:cNvPr id="110" name="Thank you for making a new cheatsheet for R! These cheatsheets have an important job:">
             <a:extLst>
               <a:ext uri="{FF2B5EF4-FFF2-40B4-BE49-F238E27FC236}">
-                <a16:creationId xmlns:a16="http://schemas.microsoft.com/office/drawing/2014/main" id="{6CD7B3C5-E6B1-2C4D-984E-697D10012176}"/>
+                <a16:creationId xmlns:a16="http://schemas.microsoft.com/office/drawing/2014/main" xmlns="" id="{6CD7B3C5-E6B1-2C4D-984E-697D10012176}"/>
               </a:ext>
             </a:extLst>
           </p:cNvPr>
@@ -14711,7 +14971,7 @@
           </a:ln>
           <a:extLst>
             <a:ext uri="{C572A759-6A51-4108-AA02-DFA0A04FC94B}">
-              <ma14:wrappingTextBoxFlag xmlns="" xmlns:ma14="http://schemas.microsoft.com/office/mac/drawingml/2011/main" val="1"/>
+              <ma14:wrappingTextBoxFlag xmlns:ma14="http://schemas.microsoft.com/office/mac/drawingml/2011/main" xmlns="" val="1"/>
             </a:ext>
           </a:extLst>
         </p:spPr>
@@ -14809,16 +15069,44 @@
                 </a:solidFill>
                 <a:cs typeface="Arial" panose="020B0604020202020204" pitchFamily="34" charset="0"/>
               </a:rPr>
-              <a:t>)” est plus efficace que le code analogue</a:t>
-            </a:r>
-            <a:br>
+              <a:t>)” est plus efficace que </a:t>
+            </a:r>
+            <a:r>
+              <a:rPr lang="fr-FR" b="0" dirty="0" smtClean="0">
+                <a:solidFill>
+                  <a:srgbClr val="000000"/>
+                </a:solidFill>
+                <a:cs typeface="Arial" panose="020B0604020202020204" pitchFamily="34" charset="0"/>
+              </a:rPr>
+              <a:t>l’instruction  analogue “</a:t>
+            </a:r>
+            <a:r>
+              <a:rPr lang="fr-FR" b="0" dirty="0" err="1">
+                <a:solidFill>
+                  <a:srgbClr val="000000"/>
+                </a:solidFill>
+                <a:cs typeface="Arial" panose="020B0604020202020204" pitchFamily="34" charset="0"/>
+              </a:rPr>
+              <a:t>df</a:t>
+            </a:r>
+            <a:r>
               <a:rPr lang="fr-FR" b="0" dirty="0">
                 <a:solidFill>
                   <a:srgbClr val="000000"/>
                 </a:solidFill>
                 <a:cs typeface="Arial" panose="020B0604020202020204" pitchFamily="34" charset="0"/>
               </a:rPr>
-            </a:br>
+              <a:t> &lt;- </a:t>
+            </a:r>
+            <a:r>
+              <a:rPr lang="fr-FR" b="0" dirty="0" err="1">
+                <a:solidFill>
+                  <a:srgbClr val="000000"/>
+                </a:solidFill>
+                <a:cs typeface="Arial" panose="020B0604020202020204" pitchFamily="34" charset="0"/>
+              </a:rPr>
+              <a:t>as.data</a:t>
+            </a:r>
             <a:r>
               <a:rPr lang="fr-FR" b="0" dirty="0">
                 <a:solidFill>
@@ -14826,43 +15114,7 @@
                 </a:solidFill>
                 <a:cs typeface="Arial" panose="020B0604020202020204" pitchFamily="34" charset="0"/>
               </a:rPr>
-              <a:t>“</a:t>
-            </a:r>
-            <a:r>
-              <a:rPr lang="fr-FR" b="0" dirty="0" err="1">
-                <a:solidFill>
-                  <a:srgbClr val="000000"/>
-                </a:solidFill>
-                <a:cs typeface="Arial" panose="020B0604020202020204" pitchFamily="34" charset="0"/>
-              </a:rPr>
-              <a:t>df</a:t>
-            </a:r>
-            <a:r>
-              <a:rPr lang="fr-FR" b="0" dirty="0">
-                <a:solidFill>
-                  <a:srgbClr val="000000"/>
-                </a:solidFill>
-                <a:cs typeface="Arial" panose="020B0604020202020204" pitchFamily="34" charset="0"/>
-              </a:rPr>
-              <a:t> &lt;- </a:t>
-            </a:r>
-            <a:r>
-              <a:rPr lang="fr-FR" b="0" dirty="0" err="1">
-                <a:solidFill>
-                  <a:srgbClr val="000000"/>
-                </a:solidFill>
-                <a:cs typeface="Arial" panose="020B0604020202020204" pitchFamily="34" charset="0"/>
-              </a:rPr>
-              <a:t>as.data.table</a:t>
-            </a:r>
-            <a:r>
-              <a:rPr lang="fr-FR" b="0" dirty="0">
-                <a:solidFill>
-                  <a:srgbClr val="000000"/>
-                </a:solidFill>
-                <a:cs typeface="Arial" panose="020B0604020202020204" pitchFamily="34" charset="0"/>
-              </a:rPr>
-              <a:t>(</a:t>
+              <a:t>.table(</a:t>
             </a:r>
             <a:r>
               <a:rPr lang="fr-FR" b="0" dirty="0" err="1">
@@ -14890,7 +15142,7 @@
           <p:cNvPr id="87" name="Table">
             <a:extLst>
               <a:ext uri="{FF2B5EF4-FFF2-40B4-BE49-F238E27FC236}">
-                <a16:creationId xmlns:a16="http://schemas.microsoft.com/office/drawing/2014/main" id="{1FF74F0D-F2A0-7841-AA75-D4618524CB0D}"/>
+                <a16:creationId xmlns:a16="http://schemas.microsoft.com/office/drawing/2014/main" xmlns="" id="{1FF74F0D-F2A0-7841-AA75-D4618524CB0D}"/>
               </a:ext>
             </a:extLst>
           </p:cNvPr>
@@ -14898,7 +15150,7 @@
           <p:nvPr>
             <p:extLst>
               <p:ext uri="{D42A27DB-BD31-4B8C-83A1-F6EECF244321}">
-                <p14:modId xmlns:p14="http://schemas.microsoft.com/office/powerpoint/2010/main" val="3144983162"/>
+                <p14:modId xmlns:p14="http://schemas.microsoft.com/office/powerpoint/2010/main" xmlns="" val="3144983162"/>
               </p:ext>
             </p:extLst>
           </p:nvPr>
@@ -14917,28 +15169,28 @@
                 <a:gridCol w="154800">
                   <a:extLst>
                     <a:ext uri="{9D8B030D-6E8A-4147-A177-3AD203B41FA5}">
-                      <a16:colId xmlns:a16="http://schemas.microsoft.com/office/drawing/2014/main" val="20000"/>
+                      <a16:colId xmlns:a16="http://schemas.microsoft.com/office/drawing/2014/main" xmlns="" val="20000"/>
                     </a:ext>
                   </a:extLst>
                 </a:gridCol>
                 <a:gridCol w="154800">
                   <a:extLst>
                     <a:ext uri="{9D8B030D-6E8A-4147-A177-3AD203B41FA5}">
-                      <a16:colId xmlns:a16="http://schemas.microsoft.com/office/drawing/2014/main" val="20001"/>
+                      <a16:colId xmlns:a16="http://schemas.microsoft.com/office/drawing/2014/main" xmlns="" val="20001"/>
                     </a:ext>
                   </a:extLst>
                 </a:gridCol>
                 <a:gridCol w="154800">
                   <a:extLst>
                     <a:ext uri="{9D8B030D-6E8A-4147-A177-3AD203B41FA5}">
-                      <a16:colId xmlns:a16="http://schemas.microsoft.com/office/drawing/2014/main" val="20002"/>
+                      <a16:colId xmlns:a16="http://schemas.microsoft.com/office/drawing/2014/main" xmlns="" val="20002"/>
                     </a:ext>
                   </a:extLst>
                 </a:gridCol>
                 <a:gridCol w="154800">
                   <a:extLst>
                     <a:ext uri="{9D8B030D-6E8A-4147-A177-3AD203B41FA5}">
-                      <a16:colId xmlns:a16="http://schemas.microsoft.com/office/drawing/2014/main" val="2502943937"/>
+                      <a16:colId xmlns:a16="http://schemas.microsoft.com/office/drawing/2014/main" xmlns="" val="2502943937"/>
                     </a:ext>
                   </a:extLst>
                 </a:gridCol>
@@ -15046,7 +15298,7 @@
                 </a:tc>
                 <a:extLst>
                   <a:ext uri="{0D108BD9-81ED-4DB2-BD59-A6C34878D82A}">
-                    <a16:rowId xmlns:a16="http://schemas.microsoft.com/office/drawing/2014/main" val="10000"/>
+                    <a16:rowId xmlns:a16="http://schemas.microsoft.com/office/drawing/2014/main" xmlns="" val="10000"/>
                   </a:ext>
                 </a:extLst>
               </a:tr>
@@ -15169,7 +15421,7 @@
                 </a:tc>
                 <a:extLst>
                   <a:ext uri="{0D108BD9-81ED-4DB2-BD59-A6C34878D82A}">
-                    <a16:rowId xmlns:a16="http://schemas.microsoft.com/office/drawing/2014/main" val="10001"/>
+                    <a16:rowId xmlns:a16="http://schemas.microsoft.com/office/drawing/2014/main" xmlns="" val="10001"/>
                   </a:ext>
                 </a:extLst>
               </a:tr>
@@ -15292,7 +15544,7 @@
                 </a:tc>
                 <a:extLst>
                   <a:ext uri="{0D108BD9-81ED-4DB2-BD59-A6C34878D82A}">
-                    <a16:rowId xmlns:a16="http://schemas.microsoft.com/office/drawing/2014/main" val="10002"/>
+                    <a16:rowId xmlns:a16="http://schemas.microsoft.com/office/drawing/2014/main" xmlns="" val="10002"/>
                   </a:ext>
                 </a:extLst>
               </a:tr>
@@ -15305,7 +15557,7 @@
           <p:cNvPr id="88" name="Line">
             <a:extLst>
               <a:ext uri="{FF2B5EF4-FFF2-40B4-BE49-F238E27FC236}">
-                <a16:creationId xmlns:a16="http://schemas.microsoft.com/office/drawing/2014/main" id="{E6CB95F6-9D78-F442-A880-1603C5AFC93E}"/>
+                <a16:creationId xmlns:a16="http://schemas.microsoft.com/office/drawing/2014/main" xmlns="" id="{E6CB95F6-9D78-F442-A880-1603C5AFC93E}"/>
               </a:ext>
             </a:extLst>
           </p:cNvPr>
@@ -15365,7 +15617,7 @@
           <p:cNvPr id="89" name="Table">
             <a:extLst>
               <a:ext uri="{FF2B5EF4-FFF2-40B4-BE49-F238E27FC236}">
-                <a16:creationId xmlns:a16="http://schemas.microsoft.com/office/drawing/2014/main" id="{91A112DE-2134-4F4B-8F5F-B7F872657902}"/>
+                <a16:creationId xmlns:a16="http://schemas.microsoft.com/office/drawing/2014/main" xmlns="" id="{91A112DE-2134-4F4B-8F5F-B7F872657902}"/>
               </a:ext>
             </a:extLst>
           </p:cNvPr>
@@ -15373,7 +15625,7 @@
           <p:nvPr>
             <p:extLst>
               <p:ext uri="{D42A27DB-BD31-4B8C-83A1-F6EECF244321}">
-                <p14:modId xmlns:p14="http://schemas.microsoft.com/office/powerpoint/2010/main" val="1947120919"/>
+                <p14:modId xmlns:p14="http://schemas.microsoft.com/office/powerpoint/2010/main" xmlns="" val="1947120919"/>
               </p:ext>
             </p:extLst>
           </p:nvPr>
@@ -15392,14 +15644,14 @@
                 <a:gridCol w="154800">
                   <a:extLst>
                     <a:ext uri="{9D8B030D-6E8A-4147-A177-3AD203B41FA5}">
-                      <a16:colId xmlns:a16="http://schemas.microsoft.com/office/drawing/2014/main" val="20000"/>
+                      <a16:colId xmlns:a16="http://schemas.microsoft.com/office/drawing/2014/main" xmlns="" val="20000"/>
                     </a:ext>
                   </a:extLst>
                 </a:gridCol>
                 <a:gridCol w="154800">
                   <a:extLst>
                     <a:ext uri="{9D8B030D-6E8A-4147-A177-3AD203B41FA5}">
-                      <a16:colId xmlns:a16="http://schemas.microsoft.com/office/drawing/2014/main" val="20001"/>
+                      <a16:colId xmlns:a16="http://schemas.microsoft.com/office/drawing/2014/main" xmlns="" val="20001"/>
                     </a:ext>
                   </a:extLst>
                 </a:gridCol>
@@ -15451,7 +15703,7 @@
                 </a:tc>
                 <a:extLst>
                   <a:ext uri="{0D108BD9-81ED-4DB2-BD59-A6C34878D82A}">
-                    <a16:rowId xmlns:a16="http://schemas.microsoft.com/office/drawing/2014/main" val="10000"/>
+                    <a16:rowId xmlns:a16="http://schemas.microsoft.com/office/drawing/2014/main" xmlns="" val="10000"/>
                   </a:ext>
                 </a:extLst>
               </a:tr>
@@ -15502,7 +15754,7 @@
                 </a:tc>
                 <a:extLst>
                   <a:ext uri="{0D108BD9-81ED-4DB2-BD59-A6C34878D82A}">
-                    <a16:rowId xmlns:a16="http://schemas.microsoft.com/office/drawing/2014/main" val="10001"/>
+                    <a16:rowId xmlns:a16="http://schemas.microsoft.com/office/drawing/2014/main" xmlns="" val="10001"/>
                   </a:ext>
                 </a:extLst>
               </a:tr>
@@ -15553,7 +15805,7 @@
                 </a:tc>
                 <a:extLst>
                   <a:ext uri="{0D108BD9-81ED-4DB2-BD59-A6C34878D82A}">
-                    <a16:rowId xmlns:a16="http://schemas.microsoft.com/office/drawing/2014/main" val="10002"/>
+                    <a16:rowId xmlns:a16="http://schemas.microsoft.com/office/drawing/2014/main" xmlns="" val="10002"/>
                   </a:ext>
                 </a:extLst>
               </a:tr>
@@ -15566,7 +15818,7 @@
           <p:cNvPr id="90" name="Use headers, colors, and/or backgrounds to separate or group together sections.">
             <a:extLst>
               <a:ext uri="{FF2B5EF4-FFF2-40B4-BE49-F238E27FC236}">
-                <a16:creationId xmlns:a16="http://schemas.microsoft.com/office/drawing/2014/main" id="{64EDDE8B-247D-804D-86D6-0DA4CFBB0836}"/>
+                <a16:creationId xmlns:a16="http://schemas.microsoft.com/office/drawing/2014/main" xmlns="" id="{64EDDE8B-247D-804D-86D6-0DA4CFBB0836}"/>
               </a:ext>
             </a:extLst>
           </p:cNvPr>
@@ -15576,7 +15828,7 @@
         <p:spPr>
           <a:xfrm>
             <a:off x="6212052" y="7472071"/>
-            <a:ext cx="2930556" cy="332399"/>
+            <a:ext cx="2930556" cy="498598"/>
           </a:xfrm>
           <a:prstGeom prst="rect">
             <a:avLst/>
@@ -15586,7 +15838,7 @@
           </a:ln>
           <a:extLst>
             <a:ext uri="{C572A759-6A51-4108-AA02-DFA0A04FC94B}">
-              <ma14:wrappingTextBoxFlag xmlns="" xmlns:ma14="http://schemas.microsoft.com/office/mac/drawingml/2011/main" val="1"/>
+              <ma14:wrappingTextBoxFlag xmlns:ma14="http://schemas.microsoft.com/office/mac/drawingml/2011/main" xmlns="" val="1"/>
             </a:ext>
           </a:extLst>
         </p:spPr>
@@ -15639,7 +15891,23 @@
                   <a:srgbClr val="000000"/>
                 </a:solidFill>
               </a:rPr>
-              <a:t>] – calculer plusieurs colonnes sur base d’expressions distinctes</a:t>
+              <a:t>] – calculer plusieurs colonnes sur </a:t>
+            </a:r>
+            <a:r>
+              <a:rPr lang="fr-FR" b="0" dirty="0" smtClean="0">
+                <a:solidFill>
+                  <a:srgbClr val="000000"/>
+                </a:solidFill>
+              </a:rPr>
+              <a:t>la base </a:t>
+            </a:r>
+            <a:r>
+              <a:rPr lang="fr-FR" b="0" dirty="0">
+                <a:solidFill>
+                  <a:srgbClr val="000000"/>
+                </a:solidFill>
+              </a:rPr>
+              <a:t>d’expressions distinctes</a:t>
             </a:r>
             <a:r>
               <a:rPr lang="en-US" b="0" dirty="0">
@@ -15657,7 +15925,7 @@
           <p:cNvPr id="91" name="Rektangel 208">
             <a:extLst>
               <a:ext uri="{FF2B5EF4-FFF2-40B4-BE49-F238E27FC236}">
-                <a16:creationId xmlns:a16="http://schemas.microsoft.com/office/drawing/2014/main" id="{974B5E7F-6582-0649-B991-F239BD186C5C}"/>
+                <a16:creationId xmlns:a16="http://schemas.microsoft.com/office/drawing/2014/main" xmlns="" id="{974B5E7F-6582-0649-B991-F239BD186C5C}"/>
               </a:ext>
             </a:extLst>
           </p:cNvPr>
@@ -15692,7 +15960,7 @@
           <p:cNvPr id="104" name="Line">
             <a:extLst>
               <a:ext uri="{FF2B5EF4-FFF2-40B4-BE49-F238E27FC236}">
-                <a16:creationId xmlns:a16="http://schemas.microsoft.com/office/drawing/2014/main" id="{C99A0AD3-C8D6-0042-BB74-79F05A9CF78A}"/>
+                <a16:creationId xmlns:a16="http://schemas.microsoft.com/office/drawing/2014/main" xmlns="" id="{C99A0AD3-C8D6-0042-BB74-79F05A9CF78A}"/>
               </a:ext>
             </a:extLst>
           </p:cNvPr>
@@ -15745,7 +16013,7 @@
           <p:cNvPr id="107" name="Table">
             <a:extLst>
               <a:ext uri="{FF2B5EF4-FFF2-40B4-BE49-F238E27FC236}">
-                <a16:creationId xmlns:a16="http://schemas.microsoft.com/office/drawing/2014/main" id="{30A3FE76-DCFC-5441-BF5F-DBAC15DEB432}"/>
+                <a16:creationId xmlns:a16="http://schemas.microsoft.com/office/drawing/2014/main" xmlns="" id="{30A3FE76-DCFC-5441-BF5F-DBAC15DEB432}"/>
               </a:ext>
             </a:extLst>
           </p:cNvPr>
@@ -15753,7 +16021,7 @@
           <p:nvPr>
             <p:extLst>
               <p:ext uri="{D42A27DB-BD31-4B8C-83A1-F6EECF244321}">
-                <p14:modId xmlns:p14="http://schemas.microsoft.com/office/powerpoint/2010/main" val="4222221672"/>
+                <p14:modId xmlns:p14="http://schemas.microsoft.com/office/powerpoint/2010/main" xmlns="" val="4222221672"/>
               </p:ext>
             </p:extLst>
           </p:nvPr>
@@ -15772,21 +16040,21 @@
                 <a:gridCol w="154800">
                   <a:extLst>
                     <a:ext uri="{9D8B030D-6E8A-4147-A177-3AD203B41FA5}">
-                      <a16:colId xmlns:a16="http://schemas.microsoft.com/office/drawing/2014/main" val="20000"/>
+                      <a16:colId xmlns:a16="http://schemas.microsoft.com/office/drawing/2014/main" xmlns="" val="20000"/>
                     </a:ext>
                   </a:extLst>
                 </a:gridCol>
                 <a:gridCol w="154800">
                   <a:extLst>
                     <a:ext uri="{9D8B030D-6E8A-4147-A177-3AD203B41FA5}">
-                      <a16:colId xmlns:a16="http://schemas.microsoft.com/office/drawing/2014/main" val="20001"/>
+                      <a16:colId xmlns:a16="http://schemas.microsoft.com/office/drawing/2014/main" xmlns="" val="20001"/>
                     </a:ext>
                   </a:extLst>
                 </a:gridCol>
                 <a:gridCol w="154800">
                   <a:extLst>
                     <a:ext uri="{9D8B030D-6E8A-4147-A177-3AD203B41FA5}">
-                      <a16:colId xmlns:a16="http://schemas.microsoft.com/office/drawing/2014/main" val="20002"/>
+                      <a16:colId xmlns:a16="http://schemas.microsoft.com/office/drawing/2014/main" xmlns="" val="20002"/>
                     </a:ext>
                   </a:extLst>
                 </a:gridCol>
@@ -15866,7 +16134,7 @@
                 </a:tc>
                 <a:extLst>
                   <a:ext uri="{0D108BD9-81ED-4DB2-BD59-A6C34878D82A}">
-                    <a16:rowId xmlns:a16="http://schemas.microsoft.com/office/drawing/2014/main" val="10000"/>
+                    <a16:rowId xmlns:a16="http://schemas.microsoft.com/office/drawing/2014/main" xmlns="" val="10000"/>
                   </a:ext>
                 </a:extLst>
               </a:tr>
@@ -15945,7 +16213,7 @@
                 </a:tc>
                 <a:extLst>
                   <a:ext uri="{0D108BD9-81ED-4DB2-BD59-A6C34878D82A}">
-                    <a16:rowId xmlns:a16="http://schemas.microsoft.com/office/drawing/2014/main" val="10001"/>
+                    <a16:rowId xmlns:a16="http://schemas.microsoft.com/office/drawing/2014/main" xmlns="" val="10001"/>
                   </a:ext>
                 </a:extLst>
               </a:tr>
@@ -16024,7 +16292,7 @@
                 </a:tc>
                 <a:extLst>
                   <a:ext uri="{0D108BD9-81ED-4DB2-BD59-A6C34878D82A}">
-                    <a16:rowId xmlns:a16="http://schemas.microsoft.com/office/drawing/2014/main" val="10002"/>
+                    <a16:rowId xmlns:a16="http://schemas.microsoft.com/office/drawing/2014/main" xmlns="" val="10002"/>
                   </a:ext>
                 </a:extLst>
               </a:tr>
@@ -16037,7 +16305,7 @@
           <p:cNvPr id="111" name="Line">
             <a:extLst>
               <a:ext uri="{FF2B5EF4-FFF2-40B4-BE49-F238E27FC236}">
-                <a16:creationId xmlns:a16="http://schemas.microsoft.com/office/drawing/2014/main" id="{3A1CA9C0-A823-714B-B5EB-8FFA934A3891}"/>
+                <a16:creationId xmlns:a16="http://schemas.microsoft.com/office/drawing/2014/main" xmlns="" id="{3A1CA9C0-A823-714B-B5EB-8FFA934A3891}"/>
               </a:ext>
             </a:extLst>
           </p:cNvPr>
@@ -16097,7 +16365,7 @@
           <p:cNvPr id="112" name="Table">
             <a:extLst>
               <a:ext uri="{FF2B5EF4-FFF2-40B4-BE49-F238E27FC236}">
-                <a16:creationId xmlns:a16="http://schemas.microsoft.com/office/drawing/2014/main" id="{FD98E950-86BD-E64E-AB26-B94EF840B170}"/>
+                <a16:creationId xmlns:a16="http://schemas.microsoft.com/office/drawing/2014/main" xmlns="" id="{FD98E950-86BD-E64E-AB26-B94EF840B170}"/>
               </a:ext>
             </a:extLst>
           </p:cNvPr>
@@ -16105,7 +16373,7 @@
           <p:nvPr>
             <p:extLst>
               <p:ext uri="{D42A27DB-BD31-4B8C-83A1-F6EECF244321}">
-                <p14:modId xmlns:p14="http://schemas.microsoft.com/office/powerpoint/2010/main" val="4184833622"/>
+                <p14:modId xmlns:p14="http://schemas.microsoft.com/office/powerpoint/2010/main" xmlns="" val="4184833622"/>
               </p:ext>
             </p:extLst>
           </p:nvPr>
@@ -16124,14 +16392,14 @@
                 <a:gridCol w="154800">
                   <a:extLst>
                     <a:ext uri="{9D8B030D-6E8A-4147-A177-3AD203B41FA5}">
-                      <a16:colId xmlns:a16="http://schemas.microsoft.com/office/drawing/2014/main" val="20000"/>
+                      <a16:colId xmlns:a16="http://schemas.microsoft.com/office/drawing/2014/main" xmlns="" val="20000"/>
                     </a:ext>
                   </a:extLst>
                 </a:gridCol>
                 <a:gridCol w="154800">
                   <a:extLst>
                     <a:ext uri="{9D8B030D-6E8A-4147-A177-3AD203B41FA5}">
-                      <a16:colId xmlns:a16="http://schemas.microsoft.com/office/drawing/2014/main" val="20001"/>
+                      <a16:colId xmlns:a16="http://schemas.microsoft.com/office/drawing/2014/main" xmlns="" val="20001"/>
                     </a:ext>
                   </a:extLst>
                 </a:gridCol>
@@ -16183,7 +16451,7 @@
                 </a:tc>
                 <a:extLst>
                   <a:ext uri="{0D108BD9-81ED-4DB2-BD59-A6C34878D82A}">
-                    <a16:rowId xmlns:a16="http://schemas.microsoft.com/office/drawing/2014/main" val="10000"/>
+                    <a16:rowId xmlns:a16="http://schemas.microsoft.com/office/drawing/2014/main" xmlns="" val="10000"/>
                   </a:ext>
                 </a:extLst>
               </a:tr>
@@ -16234,7 +16502,7 @@
                 </a:tc>
                 <a:extLst>
                   <a:ext uri="{0D108BD9-81ED-4DB2-BD59-A6C34878D82A}">
-                    <a16:rowId xmlns:a16="http://schemas.microsoft.com/office/drawing/2014/main" val="10001"/>
+                    <a16:rowId xmlns:a16="http://schemas.microsoft.com/office/drawing/2014/main" xmlns="" val="10001"/>
                   </a:ext>
                 </a:extLst>
               </a:tr>
@@ -16285,7 +16553,7 @@
                 </a:tc>
                 <a:extLst>
                   <a:ext uri="{0D108BD9-81ED-4DB2-BD59-A6C34878D82A}">
-                    <a16:rowId xmlns:a16="http://schemas.microsoft.com/office/drawing/2014/main" val="10002"/>
+                    <a16:rowId xmlns:a16="http://schemas.microsoft.com/office/drawing/2014/main" xmlns="" val="10002"/>
                   </a:ext>
                 </a:extLst>
               </a:tr>
@@ -16298,7 +16566,7 @@
           <p:cNvPr id="113" name="Use headers, colors, and/or backgrounds to separate or group together sections.">
             <a:extLst>
               <a:ext uri="{FF2B5EF4-FFF2-40B4-BE49-F238E27FC236}">
-                <a16:creationId xmlns:a16="http://schemas.microsoft.com/office/drawing/2014/main" id="{837C1E9A-B3F8-9548-9599-C06AD09A4494}"/>
+                <a16:creationId xmlns:a16="http://schemas.microsoft.com/office/drawing/2014/main" xmlns="" id="{837C1E9A-B3F8-9548-9599-C06AD09A4494}"/>
               </a:ext>
             </a:extLst>
           </p:cNvPr>
@@ -16318,7 +16586,7 @@
           </a:ln>
           <a:extLst>
             <a:ext uri="{C572A759-6A51-4108-AA02-DFA0A04FC94B}">
-              <ma14:wrappingTextBoxFlag xmlns="" xmlns:ma14="http://schemas.microsoft.com/office/mac/drawingml/2011/main" val="1"/>
+              <ma14:wrappingTextBoxFlag xmlns:ma14="http://schemas.microsoft.com/office/mac/drawingml/2011/main" xmlns="" val="1"/>
             </a:ext>
           </a:extLst>
         </p:spPr>
@@ -16397,7 +16665,7 @@
           <p:cNvPr id="105" name="Rektangel 208">
             <a:extLst>
               <a:ext uri="{FF2B5EF4-FFF2-40B4-BE49-F238E27FC236}">
-                <a16:creationId xmlns:a16="http://schemas.microsoft.com/office/drawing/2014/main" id="{18452612-F97C-954B-989F-DEA272424472}"/>
+                <a16:creationId xmlns:a16="http://schemas.microsoft.com/office/drawing/2014/main" xmlns="" id="{18452612-F97C-954B-989F-DEA272424472}"/>
               </a:ext>
             </a:extLst>
           </p:cNvPr>
@@ -16432,7 +16700,7 @@
           <p:cNvPr id="106" name="Line">
             <a:extLst>
               <a:ext uri="{FF2B5EF4-FFF2-40B4-BE49-F238E27FC236}">
-                <a16:creationId xmlns:a16="http://schemas.microsoft.com/office/drawing/2014/main" id="{17FD2011-7A76-3C49-9049-F3E84C83FC36}"/>
+                <a16:creationId xmlns:a16="http://schemas.microsoft.com/office/drawing/2014/main" xmlns="" id="{17FD2011-7A76-3C49-9049-F3E84C83FC36}"/>
               </a:ext>
             </a:extLst>
           </p:cNvPr>
@@ -16485,7 +16753,7 @@
           <p:cNvPr id="114" name="Table">
             <a:extLst>
               <a:ext uri="{FF2B5EF4-FFF2-40B4-BE49-F238E27FC236}">
-                <a16:creationId xmlns:a16="http://schemas.microsoft.com/office/drawing/2014/main" id="{AE6D207C-6C11-2E4B-A11B-85664D9B0F91}"/>
+                <a16:creationId xmlns:a16="http://schemas.microsoft.com/office/drawing/2014/main" xmlns="" id="{AE6D207C-6C11-2E4B-A11B-85664D9B0F91}"/>
               </a:ext>
             </a:extLst>
           </p:cNvPr>
@@ -16493,7 +16761,7 @@
           <p:nvPr>
             <p:extLst>
               <p:ext uri="{D42A27DB-BD31-4B8C-83A1-F6EECF244321}">
-                <p14:modId xmlns:p14="http://schemas.microsoft.com/office/powerpoint/2010/main" val="4026723501"/>
+                <p14:modId xmlns:p14="http://schemas.microsoft.com/office/powerpoint/2010/main" xmlns="" val="4026723501"/>
               </p:ext>
             </p:extLst>
           </p:nvPr>
@@ -16512,14 +16780,14 @@
                 <a:gridCol w="154800">
                   <a:extLst>
                     <a:ext uri="{9D8B030D-6E8A-4147-A177-3AD203B41FA5}">
-                      <a16:colId xmlns:a16="http://schemas.microsoft.com/office/drawing/2014/main" val="20000"/>
+                      <a16:colId xmlns:a16="http://schemas.microsoft.com/office/drawing/2014/main" xmlns="" val="20000"/>
                     </a:ext>
                   </a:extLst>
                 </a:gridCol>
                 <a:gridCol w="198000">
                   <a:extLst>
                     <a:ext uri="{9D8B030D-6E8A-4147-A177-3AD203B41FA5}">
-                      <a16:colId xmlns:a16="http://schemas.microsoft.com/office/drawing/2014/main" val="20002"/>
+                      <a16:colId xmlns:a16="http://schemas.microsoft.com/office/drawing/2014/main" xmlns="" val="20002"/>
                     </a:ext>
                   </a:extLst>
                 </a:gridCol>
@@ -16577,7 +16845,7 @@
                 </a:tc>
                 <a:extLst>
                   <a:ext uri="{0D108BD9-81ED-4DB2-BD59-A6C34878D82A}">
-                    <a16:rowId xmlns:a16="http://schemas.microsoft.com/office/drawing/2014/main" val="10000"/>
+                    <a16:rowId xmlns:a16="http://schemas.microsoft.com/office/drawing/2014/main" xmlns="" val="10000"/>
                   </a:ext>
                 </a:extLst>
               </a:tr>
@@ -16642,7 +16910,7 @@
                 </a:tc>
                 <a:extLst>
                   <a:ext uri="{0D108BD9-81ED-4DB2-BD59-A6C34878D82A}">
-                    <a16:rowId xmlns:a16="http://schemas.microsoft.com/office/drawing/2014/main" val="10001"/>
+                    <a16:rowId xmlns:a16="http://schemas.microsoft.com/office/drawing/2014/main" xmlns="" val="10001"/>
                   </a:ext>
                 </a:extLst>
               </a:tr>
@@ -16707,7 +16975,7 @@
                 </a:tc>
                 <a:extLst>
                   <a:ext uri="{0D108BD9-81ED-4DB2-BD59-A6C34878D82A}">
-                    <a16:rowId xmlns:a16="http://schemas.microsoft.com/office/drawing/2014/main" val="10002"/>
+                    <a16:rowId xmlns:a16="http://schemas.microsoft.com/office/drawing/2014/main" xmlns="" val="10002"/>
                   </a:ext>
                 </a:extLst>
               </a:tr>
@@ -16720,7 +16988,7 @@
           <p:cNvPr id="115" name="Line">
             <a:extLst>
               <a:ext uri="{FF2B5EF4-FFF2-40B4-BE49-F238E27FC236}">
-                <a16:creationId xmlns:a16="http://schemas.microsoft.com/office/drawing/2014/main" id="{B80DBEBB-AB75-F142-B784-1099E3AEF695}"/>
+                <a16:creationId xmlns:a16="http://schemas.microsoft.com/office/drawing/2014/main" xmlns="" id="{B80DBEBB-AB75-F142-B784-1099E3AEF695}"/>
               </a:ext>
             </a:extLst>
           </p:cNvPr>
@@ -16780,7 +17048,7 @@
           <p:cNvPr id="116" name="Table">
             <a:extLst>
               <a:ext uri="{FF2B5EF4-FFF2-40B4-BE49-F238E27FC236}">
-                <a16:creationId xmlns:a16="http://schemas.microsoft.com/office/drawing/2014/main" id="{F960F97F-C42A-4346-B375-8BD160E75B35}"/>
+                <a16:creationId xmlns:a16="http://schemas.microsoft.com/office/drawing/2014/main" xmlns="" id="{F960F97F-C42A-4346-B375-8BD160E75B35}"/>
               </a:ext>
             </a:extLst>
           </p:cNvPr>
@@ -16788,7 +17056,7 @@
           <p:nvPr>
             <p:extLst>
               <p:ext uri="{D42A27DB-BD31-4B8C-83A1-F6EECF244321}">
-                <p14:modId xmlns:p14="http://schemas.microsoft.com/office/powerpoint/2010/main" val="543408808"/>
+                <p14:modId xmlns:p14="http://schemas.microsoft.com/office/powerpoint/2010/main" xmlns="" val="543408808"/>
               </p:ext>
             </p:extLst>
           </p:nvPr>
@@ -16807,14 +17075,14 @@
                 <a:gridCol w="154800">
                   <a:extLst>
                     <a:ext uri="{9D8B030D-6E8A-4147-A177-3AD203B41FA5}">
-                      <a16:colId xmlns:a16="http://schemas.microsoft.com/office/drawing/2014/main" val="20000"/>
+                      <a16:colId xmlns:a16="http://schemas.microsoft.com/office/drawing/2014/main" xmlns="" val="20000"/>
                     </a:ext>
                   </a:extLst>
                 </a:gridCol>
                 <a:gridCol w="154800">
                   <a:extLst>
                     <a:ext uri="{9D8B030D-6E8A-4147-A177-3AD203B41FA5}">
-                      <a16:colId xmlns:a16="http://schemas.microsoft.com/office/drawing/2014/main" val="20001"/>
+                      <a16:colId xmlns:a16="http://schemas.microsoft.com/office/drawing/2014/main" xmlns="" val="20001"/>
                     </a:ext>
                   </a:extLst>
                 </a:gridCol>
@@ -16870,7 +17138,7 @@
                 </a:tc>
                 <a:extLst>
                   <a:ext uri="{0D108BD9-81ED-4DB2-BD59-A6C34878D82A}">
-                    <a16:rowId xmlns:a16="http://schemas.microsoft.com/office/drawing/2014/main" val="10000"/>
+                    <a16:rowId xmlns:a16="http://schemas.microsoft.com/office/drawing/2014/main" xmlns="" val="10000"/>
                   </a:ext>
                 </a:extLst>
               </a:tr>
@@ -16925,7 +17193,7 @@
                 </a:tc>
                 <a:extLst>
                   <a:ext uri="{0D108BD9-81ED-4DB2-BD59-A6C34878D82A}">
-                    <a16:rowId xmlns:a16="http://schemas.microsoft.com/office/drawing/2014/main" val="10001"/>
+                    <a16:rowId xmlns:a16="http://schemas.microsoft.com/office/drawing/2014/main" xmlns="" val="10001"/>
                   </a:ext>
                 </a:extLst>
               </a:tr>
@@ -16980,7 +17248,7 @@
                 </a:tc>
                 <a:extLst>
                   <a:ext uri="{0D108BD9-81ED-4DB2-BD59-A6C34878D82A}">
-                    <a16:rowId xmlns:a16="http://schemas.microsoft.com/office/drawing/2014/main" val="10002"/>
+                    <a16:rowId xmlns:a16="http://schemas.microsoft.com/office/drawing/2014/main" xmlns="" val="10002"/>
                   </a:ext>
                 </a:extLst>
               </a:tr>
@@ -16993,7 +17261,7 @@
           <p:cNvPr id="117" name="Use headers, colors, and/or backgrounds to separate or group together sections.">
             <a:extLst>
               <a:ext uri="{FF2B5EF4-FFF2-40B4-BE49-F238E27FC236}">
-                <a16:creationId xmlns:a16="http://schemas.microsoft.com/office/drawing/2014/main" id="{E0E4673A-26D6-5B45-AF21-32940D89875E}"/>
+                <a16:creationId xmlns:a16="http://schemas.microsoft.com/office/drawing/2014/main" xmlns="" id="{E0E4673A-26D6-5B45-AF21-32940D89875E}"/>
               </a:ext>
             </a:extLst>
           </p:cNvPr>
@@ -17013,7 +17281,7 @@
           </a:ln>
           <a:extLst>
             <a:ext uri="{C572A759-6A51-4108-AA02-DFA0A04FC94B}">
-              <ma14:wrappingTextBoxFlag xmlns="" xmlns:ma14="http://schemas.microsoft.com/office/mac/drawingml/2011/main" val="1"/>
+              <ma14:wrappingTextBoxFlag xmlns:ma14="http://schemas.microsoft.com/office/mac/drawingml/2011/main" xmlns="" val="1"/>
             </a:ext>
           </a:extLst>
         </p:spPr>
@@ -17154,7 +17422,7 @@
     </p:spTree>
     <p:extLst>
       <p:ext uri="{BB962C8B-B14F-4D97-AF65-F5344CB8AC3E}">
-        <p14:creationId xmlns:p14="http://schemas.microsoft.com/office/powerpoint/2010/main" val="2610565094"/>
+        <p14:creationId xmlns:p14="http://schemas.microsoft.com/office/powerpoint/2010/main" xmlns="" val="2610565094"/>
       </p:ext>
     </p:extLst>
   </p:cSld>
@@ -17162,6 +17430,13 @@
     <a:masterClrMapping/>
   </p:clrMapOvr>
   <p:transition spd="med"/>
+  <p:timing>
+    <p:tnLst>
+      <p:par>
+        <p:cTn id="1" dur="indefinite" restart="never" nodeType="tmRoot"/>
+      </p:par>
+    </p:tnLst>
+  </p:timing>
 </p:sld>
 </file>
 
@@ -17194,7 +17469,7 @@
           <a:blip r:embed="rId3" cstate="print">
             <a:extLst>
               <a:ext uri="{28A0092B-C50C-407E-A947-70E740481C1C}">
-                <a14:useLocalDpi xmlns:a14="http://schemas.microsoft.com/office/drawing/2010/main" val="0"/>
+                <a14:useLocalDpi xmlns:a14="http://schemas.microsoft.com/office/drawing/2010/main" xmlns="" val="0"/>
               </a:ext>
             </a:extLst>
           </a:blip>
@@ -17354,7 +17629,7 @@
           </a:ln>
           <a:extLst>
             <a:ext uri="{C572A759-6A51-4108-AA02-DFA0A04FC94B}">
-              <ma14:wrappingTextBoxFlag xmlns="" xmlns:ma14="http://schemas.microsoft.com/office/mac/drawingml/2011/main" val="1"/>
+              <ma14:wrappingTextBoxFlag xmlns:ma14="http://schemas.microsoft.com/office/mac/drawingml/2011/main" xmlns="" val="1"/>
             </a:ext>
           </a:extLst>
         </p:spPr>
@@ -17452,7 +17727,7 @@
           </a:ln>
           <a:extLst>
             <a:ext uri="{C572A759-6A51-4108-AA02-DFA0A04FC94B}">
-              <ma14:wrappingTextBoxFlag xmlns="" xmlns:ma14="http://schemas.microsoft.com/office/mac/drawingml/2011/main" val="1"/>
+              <ma14:wrappingTextBoxFlag xmlns:ma14="http://schemas.microsoft.com/office/mac/drawingml/2011/main" xmlns="" val="1"/>
             </a:ext>
           </a:extLst>
         </p:spPr>
@@ -17505,7 +17780,7 @@
           </a:ln>
           <a:extLst>
             <a:ext uri="{C572A759-6A51-4108-AA02-DFA0A04FC94B}">
-              <ma14:wrappingTextBoxFlag xmlns="" xmlns:ma14="http://schemas.microsoft.com/office/mac/drawingml/2011/main" val="1"/>
+              <ma14:wrappingTextBoxFlag xmlns:ma14="http://schemas.microsoft.com/office/mac/drawingml/2011/main" xmlns="" val="1"/>
             </a:ext>
           </a:extLst>
         </p:spPr>
@@ -17582,7 +17857,23 @@
                   <a:srgbClr val="000000"/>
                 </a:solidFill>
               </a:rPr>
-              <a:t> sur base des lignes d’égales valeurs.</a:t>
+              <a:t> sur </a:t>
+            </a:r>
+            <a:r>
+              <a:rPr lang="fr-FR" b="0" dirty="0" smtClean="0">
+                <a:solidFill>
+                  <a:srgbClr val="000000"/>
+                </a:solidFill>
+              </a:rPr>
+              <a:t>la base </a:t>
+            </a:r>
+            <a:r>
+              <a:rPr lang="fr-FR" b="0" dirty="0">
+                <a:solidFill>
+                  <a:srgbClr val="000000"/>
+                </a:solidFill>
+              </a:rPr>
+              <a:t>des lignes d’égales valeurs.</a:t>
             </a:r>
             <a:endParaRPr lang="fr-FR" b="0" dirty="0">
               <a:solidFill>
@@ -17599,7 +17890,7 @@
           <p:nvPr>
             <p:extLst>
               <p:ext uri="{D42A27DB-BD31-4B8C-83A1-F6EECF244321}">
-                <p14:modId xmlns:p14="http://schemas.microsoft.com/office/powerpoint/2010/main" val="1471732956"/>
+                <p14:modId xmlns:p14="http://schemas.microsoft.com/office/powerpoint/2010/main" xmlns="" val="1471732956"/>
               </p:ext>
             </p:extLst>
           </p:nvPr>
@@ -17618,14 +17909,14 @@
                 <a:gridCol w="154800">
                   <a:extLst>
                     <a:ext uri="{9D8B030D-6E8A-4147-A177-3AD203B41FA5}">
-                      <a16:colId xmlns:a16="http://schemas.microsoft.com/office/drawing/2014/main" val="20000"/>
+                      <a16:colId xmlns:a16="http://schemas.microsoft.com/office/drawing/2014/main" xmlns="" val="20000"/>
                     </a:ext>
                   </a:extLst>
                 </a:gridCol>
                 <a:gridCol w="154800">
                   <a:extLst>
                     <a:ext uri="{9D8B030D-6E8A-4147-A177-3AD203B41FA5}">
-                      <a16:colId xmlns:a16="http://schemas.microsoft.com/office/drawing/2014/main" val="20001"/>
+                      <a16:colId xmlns:a16="http://schemas.microsoft.com/office/drawing/2014/main" xmlns="" val="20001"/>
                     </a:ext>
                   </a:extLst>
                 </a:gridCol>
@@ -17687,7 +17978,7 @@
                 </a:tc>
                 <a:extLst>
                   <a:ext uri="{0D108BD9-81ED-4DB2-BD59-A6C34878D82A}">
-                    <a16:rowId xmlns:a16="http://schemas.microsoft.com/office/drawing/2014/main" val="10000"/>
+                    <a16:rowId xmlns:a16="http://schemas.microsoft.com/office/drawing/2014/main" xmlns="" val="10000"/>
                   </a:ext>
                 </a:extLst>
               </a:tr>
@@ -17764,7 +18055,7 @@
                 </a:tc>
                 <a:extLst>
                   <a:ext uri="{0D108BD9-81ED-4DB2-BD59-A6C34878D82A}">
-                    <a16:rowId xmlns:a16="http://schemas.microsoft.com/office/drawing/2014/main" val="10001"/>
+                    <a16:rowId xmlns:a16="http://schemas.microsoft.com/office/drawing/2014/main" xmlns="" val="10001"/>
                   </a:ext>
                 </a:extLst>
               </a:tr>
@@ -17841,7 +18132,7 @@
                 </a:tc>
                 <a:extLst>
                   <a:ext uri="{0D108BD9-81ED-4DB2-BD59-A6C34878D82A}">
-                    <a16:rowId xmlns:a16="http://schemas.microsoft.com/office/drawing/2014/main" val="10002"/>
+                    <a16:rowId xmlns:a16="http://schemas.microsoft.com/office/drawing/2014/main" xmlns="" val="10002"/>
                   </a:ext>
                 </a:extLst>
               </a:tr>
@@ -17918,7 +18209,7 @@
                 </a:tc>
                 <a:extLst>
                   <a:ext uri="{0D108BD9-81ED-4DB2-BD59-A6C34878D82A}">
-                    <a16:rowId xmlns:a16="http://schemas.microsoft.com/office/drawing/2014/main" val="10003"/>
+                    <a16:rowId xmlns:a16="http://schemas.microsoft.com/office/drawing/2014/main" xmlns="" val="10003"/>
                   </a:ext>
                 </a:extLst>
               </a:tr>
@@ -18085,7 +18376,7 @@
           <p:nvPr>
             <p:extLst>
               <p:ext uri="{D42A27DB-BD31-4B8C-83A1-F6EECF244321}">
-                <p14:modId xmlns:p14="http://schemas.microsoft.com/office/powerpoint/2010/main" val="4132378329"/>
+                <p14:modId xmlns:p14="http://schemas.microsoft.com/office/powerpoint/2010/main" xmlns="" val="4132378329"/>
               </p:ext>
             </p:extLst>
           </p:nvPr>
@@ -18104,14 +18395,14 @@
                 <a:gridCol w="154800">
                   <a:extLst>
                     <a:ext uri="{9D8B030D-6E8A-4147-A177-3AD203B41FA5}">
-                      <a16:colId xmlns:a16="http://schemas.microsoft.com/office/drawing/2014/main" val="20000"/>
+                      <a16:colId xmlns:a16="http://schemas.microsoft.com/office/drawing/2014/main" xmlns="" val="20000"/>
                     </a:ext>
                   </a:extLst>
                 </a:gridCol>
                 <a:gridCol w="154800">
                   <a:extLst>
                     <a:ext uri="{9D8B030D-6E8A-4147-A177-3AD203B41FA5}">
-                      <a16:colId xmlns:a16="http://schemas.microsoft.com/office/drawing/2014/main" val="20001"/>
+                      <a16:colId xmlns:a16="http://schemas.microsoft.com/office/drawing/2014/main" xmlns="" val="20001"/>
                     </a:ext>
                   </a:extLst>
                 </a:gridCol>
@@ -18173,7 +18464,7 @@
                 </a:tc>
                 <a:extLst>
                   <a:ext uri="{0D108BD9-81ED-4DB2-BD59-A6C34878D82A}">
-                    <a16:rowId xmlns:a16="http://schemas.microsoft.com/office/drawing/2014/main" val="10000"/>
+                    <a16:rowId xmlns:a16="http://schemas.microsoft.com/office/drawing/2014/main" xmlns="" val="10000"/>
                   </a:ext>
                 </a:extLst>
               </a:tr>
@@ -18250,7 +18541,7 @@
                 </a:tc>
                 <a:extLst>
                   <a:ext uri="{0D108BD9-81ED-4DB2-BD59-A6C34878D82A}">
-                    <a16:rowId xmlns:a16="http://schemas.microsoft.com/office/drawing/2014/main" val="10001"/>
+                    <a16:rowId xmlns:a16="http://schemas.microsoft.com/office/drawing/2014/main" xmlns="" val="10001"/>
                   </a:ext>
                 </a:extLst>
               </a:tr>
@@ -18327,7 +18618,7 @@
                 </a:tc>
                 <a:extLst>
                   <a:ext uri="{0D108BD9-81ED-4DB2-BD59-A6C34878D82A}">
-                    <a16:rowId xmlns:a16="http://schemas.microsoft.com/office/drawing/2014/main" val="10002"/>
+                    <a16:rowId xmlns:a16="http://schemas.microsoft.com/office/drawing/2014/main" xmlns="" val="10002"/>
                   </a:ext>
                 </a:extLst>
               </a:tr>
@@ -18404,7 +18695,7 @@
                 </a:tc>
                 <a:extLst>
                   <a:ext uri="{0D108BD9-81ED-4DB2-BD59-A6C34878D82A}">
-                    <a16:rowId xmlns:a16="http://schemas.microsoft.com/office/drawing/2014/main" val="10003"/>
+                    <a16:rowId xmlns:a16="http://schemas.microsoft.com/office/drawing/2014/main" xmlns="" val="10003"/>
                   </a:ext>
                 </a:extLst>
               </a:tr>
@@ -18431,7 +18722,7 @@
           </a:ln>
           <a:extLst>
             <a:ext uri="{C572A759-6A51-4108-AA02-DFA0A04FC94B}">
-              <ma14:wrappingTextBoxFlag xmlns="" xmlns:ma14="http://schemas.microsoft.com/office/mac/drawingml/2011/main" val="1"/>
+              <ma14:wrappingTextBoxFlag xmlns:ma14="http://schemas.microsoft.com/office/mac/drawingml/2011/main" xmlns="" val="1"/>
             </a:ext>
           </a:extLst>
         </p:spPr>
@@ -18464,7 +18755,7 @@
           <p:nvPr>
             <p:extLst>
               <p:ext uri="{D42A27DB-BD31-4B8C-83A1-F6EECF244321}">
-                <p14:modId xmlns:p14="http://schemas.microsoft.com/office/powerpoint/2010/main" val="542972259"/>
+                <p14:modId xmlns:p14="http://schemas.microsoft.com/office/powerpoint/2010/main" xmlns="" val="542972259"/>
               </p:ext>
             </p:extLst>
           </p:nvPr>
@@ -18483,21 +18774,21 @@
                 <a:gridCol w="154800">
                   <a:extLst>
                     <a:ext uri="{9D8B030D-6E8A-4147-A177-3AD203B41FA5}">
-                      <a16:colId xmlns:a16="http://schemas.microsoft.com/office/drawing/2014/main" val="20000"/>
+                      <a16:colId xmlns:a16="http://schemas.microsoft.com/office/drawing/2014/main" xmlns="" val="20000"/>
                     </a:ext>
                   </a:extLst>
                 </a:gridCol>
                 <a:gridCol w="154800">
                   <a:extLst>
                     <a:ext uri="{9D8B030D-6E8A-4147-A177-3AD203B41FA5}">
-                      <a16:colId xmlns:a16="http://schemas.microsoft.com/office/drawing/2014/main" val="20001"/>
+                      <a16:colId xmlns:a16="http://schemas.microsoft.com/office/drawing/2014/main" xmlns="" val="20001"/>
                     </a:ext>
                   </a:extLst>
                 </a:gridCol>
                 <a:gridCol w="154800">
                   <a:extLst>
                     <a:ext uri="{9D8B030D-6E8A-4147-A177-3AD203B41FA5}">
-                      <a16:colId xmlns:a16="http://schemas.microsoft.com/office/drawing/2014/main" val="20002"/>
+                      <a16:colId xmlns:a16="http://schemas.microsoft.com/office/drawing/2014/main" xmlns="" val="20002"/>
                     </a:ext>
                   </a:extLst>
                 </a:gridCol>
@@ -18583,7 +18874,7 @@
                 </a:tc>
                 <a:extLst>
                   <a:ext uri="{0D108BD9-81ED-4DB2-BD59-A6C34878D82A}">
-                    <a16:rowId xmlns:a16="http://schemas.microsoft.com/office/drawing/2014/main" val="10000"/>
+                    <a16:rowId xmlns:a16="http://schemas.microsoft.com/office/drawing/2014/main" xmlns="" val="10000"/>
                   </a:ext>
                 </a:extLst>
               </a:tr>
@@ -18692,7 +18983,7 @@
                 </a:tc>
                 <a:extLst>
                   <a:ext uri="{0D108BD9-81ED-4DB2-BD59-A6C34878D82A}">
-                    <a16:rowId xmlns:a16="http://schemas.microsoft.com/office/drawing/2014/main" val="10001"/>
+                    <a16:rowId xmlns:a16="http://schemas.microsoft.com/office/drawing/2014/main" xmlns="" val="10001"/>
                   </a:ext>
                 </a:extLst>
               </a:tr>
@@ -18801,7 +19092,7 @@
                 </a:tc>
                 <a:extLst>
                   <a:ext uri="{0D108BD9-81ED-4DB2-BD59-A6C34878D82A}">
-                    <a16:rowId xmlns:a16="http://schemas.microsoft.com/office/drawing/2014/main" val="10002"/>
+                    <a16:rowId xmlns:a16="http://schemas.microsoft.com/office/drawing/2014/main" xmlns="" val="10002"/>
                   </a:ext>
                 </a:extLst>
               </a:tr>
@@ -18910,7 +19201,7 @@
                 </a:tc>
                 <a:extLst>
                   <a:ext uri="{0D108BD9-81ED-4DB2-BD59-A6C34878D82A}">
-                    <a16:rowId xmlns:a16="http://schemas.microsoft.com/office/drawing/2014/main" val="10003"/>
+                    <a16:rowId xmlns:a16="http://schemas.microsoft.com/office/drawing/2014/main" xmlns="" val="10003"/>
                   </a:ext>
                 </a:extLst>
               </a:tr>
@@ -18937,7 +19228,7 @@
           </a:ln>
           <a:extLst>
             <a:ext uri="{C572A759-6A51-4108-AA02-DFA0A04FC94B}">
-              <ma14:wrappingTextBoxFlag xmlns="" xmlns:ma14="http://schemas.microsoft.com/office/mac/drawingml/2011/main" val="1"/>
+              <ma14:wrappingTextBoxFlag xmlns:ma14="http://schemas.microsoft.com/office/mac/drawingml/2011/main" xmlns="" val="1"/>
             </a:ext>
           </a:extLst>
         </p:spPr>
@@ -18982,7 +19273,7 @@
           </a:ln>
           <a:extLst>
             <a:ext uri="{C572A759-6A51-4108-AA02-DFA0A04FC94B}">
-              <ma14:wrappingTextBoxFlag xmlns="" xmlns:ma14="http://schemas.microsoft.com/office/mac/drawingml/2011/main" val="1"/>
+              <ma14:wrappingTextBoxFlag xmlns:ma14="http://schemas.microsoft.com/office/mac/drawingml/2011/main" xmlns="" val="1"/>
             </a:ext>
           </a:extLst>
         </p:spPr>
@@ -19059,7 +19350,23 @@
                   <a:srgbClr val="000000"/>
                 </a:solidFill>
               </a:rPr>
-              <a:t> sur base de lignes de valeurs égales </a:t>
+              <a:t> sur </a:t>
+            </a:r>
+            <a:r>
+              <a:rPr lang="fr-FR" b="0" dirty="0" smtClean="0">
+                <a:solidFill>
+                  <a:srgbClr val="000000"/>
+                </a:solidFill>
+              </a:rPr>
+              <a:t>la base des </a:t>
+            </a:r>
+            <a:r>
+              <a:rPr lang="fr-FR" b="0" dirty="0">
+                <a:solidFill>
+                  <a:srgbClr val="000000"/>
+                </a:solidFill>
+              </a:rPr>
+              <a:t>lignes de valeurs égales </a:t>
             </a:r>
             <a:r>
               <a:rPr lang="fr-FR" b="0" i="1" dirty="0">
@@ -19087,7 +19394,7 @@
           <p:nvPr>
             <p:extLst>
               <p:ext uri="{D42A27DB-BD31-4B8C-83A1-F6EECF244321}">
-                <p14:modId xmlns:p14="http://schemas.microsoft.com/office/powerpoint/2010/main" val="2532188908"/>
+                <p14:modId xmlns:p14="http://schemas.microsoft.com/office/powerpoint/2010/main" xmlns="" val="2532188908"/>
               </p:ext>
             </p:extLst>
           </p:nvPr>
@@ -19106,21 +19413,21 @@
                 <a:gridCol w="154800">
                   <a:extLst>
                     <a:ext uri="{9D8B030D-6E8A-4147-A177-3AD203B41FA5}">
-                      <a16:colId xmlns:a16="http://schemas.microsoft.com/office/drawing/2014/main" val="20000"/>
+                      <a16:colId xmlns:a16="http://schemas.microsoft.com/office/drawing/2014/main" xmlns="" val="20000"/>
                     </a:ext>
                   </a:extLst>
                 </a:gridCol>
                 <a:gridCol w="154800">
                   <a:extLst>
                     <a:ext uri="{9D8B030D-6E8A-4147-A177-3AD203B41FA5}">
-                      <a16:colId xmlns:a16="http://schemas.microsoft.com/office/drawing/2014/main" val="20001"/>
+                      <a16:colId xmlns:a16="http://schemas.microsoft.com/office/drawing/2014/main" xmlns="" val="20001"/>
                     </a:ext>
                   </a:extLst>
                 </a:gridCol>
                 <a:gridCol w="154800">
                   <a:extLst>
                     <a:ext uri="{9D8B030D-6E8A-4147-A177-3AD203B41FA5}">
-                      <a16:colId xmlns:a16="http://schemas.microsoft.com/office/drawing/2014/main" val="20002"/>
+                      <a16:colId xmlns:a16="http://schemas.microsoft.com/office/drawing/2014/main" xmlns="" val="20002"/>
                     </a:ext>
                   </a:extLst>
                 </a:gridCol>
@@ -19210,7 +19517,7 @@
                 </a:tc>
                 <a:extLst>
                   <a:ext uri="{0D108BD9-81ED-4DB2-BD59-A6C34878D82A}">
-                    <a16:rowId xmlns:a16="http://schemas.microsoft.com/office/drawing/2014/main" val="10000"/>
+                    <a16:rowId xmlns:a16="http://schemas.microsoft.com/office/drawing/2014/main" xmlns="" val="10000"/>
                   </a:ext>
                 </a:extLst>
               </a:tr>
@@ -19323,7 +19630,7 @@
                 </a:tc>
                 <a:extLst>
                   <a:ext uri="{0D108BD9-81ED-4DB2-BD59-A6C34878D82A}">
-                    <a16:rowId xmlns:a16="http://schemas.microsoft.com/office/drawing/2014/main" val="10001"/>
+                    <a16:rowId xmlns:a16="http://schemas.microsoft.com/office/drawing/2014/main" xmlns="" val="10001"/>
                   </a:ext>
                 </a:extLst>
               </a:tr>
@@ -19436,7 +19743,7 @@
                 </a:tc>
                 <a:extLst>
                   <a:ext uri="{0D108BD9-81ED-4DB2-BD59-A6C34878D82A}">
-                    <a16:rowId xmlns:a16="http://schemas.microsoft.com/office/drawing/2014/main" val="10002"/>
+                    <a16:rowId xmlns:a16="http://schemas.microsoft.com/office/drawing/2014/main" xmlns="" val="10002"/>
                   </a:ext>
                 </a:extLst>
               </a:tr>
@@ -19549,7 +19856,7 @@
                 </a:tc>
                 <a:extLst>
                   <a:ext uri="{0D108BD9-81ED-4DB2-BD59-A6C34878D82A}">
-                    <a16:rowId xmlns:a16="http://schemas.microsoft.com/office/drawing/2014/main" val="10003"/>
+                    <a16:rowId xmlns:a16="http://schemas.microsoft.com/office/drawing/2014/main" xmlns="" val="10003"/>
                   </a:ext>
                 </a:extLst>
               </a:tr>
@@ -19564,7 +19871,7 @@
           <p:nvPr>
             <p:extLst>
               <p:ext uri="{D42A27DB-BD31-4B8C-83A1-F6EECF244321}">
-                <p14:modId xmlns:p14="http://schemas.microsoft.com/office/powerpoint/2010/main" val="3345645647"/>
+                <p14:modId xmlns:p14="http://schemas.microsoft.com/office/powerpoint/2010/main" xmlns="" val="3345645647"/>
               </p:ext>
             </p:extLst>
           </p:nvPr>
@@ -19583,21 +19890,21 @@
                 <a:gridCol w="151369">
                   <a:extLst>
                     <a:ext uri="{9D8B030D-6E8A-4147-A177-3AD203B41FA5}">
-                      <a16:colId xmlns:a16="http://schemas.microsoft.com/office/drawing/2014/main" val="20000"/>
+                      <a16:colId xmlns:a16="http://schemas.microsoft.com/office/drawing/2014/main" xmlns="" val="20000"/>
                     </a:ext>
                   </a:extLst>
                 </a:gridCol>
                 <a:gridCol w="154800">
                   <a:extLst>
                     <a:ext uri="{9D8B030D-6E8A-4147-A177-3AD203B41FA5}">
-                      <a16:colId xmlns:a16="http://schemas.microsoft.com/office/drawing/2014/main" val="20001"/>
+                      <a16:colId xmlns:a16="http://schemas.microsoft.com/office/drawing/2014/main" xmlns="" val="20001"/>
                     </a:ext>
                   </a:extLst>
                 </a:gridCol>
                 <a:gridCol w="151369">
                   <a:extLst>
                     <a:ext uri="{9D8B030D-6E8A-4147-A177-3AD203B41FA5}">
-                      <a16:colId xmlns:a16="http://schemas.microsoft.com/office/drawing/2014/main" val="20002"/>
+                      <a16:colId xmlns:a16="http://schemas.microsoft.com/office/drawing/2014/main" xmlns="" val="20002"/>
                     </a:ext>
                   </a:extLst>
                 </a:gridCol>
@@ -19687,7 +19994,7 @@
                 </a:tc>
                 <a:extLst>
                   <a:ext uri="{0D108BD9-81ED-4DB2-BD59-A6C34878D82A}">
-                    <a16:rowId xmlns:a16="http://schemas.microsoft.com/office/drawing/2014/main" val="10000"/>
+                    <a16:rowId xmlns:a16="http://schemas.microsoft.com/office/drawing/2014/main" xmlns="" val="10000"/>
                   </a:ext>
                 </a:extLst>
               </a:tr>
@@ -19800,7 +20107,7 @@
                 </a:tc>
                 <a:extLst>
                   <a:ext uri="{0D108BD9-81ED-4DB2-BD59-A6C34878D82A}">
-                    <a16:rowId xmlns:a16="http://schemas.microsoft.com/office/drawing/2014/main" val="10001"/>
+                    <a16:rowId xmlns:a16="http://schemas.microsoft.com/office/drawing/2014/main" xmlns="" val="10001"/>
                   </a:ext>
                 </a:extLst>
               </a:tr>
@@ -19913,7 +20220,7 @@
                 </a:tc>
                 <a:extLst>
                   <a:ext uri="{0D108BD9-81ED-4DB2-BD59-A6C34878D82A}">
-                    <a16:rowId xmlns:a16="http://schemas.microsoft.com/office/drawing/2014/main" val="10002"/>
+                    <a16:rowId xmlns:a16="http://schemas.microsoft.com/office/drawing/2014/main" xmlns="" val="10002"/>
                   </a:ext>
                 </a:extLst>
               </a:tr>
@@ -20026,7 +20333,7 @@
                 </a:tc>
                 <a:extLst>
                   <a:ext uri="{0D108BD9-81ED-4DB2-BD59-A6C34878D82A}">
-                    <a16:rowId xmlns:a16="http://schemas.microsoft.com/office/drawing/2014/main" val="10003"/>
+                    <a16:rowId xmlns:a16="http://schemas.microsoft.com/office/drawing/2014/main" xmlns="" val="10003"/>
                   </a:ext>
                 </a:extLst>
               </a:tr>
@@ -20053,7 +20360,7 @@
           </a:ln>
           <a:extLst>
             <a:ext uri="{C572A759-6A51-4108-AA02-DFA0A04FC94B}">
-              <ma14:wrappingTextBoxFlag xmlns="" xmlns:ma14="http://schemas.microsoft.com/office/mac/drawingml/2011/main" val="1"/>
+              <ma14:wrappingTextBoxFlag xmlns:ma14="http://schemas.microsoft.com/office/mac/drawingml/2011/main" xmlns="" val="1"/>
             </a:ext>
           </a:extLst>
         </p:spPr>
@@ -20086,7 +20393,7 @@
           <p:nvPr>
             <p:extLst>
               <p:ext uri="{D42A27DB-BD31-4B8C-83A1-F6EECF244321}">
-                <p14:modId xmlns:p14="http://schemas.microsoft.com/office/powerpoint/2010/main" val="3487717368"/>
+                <p14:modId xmlns:p14="http://schemas.microsoft.com/office/powerpoint/2010/main" xmlns="" val="3487717368"/>
               </p:ext>
             </p:extLst>
           </p:nvPr>
@@ -20105,28 +20412,28 @@
                 <a:gridCol w="198000">
                   <a:extLst>
                     <a:ext uri="{9D8B030D-6E8A-4147-A177-3AD203B41FA5}">
-                      <a16:colId xmlns:a16="http://schemas.microsoft.com/office/drawing/2014/main" val="20000"/>
+                      <a16:colId xmlns:a16="http://schemas.microsoft.com/office/drawing/2014/main" xmlns="" val="20000"/>
                     </a:ext>
                   </a:extLst>
                 </a:gridCol>
                 <a:gridCol w="154800">
                   <a:extLst>
                     <a:ext uri="{9D8B030D-6E8A-4147-A177-3AD203B41FA5}">
-                      <a16:colId xmlns:a16="http://schemas.microsoft.com/office/drawing/2014/main" val="20001"/>
+                      <a16:colId xmlns:a16="http://schemas.microsoft.com/office/drawing/2014/main" xmlns="" val="20001"/>
                     </a:ext>
                   </a:extLst>
                 </a:gridCol>
                 <a:gridCol w="154800">
                   <a:extLst>
                     <a:ext uri="{9D8B030D-6E8A-4147-A177-3AD203B41FA5}">
-                      <a16:colId xmlns:a16="http://schemas.microsoft.com/office/drawing/2014/main" val="20002"/>
+                      <a16:colId xmlns:a16="http://schemas.microsoft.com/office/drawing/2014/main" xmlns="" val="20002"/>
                     </a:ext>
                   </a:extLst>
                 </a:gridCol>
                 <a:gridCol w="154800">
                   <a:extLst>
                     <a:ext uri="{9D8B030D-6E8A-4147-A177-3AD203B41FA5}">
-                      <a16:colId xmlns:a16="http://schemas.microsoft.com/office/drawing/2014/main" val="20003"/>
+                      <a16:colId xmlns:a16="http://schemas.microsoft.com/office/drawing/2014/main" xmlns="" val="20003"/>
                     </a:ext>
                   </a:extLst>
                 </a:gridCol>
@@ -20240,7 +20547,7 @@
                 </a:tc>
                 <a:extLst>
                   <a:ext uri="{0D108BD9-81ED-4DB2-BD59-A6C34878D82A}">
-                    <a16:rowId xmlns:a16="http://schemas.microsoft.com/office/drawing/2014/main" val="10000"/>
+                    <a16:rowId xmlns:a16="http://schemas.microsoft.com/office/drawing/2014/main" xmlns="" val="10000"/>
                   </a:ext>
                 </a:extLst>
               </a:tr>
@@ -20385,7 +20692,7 @@
                 </a:tc>
                 <a:extLst>
                   <a:ext uri="{0D108BD9-81ED-4DB2-BD59-A6C34878D82A}">
-                    <a16:rowId xmlns:a16="http://schemas.microsoft.com/office/drawing/2014/main" val="10001"/>
+                    <a16:rowId xmlns:a16="http://schemas.microsoft.com/office/drawing/2014/main" xmlns="" val="10001"/>
                   </a:ext>
                 </a:extLst>
               </a:tr>
@@ -20530,7 +20837,7 @@
                 </a:tc>
                 <a:extLst>
                   <a:ext uri="{0D108BD9-81ED-4DB2-BD59-A6C34878D82A}">
-                    <a16:rowId xmlns:a16="http://schemas.microsoft.com/office/drawing/2014/main" val="10002"/>
+                    <a16:rowId xmlns:a16="http://schemas.microsoft.com/office/drawing/2014/main" xmlns="" val="10002"/>
                   </a:ext>
                 </a:extLst>
               </a:tr>
@@ -20675,7 +20982,7 @@
                 </a:tc>
                 <a:extLst>
                   <a:ext uri="{0D108BD9-81ED-4DB2-BD59-A6C34878D82A}">
-                    <a16:rowId xmlns:a16="http://schemas.microsoft.com/office/drawing/2014/main" val="10003"/>
+                    <a16:rowId xmlns:a16="http://schemas.microsoft.com/office/drawing/2014/main" xmlns="" val="10003"/>
                   </a:ext>
                 </a:extLst>
               </a:tr>
@@ -20702,7 +21009,7 @@
           </a:ln>
           <a:extLst>
             <a:ext uri="{C572A759-6A51-4108-AA02-DFA0A04FC94B}">
-              <ma14:wrappingTextBoxFlag xmlns="" xmlns:ma14="http://schemas.microsoft.com/office/mac/drawingml/2011/main" val="1"/>
+              <ma14:wrappingTextBoxFlag xmlns:ma14="http://schemas.microsoft.com/office/mac/drawingml/2011/main" xmlns="" val="1"/>
             </a:ext>
           </a:extLst>
         </p:spPr>
@@ -20747,7 +21054,7 @@
           </a:ln>
           <a:extLst>
             <a:ext uri="{C572A759-6A51-4108-AA02-DFA0A04FC94B}">
-              <ma14:wrappingTextBoxFlag xmlns="" xmlns:ma14="http://schemas.microsoft.com/office/mac/drawingml/2011/main" val="1"/>
+              <ma14:wrappingTextBoxFlag xmlns:ma14="http://schemas.microsoft.com/office/mac/drawingml/2011/main" xmlns="" val="1"/>
             </a:ext>
           </a:extLst>
         </p:spPr>
@@ -20888,7 +21195,7 @@
           </a:ln>
           <a:extLst>
             <a:ext uri="{C572A759-6A51-4108-AA02-DFA0A04FC94B}">
-              <ma14:wrappingTextBoxFlag xmlns="" xmlns:ma14="http://schemas.microsoft.com/office/mac/drawingml/2011/main" val="1"/>
+              <ma14:wrappingTextBoxFlag xmlns:ma14="http://schemas.microsoft.com/office/mac/drawingml/2011/main" xmlns="" val="1"/>
             </a:ext>
           </a:extLst>
         </p:spPr>
@@ -20990,7 +21297,7 @@
           <p:nvPr>
             <p:extLst>
               <p:ext uri="{D42A27DB-BD31-4B8C-83A1-F6EECF244321}">
-                <p14:modId xmlns:p14="http://schemas.microsoft.com/office/powerpoint/2010/main" val="2254977361"/>
+                <p14:modId xmlns:p14="http://schemas.microsoft.com/office/powerpoint/2010/main" xmlns="" val="2254977361"/>
               </p:ext>
             </p:extLst>
           </p:nvPr>
@@ -21009,14 +21316,14 @@
                 <a:gridCol w="154800">
                   <a:extLst>
                     <a:ext uri="{9D8B030D-6E8A-4147-A177-3AD203B41FA5}">
-                      <a16:colId xmlns:a16="http://schemas.microsoft.com/office/drawing/2014/main" val="20000"/>
+                      <a16:colId xmlns:a16="http://schemas.microsoft.com/office/drawing/2014/main" xmlns="" val="20000"/>
                     </a:ext>
                   </a:extLst>
                 </a:gridCol>
                 <a:gridCol w="154800">
                   <a:extLst>
                     <a:ext uri="{9D8B030D-6E8A-4147-A177-3AD203B41FA5}">
-                      <a16:colId xmlns:a16="http://schemas.microsoft.com/office/drawing/2014/main" val="20001"/>
+                      <a16:colId xmlns:a16="http://schemas.microsoft.com/office/drawing/2014/main" xmlns="" val="20001"/>
                     </a:ext>
                   </a:extLst>
                 </a:gridCol>
@@ -21076,7 +21383,7 @@
                 </a:tc>
                 <a:extLst>
                   <a:ext uri="{0D108BD9-81ED-4DB2-BD59-A6C34878D82A}">
-                    <a16:rowId xmlns:a16="http://schemas.microsoft.com/office/drawing/2014/main" val="10000"/>
+                    <a16:rowId xmlns:a16="http://schemas.microsoft.com/office/drawing/2014/main" xmlns="" val="10000"/>
                   </a:ext>
                 </a:extLst>
               </a:tr>
@@ -21127,7 +21434,7 @@
                 </a:tc>
                 <a:extLst>
                   <a:ext uri="{0D108BD9-81ED-4DB2-BD59-A6C34878D82A}">
-                    <a16:rowId xmlns:a16="http://schemas.microsoft.com/office/drawing/2014/main" val="10001"/>
+                    <a16:rowId xmlns:a16="http://schemas.microsoft.com/office/drawing/2014/main" xmlns="" val="10001"/>
                   </a:ext>
                 </a:extLst>
               </a:tr>
@@ -21178,7 +21485,7 @@
                 </a:tc>
                 <a:extLst>
                   <a:ext uri="{0D108BD9-81ED-4DB2-BD59-A6C34878D82A}">
-                    <a16:rowId xmlns:a16="http://schemas.microsoft.com/office/drawing/2014/main" val="10002"/>
+                    <a16:rowId xmlns:a16="http://schemas.microsoft.com/office/drawing/2014/main" xmlns="" val="10002"/>
                   </a:ext>
                 </a:extLst>
               </a:tr>
@@ -21193,7 +21500,7 @@
           <p:nvPr>
             <p:extLst>
               <p:ext uri="{D42A27DB-BD31-4B8C-83A1-F6EECF244321}">
-                <p14:modId xmlns:p14="http://schemas.microsoft.com/office/powerpoint/2010/main" val="2189644047"/>
+                <p14:modId xmlns:p14="http://schemas.microsoft.com/office/powerpoint/2010/main" xmlns="" val="2189644047"/>
               </p:ext>
             </p:extLst>
           </p:nvPr>
@@ -21212,14 +21519,14 @@
                 <a:gridCol w="154800">
                   <a:extLst>
                     <a:ext uri="{9D8B030D-6E8A-4147-A177-3AD203B41FA5}">
-                      <a16:colId xmlns:a16="http://schemas.microsoft.com/office/drawing/2014/main" val="20000"/>
+                      <a16:colId xmlns:a16="http://schemas.microsoft.com/office/drawing/2014/main" xmlns="" val="20000"/>
                     </a:ext>
                   </a:extLst>
                 </a:gridCol>
                 <a:gridCol w="154800">
                   <a:extLst>
                     <a:ext uri="{9D8B030D-6E8A-4147-A177-3AD203B41FA5}">
-                      <a16:colId xmlns:a16="http://schemas.microsoft.com/office/drawing/2014/main" val="20001"/>
+                      <a16:colId xmlns:a16="http://schemas.microsoft.com/office/drawing/2014/main" xmlns="" val="20001"/>
                     </a:ext>
                   </a:extLst>
                 </a:gridCol>
@@ -21281,7 +21588,7 @@
                 </a:tc>
                 <a:extLst>
                   <a:ext uri="{0D108BD9-81ED-4DB2-BD59-A6C34878D82A}">
-                    <a16:rowId xmlns:a16="http://schemas.microsoft.com/office/drawing/2014/main" val="10000"/>
+                    <a16:rowId xmlns:a16="http://schemas.microsoft.com/office/drawing/2014/main" xmlns="" val="10000"/>
                   </a:ext>
                 </a:extLst>
               </a:tr>
@@ -21332,7 +21639,7 @@
                 </a:tc>
                 <a:extLst>
                   <a:ext uri="{0D108BD9-81ED-4DB2-BD59-A6C34878D82A}">
-                    <a16:rowId xmlns:a16="http://schemas.microsoft.com/office/drawing/2014/main" val="10001"/>
+                    <a16:rowId xmlns:a16="http://schemas.microsoft.com/office/drawing/2014/main" xmlns="" val="10001"/>
                   </a:ext>
                 </a:extLst>
               </a:tr>
@@ -21383,7 +21690,7 @@
                 </a:tc>
                 <a:extLst>
                   <a:ext uri="{0D108BD9-81ED-4DB2-BD59-A6C34878D82A}">
-                    <a16:rowId xmlns:a16="http://schemas.microsoft.com/office/drawing/2014/main" val="10002"/>
+                    <a16:rowId xmlns:a16="http://schemas.microsoft.com/office/drawing/2014/main" xmlns="" val="10002"/>
                   </a:ext>
                 </a:extLst>
               </a:tr>
@@ -21410,7 +21717,7 @@
           </a:ln>
           <a:extLst>
             <a:ext uri="{C572A759-6A51-4108-AA02-DFA0A04FC94B}">
-              <ma14:wrappingTextBoxFlag xmlns="" xmlns:ma14="http://schemas.microsoft.com/office/mac/drawingml/2011/main" val="1"/>
+              <ma14:wrappingTextBoxFlag xmlns:ma14="http://schemas.microsoft.com/office/mac/drawingml/2011/main" xmlns="" val="1"/>
             </a:ext>
           </a:extLst>
         </p:spPr>
@@ -21443,7 +21750,7 @@
           <p:nvPr>
             <p:extLst>
               <p:ext uri="{D42A27DB-BD31-4B8C-83A1-F6EECF244321}">
-                <p14:modId xmlns:p14="http://schemas.microsoft.com/office/powerpoint/2010/main" val="3889289221"/>
+                <p14:modId xmlns:p14="http://schemas.microsoft.com/office/powerpoint/2010/main" xmlns="" val="3889289221"/>
               </p:ext>
             </p:extLst>
           </p:nvPr>
@@ -21462,14 +21769,14 @@
                 <a:gridCol w="154800">
                   <a:extLst>
                     <a:ext uri="{9D8B030D-6E8A-4147-A177-3AD203B41FA5}">
-                      <a16:colId xmlns:a16="http://schemas.microsoft.com/office/drawing/2014/main" val="20000"/>
+                      <a16:colId xmlns:a16="http://schemas.microsoft.com/office/drawing/2014/main" xmlns="" val="20000"/>
                     </a:ext>
                   </a:extLst>
                 </a:gridCol>
                 <a:gridCol w="154800">
                   <a:extLst>
                     <a:ext uri="{9D8B030D-6E8A-4147-A177-3AD203B41FA5}">
-                      <a16:colId xmlns:a16="http://schemas.microsoft.com/office/drawing/2014/main" val="20001"/>
+                      <a16:colId xmlns:a16="http://schemas.microsoft.com/office/drawing/2014/main" xmlns="" val="20001"/>
                     </a:ext>
                   </a:extLst>
                 </a:gridCol>
@@ -21529,7 +21836,7 @@
                 </a:tc>
                 <a:extLst>
                   <a:ext uri="{0D108BD9-81ED-4DB2-BD59-A6C34878D82A}">
-                    <a16:rowId xmlns:a16="http://schemas.microsoft.com/office/drawing/2014/main" val="10000"/>
+                    <a16:rowId xmlns:a16="http://schemas.microsoft.com/office/drawing/2014/main" xmlns="" val="10000"/>
                   </a:ext>
                 </a:extLst>
               </a:tr>
@@ -21580,7 +21887,7 @@
                 </a:tc>
                 <a:extLst>
                   <a:ext uri="{0D108BD9-81ED-4DB2-BD59-A6C34878D82A}">
-                    <a16:rowId xmlns:a16="http://schemas.microsoft.com/office/drawing/2014/main" val="10001"/>
+                    <a16:rowId xmlns:a16="http://schemas.microsoft.com/office/drawing/2014/main" xmlns="" val="10001"/>
                   </a:ext>
                 </a:extLst>
               </a:tr>
@@ -21631,7 +21938,7 @@
                 </a:tc>
                 <a:extLst>
                   <a:ext uri="{0D108BD9-81ED-4DB2-BD59-A6C34878D82A}">
-                    <a16:rowId xmlns:a16="http://schemas.microsoft.com/office/drawing/2014/main" val="10002"/>
+                    <a16:rowId xmlns:a16="http://schemas.microsoft.com/office/drawing/2014/main" xmlns="" val="10002"/>
                   </a:ext>
                 </a:extLst>
               </a:tr>
@@ -21682,7 +21989,7 @@
                 </a:tc>
                 <a:extLst>
                   <a:ext uri="{0D108BD9-81ED-4DB2-BD59-A6C34878D82A}">
-                    <a16:rowId xmlns:a16="http://schemas.microsoft.com/office/drawing/2014/main" val="10003"/>
+                    <a16:rowId xmlns:a16="http://schemas.microsoft.com/office/drawing/2014/main" xmlns="" val="10003"/>
                   </a:ext>
                 </a:extLst>
               </a:tr>
@@ -21733,7 +22040,7 @@
                 </a:tc>
                 <a:extLst>
                   <a:ext uri="{0D108BD9-81ED-4DB2-BD59-A6C34878D82A}">
-                    <a16:rowId xmlns:a16="http://schemas.microsoft.com/office/drawing/2014/main" val="10004"/>
+                    <a16:rowId xmlns:a16="http://schemas.microsoft.com/office/drawing/2014/main" xmlns="" val="10004"/>
                   </a:ext>
                 </a:extLst>
               </a:tr>
@@ -21760,7 +22067,7 @@
           </a:ln>
           <a:extLst>
             <a:ext uri="{C572A759-6A51-4108-AA02-DFA0A04FC94B}">
-              <ma14:wrappingTextBoxFlag xmlns="" xmlns:ma14="http://schemas.microsoft.com/office/mac/drawingml/2011/main" val="1"/>
+              <ma14:wrappingTextBoxFlag xmlns:ma14="http://schemas.microsoft.com/office/mac/drawingml/2011/main" xmlns="" val="1"/>
             </a:ext>
           </a:extLst>
         </p:spPr>
@@ -21805,7 +22112,7 @@
           </a:ln>
           <a:extLst>
             <a:ext uri="{C572A759-6A51-4108-AA02-DFA0A04FC94B}">
-              <ma14:wrappingTextBoxFlag xmlns="" xmlns:ma14="http://schemas.microsoft.com/office/mac/drawingml/2011/main" val="1"/>
+              <ma14:wrappingTextBoxFlag xmlns:ma14="http://schemas.microsoft.com/office/mac/drawingml/2011/main" xmlns="" val="1"/>
             </a:ext>
           </a:extLst>
         </p:spPr>
@@ -21907,7 +22214,7 @@
           <p:nvPr>
             <p:extLst>
               <p:ext uri="{D42A27DB-BD31-4B8C-83A1-F6EECF244321}">
-                <p14:modId xmlns:p14="http://schemas.microsoft.com/office/powerpoint/2010/main" val="56398493"/>
+                <p14:modId xmlns:p14="http://schemas.microsoft.com/office/powerpoint/2010/main" xmlns="" val="56398493"/>
               </p:ext>
             </p:extLst>
           </p:nvPr>
@@ -21926,14 +22233,14 @@
                 <a:gridCol w="154800">
                   <a:extLst>
                     <a:ext uri="{9D8B030D-6E8A-4147-A177-3AD203B41FA5}">
-                      <a16:colId xmlns:a16="http://schemas.microsoft.com/office/drawing/2014/main" val="20000"/>
+                      <a16:colId xmlns:a16="http://schemas.microsoft.com/office/drawing/2014/main" xmlns="" val="20000"/>
                     </a:ext>
                   </a:extLst>
                 </a:gridCol>
                 <a:gridCol w="154800">
                   <a:extLst>
                     <a:ext uri="{9D8B030D-6E8A-4147-A177-3AD203B41FA5}">
-                      <a16:colId xmlns:a16="http://schemas.microsoft.com/office/drawing/2014/main" val="20001"/>
+                      <a16:colId xmlns:a16="http://schemas.microsoft.com/office/drawing/2014/main" xmlns="" val="20001"/>
                     </a:ext>
                   </a:extLst>
                 </a:gridCol>
@@ -21993,7 +22300,7 @@
                 </a:tc>
                 <a:extLst>
                   <a:ext uri="{0D108BD9-81ED-4DB2-BD59-A6C34878D82A}">
-                    <a16:rowId xmlns:a16="http://schemas.microsoft.com/office/drawing/2014/main" val="10000"/>
+                    <a16:rowId xmlns:a16="http://schemas.microsoft.com/office/drawing/2014/main" xmlns="" val="10000"/>
                   </a:ext>
                 </a:extLst>
               </a:tr>
@@ -22044,7 +22351,7 @@
                 </a:tc>
                 <a:extLst>
                   <a:ext uri="{0D108BD9-81ED-4DB2-BD59-A6C34878D82A}">
-                    <a16:rowId xmlns:a16="http://schemas.microsoft.com/office/drawing/2014/main" val="10001"/>
+                    <a16:rowId xmlns:a16="http://schemas.microsoft.com/office/drawing/2014/main" xmlns="" val="10001"/>
                   </a:ext>
                 </a:extLst>
               </a:tr>
@@ -22095,7 +22402,7 @@
                 </a:tc>
                 <a:extLst>
                   <a:ext uri="{0D108BD9-81ED-4DB2-BD59-A6C34878D82A}">
-                    <a16:rowId xmlns:a16="http://schemas.microsoft.com/office/drawing/2014/main" val="10002"/>
+                    <a16:rowId xmlns:a16="http://schemas.microsoft.com/office/drawing/2014/main" xmlns="" val="10002"/>
                   </a:ext>
                 </a:extLst>
               </a:tr>
@@ -22146,7 +22453,7 @@
                 </a:tc>
                 <a:extLst>
                   <a:ext uri="{0D108BD9-81ED-4DB2-BD59-A6C34878D82A}">
-                    <a16:rowId xmlns:a16="http://schemas.microsoft.com/office/drawing/2014/main" val="10003"/>
+                    <a16:rowId xmlns:a16="http://schemas.microsoft.com/office/drawing/2014/main" xmlns="" val="10003"/>
                   </a:ext>
                 </a:extLst>
               </a:tr>
@@ -22161,7 +22468,7 @@
           <p:nvPr>
             <p:extLst>
               <p:ext uri="{D42A27DB-BD31-4B8C-83A1-F6EECF244321}">
-                <p14:modId xmlns:p14="http://schemas.microsoft.com/office/powerpoint/2010/main" val="2531597978"/>
+                <p14:modId xmlns:p14="http://schemas.microsoft.com/office/powerpoint/2010/main" xmlns="" val="2531597978"/>
               </p:ext>
             </p:extLst>
           </p:nvPr>
@@ -22180,14 +22487,14 @@
                 <a:gridCol w="152682">
                   <a:extLst>
                     <a:ext uri="{9D8B030D-6E8A-4147-A177-3AD203B41FA5}">
-                      <a16:colId xmlns:a16="http://schemas.microsoft.com/office/drawing/2014/main" val="20000"/>
+                      <a16:colId xmlns:a16="http://schemas.microsoft.com/office/drawing/2014/main" xmlns="" val="20000"/>
                     </a:ext>
                   </a:extLst>
                 </a:gridCol>
                 <a:gridCol w="154800">
                   <a:extLst>
                     <a:ext uri="{9D8B030D-6E8A-4147-A177-3AD203B41FA5}">
-                      <a16:colId xmlns:a16="http://schemas.microsoft.com/office/drawing/2014/main" val="20001"/>
+                      <a16:colId xmlns:a16="http://schemas.microsoft.com/office/drawing/2014/main" xmlns="" val="20001"/>
                     </a:ext>
                   </a:extLst>
                 </a:gridCol>
@@ -22249,7 +22556,7 @@
                 </a:tc>
                 <a:extLst>
                   <a:ext uri="{0D108BD9-81ED-4DB2-BD59-A6C34878D82A}">
-                    <a16:rowId xmlns:a16="http://schemas.microsoft.com/office/drawing/2014/main" val="10000"/>
+                    <a16:rowId xmlns:a16="http://schemas.microsoft.com/office/drawing/2014/main" xmlns="" val="10000"/>
                   </a:ext>
                 </a:extLst>
               </a:tr>
@@ -22300,7 +22607,7 @@
                 </a:tc>
                 <a:extLst>
                   <a:ext uri="{0D108BD9-81ED-4DB2-BD59-A6C34878D82A}">
-                    <a16:rowId xmlns:a16="http://schemas.microsoft.com/office/drawing/2014/main" val="10001"/>
+                    <a16:rowId xmlns:a16="http://schemas.microsoft.com/office/drawing/2014/main" xmlns="" val="10001"/>
                   </a:ext>
                 </a:extLst>
               </a:tr>
@@ -22351,7 +22658,7 @@
                 </a:tc>
                 <a:extLst>
                   <a:ext uri="{0D108BD9-81ED-4DB2-BD59-A6C34878D82A}">
-                    <a16:rowId xmlns:a16="http://schemas.microsoft.com/office/drawing/2014/main" val="10002"/>
+                    <a16:rowId xmlns:a16="http://schemas.microsoft.com/office/drawing/2014/main" xmlns="" val="10002"/>
                   </a:ext>
                 </a:extLst>
               </a:tr>
@@ -22402,7 +22709,7 @@
                 </a:tc>
                 <a:extLst>
                   <a:ext uri="{0D108BD9-81ED-4DB2-BD59-A6C34878D82A}">
-                    <a16:rowId xmlns:a16="http://schemas.microsoft.com/office/drawing/2014/main" val="10003"/>
+                    <a16:rowId xmlns:a16="http://schemas.microsoft.com/office/drawing/2014/main" xmlns="" val="10003"/>
                   </a:ext>
                 </a:extLst>
               </a:tr>
@@ -22429,7 +22736,7 @@
           </a:ln>
           <a:extLst>
             <a:ext uri="{C572A759-6A51-4108-AA02-DFA0A04FC94B}">
-              <ma14:wrappingTextBoxFlag xmlns="" xmlns:ma14="http://schemas.microsoft.com/office/mac/drawingml/2011/main" val="1"/>
+              <ma14:wrappingTextBoxFlag xmlns:ma14="http://schemas.microsoft.com/office/mac/drawingml/2011/main" xmlns="" val="1"/>
             </a:ext>
           </a:extLst>
         </p:spPr>
@@ -22462,7 +22769,7 @@
           <p:nvPr>
             <p:extLst>
               <p:ext uri="{D42A27DB-BD31-4B8C-83A1-F6EECF244321}">
-                <p14:modId xmlns:p14="http://schemas.microsoft.com/office/powerpoint/2010/main" val="4117123109"/>
+                <p14:modId xmlns:p14="http://schemas.microsoft.com/office/powerpoint/2010/main" xmlns="" val="4117123109"/>
               </p:ext>
             </p:extLst>
           </p:nvPr>
@@ -22481,28 +22788,28 @@
                 <a:gridCol w="150230">
                   <a:extLst>
                     <a:ext uri="{9D8B030D-6E8A-4147-A177-3AD203B41FA5}">
-                      <a16:colId xmlns:a16="http://schemas.microsoft.com/office/drawing/2014/main" val="20000"/>
+                      <a16:colId xmlns:a16="http://schemas.microsoft.com/office/drawing/2014/main" xmlns="" val="20000"/>
                     </a:ext>
                   </a:extLst>
                 </a:gridCol>
                 <a:gridCol w="150230">
                   <a:extLst>
                     <a:ext uri="{9D8B030D-6E8A-4147-A177-3AD203B41FA5}">
-                      <a16:colId xmlns:a16="http://schemas.microsoft.com/office/drawing/2014/main" val="20001"/>
+                      <a16:colId xmlns:a16="http://schemas.microsoft.com/office/drawing/2014/main" xmlns="" val="20001"/>
                     </a:ext>
                   </a:extLst>
                 </a:gridCol>
                 <a:gridCol w="154800">
                   <a:extLst>
                     <a:ext uri="{9D8B030D-6E8A-4147-A177-3AD203B41FA5}">
-                      <a16:colId xmlns:a16="http://schemas.microsoft.com/office/drawing/2014/main" val="20002"/>
+                      <a16:colId xmlns:a16="http://schemas.microsoft.com/office/drawing/2014/main" xmlns="" val="20002"/>
                     </a:ext>
                   </a:extLst>
                 </a:gridCol>
                 <a:gridCol w="150230">
                   <a:extLst>
                     <a:ext uri="{9D8B030D-6E8A-4147-A177-3AD203B41FA5}">
-                      <a16:colId xmlns:a16="http://schemas.microsoft.com/office/drawing/2014/main" val="20003"/>
+                      <a16:colId xmlns:a16="http://schemas.microsoft.com/office/drawing/2014/main" xmlns="" val="20003"/>
                     </a:ext>
                   </a:extLst>
                 </a:gridCol>
@@ -22614,7 +22921,7 @@
                 </a:tc>
                 <a:extLst>
                   <a:ext uri="{0D108BD9-81ED-4DB2-BD59-A6C34878D82A}">
-                    <a16:rowId xmlns:a16="http://schemas.microsoft.com/office/drawing/2014/main" val="10000"/>
+                    <a16:rowId xmlns:a16="http://schemas.microsoft.com/office/drawing/2014/main" xmlns="" val="10000"/>
                   </a:ext>
                 </a:extLst>
               </a:tr>
@@ -22709,7 +23016,7 @@
                 </a:tc>
                 <a:extLst>
                   <a:ext uri="{0D108BD9-81ED-4DB2-BD59-A6C34878D82A}">
-                    <a16:rowId xmlns:a16="http://schemas.microsoft.com/office/drawing/2014/main" val="10001"/>
+                    <a16:rowId xmlns:a16="http://schemas.microsoft.com/office/drawing/2014/main" xmlns="" val="10001"/>
                   </a:ext>
                 </a:extLst>
               </a:tr>
@@ -22804,7 +23111,7 @@
                 </a:tc>
                 <a:extLst>
                   <a:ext uri="{0D108BD9-81ED-4DB2-BD59-A6C34878D82A}">
-                    <a16:rowId xmlns:a16="http://schemas.microsoft.com/office/drawing/2014/main" val="10002"/>
+                    <a16:rowId xmlns:a16="http://schemas.microsoft.com/office/drawing/2014/main" xmlns="" val="10002"/>
                   </a:ext>
                 </a:extLst>
               </a:tr>
@@ -22899,7 +23206,7 @@
                 </a:tc>
                 <a:extLst>
                   <a:ext uri="{0D108BD9-81ED-4DB2-BD59-A6C34878D82A}">
-                    <a16:rowId xmlns:a16="http://schemas.microsoft.com/office/drawing/2014/main" val="10003"/>
+                    <a16:rowId xmlns:a16="http://schemas.microsoft.com/office/drawing/2014/main" xmlns="" val="10003"/>
                   </a:ext>
                 </a:extLst>
               </a:tr>
@@ -22926,7 +23233,7 @@
           </a:ln>
           <a:extLst>
             <a:ext uri="{C572A759-6A51-4108-AA02-DFA0A04FC94B}">
-              <ma14:wrappingTextBoxFlag xmlns="" xmlns:ma14="http://schemas.microsoft.com/office/mac/drawingml/2011/main" val="1"/>
+              <ma14:wrappingTextBoxFlag xmlns:ma14="http://schemas.microsoft.com/office/mac/drawingml/2011/main" xmlns="" val="1"/>
             </a:ext>
           </a:extLst>
         </p:spPr>
@@ -22959,7 +23266,7 @@
           <p:nvPr>
             <p:extLst>
               <p:ext uri="{D42A27DB-BD31-4B8C-83A1-F6EECF244321}">
-                <p14:modId xmlns:p14="http://schemas.microsoft.com/office/powerpoint/2010/main" val="2512052124"/>
+                <p14:modId xmlns:p14="http://schemas.microsoft.com/office/powerpoint/2010/main" xmlns="" val="2512052124"/>
               </p:ext>
             </p:extLst>
           </p:nvPr>
@@ -22978,21 +23285,21 @@
                 <a:gridCol w="154800">
                   <a:extLst>
                     <a:ext uri="{9D8B030D-6E8A-4147-A177-3AD203B41FA5}">
-                      <a16:colId xmlns:a16="http://schemas.microsoft.com/office/drawing/2014/main" val="20000"/>
+                      <a16:colId xmlns:a16="http://schemas.microsoft.com/office/drawing/2014/main" xmlns="" val="20000"/>
                     </a:ext>
                   </a:extLst>
                 </a:gridCol>
                 <a:gridCol w="154800">
                   <a:extLst>
                     <a:ext uri="{9D8B030D-6E8A-4147-A177-3AD203B41FA5}">
-                      <a16:colId xmlns:a16="http://schemas.microsoft.com/office/drawing/2014/main" val="20001"/>
+                      <a16:colId xmlns:a16="http://schemas.microsoft.com/office/drawing/2014/main" xmlns="" val="20001"/>
                     </a:ext>
                   </a:extLst>
                 </a:gridCol>
                 <a:gridCol w="666000">
                   <a:extLst>
                     <a:ext uri="{9D8B030D-6E8A-4147-A177-3AD203B41FA5}">
-                      <a16:colId xmlns:a16="http://schemas.microsoft.com/office/drawing/2014/main" val="20002"/>
+                      <a16:colId xmlns:a16="http://schemas.microsoft.com/office/drawing/2014/main" xmlns="" val="20002"/>
                     </a:ext>
                   </a:extLst>
                 </a:gridCol>
@@ -23080,7 +23387,7 @@
                 </a:tc>
                 <a:extLst>
                   <a:ext uri="{0D108BD9-81ED-4DB2-BD59-A6C34878D82A}">
-                    <a16:rowId xmlns:a16="http://schemas.microsoft.com/office/drawing/2014/main" val="10000"/>
+                    <a16:rowId xmlns:a16="http://schemas.microsoft.com/office/drawing/2014/main" xmlns="" val="10000"/>
                   </a:ext>
                 </a:extLst>
               </a:tr>
@@ -23189,7 +23496,7 @@
                 </a:tc>
                 <a:extLst>
                   <a:ext uri="{0D108BD9-81ED-4DB2-BD59-A6C34878D82A}">
-                    <a16:rowId xmlns:a16="http://schemas.microsoft.com/office/drawing/2014/main" val="10001"/>
+                    <a16:rowId xmlns:a16="http://schemas.microsoft.com/office/drawing/2014/main" xmlns="" val="10001"/>
                   </a:ext>
                 </a:extLst>
               </a:tr>
@@ -23298,7 +23605,7 @@
                 </a:tc>
                 <a:extLst>
                   <a:ext uri="{0D108BD9-81ED-4DB2-BD59-A6C34878D82A}">
-                    <a16:rowId xmlns:a16="http://schemas.microsoft.com/office/drawing/2014/main" val="10002"/>
+                    <a16:rowId xmlns:a16="http://schemas.microsoft.com/office/drawing/2014/main" xmlns="" val="10002"/>
                   </a:ext>
                 </a:extLst>
               </a:tr>
@@ -23407,7 +23714,7 @@
                 </a:tc>
                 <a:extLst>
                   <a:ext uri="{0D108BD9-81ED-4DB2-BD59-A6C34878D82A}">
-                    <a16:rowId xmlns:a16="http://schemas.microsoft.com/office/drawing/2014/main" val="10003"/>
+                    <a16:rowId xmlns:a16="http://schemas.microsoft.com/office/drawing/2014/main" xmlns="" val="10003"/>
                   </a:ext>
                 </a:extLst>
               </a:tr>
@@ -23516,7 +23823,7 @@
                 </a:tc>
                 <a:extLst>
                   <a:ext uri="{0D108BD9-81ED-4DB2-BD59-A6C34878D82A}">
-                    <a16:rowId xmlns:a16="http://schemas.microsoft.com/office/drawing/2014/main" val="10004"/>
+                    <a16:rowId xmlns:a16="http://schemas.microsoft.com/office/drawing/2014/main" xmlns="" val="10004"/>
                   </a:ext>
                 </a:extLst>
               </a:tr>
@@ -23625,7 +23932,7 @@
                 </a:tc>
                 <a:extLst>
                   <a:ext uri="{0D108BD9-81ED-4DB2-BD59-A6C34878D82A}">
-                    <a16:rowId xmlns:a16="http://schemas.microsoft.com/office/drawing/2014/main" val="10005"/>
+                    <a16:rowId xmlns:a16="http://schemas.microsoft.com/office/drawing/2014/main" xmlns="" val="10005"/>
                   </a:ext>
                 </a:extLst>
               </a:tr>
@@ -23652,7 +23959,7 @@
           </a:ln>
           <a:extLst>
             <a:ext uri="{C572A759-6A51-4108-AA02-DFA0A04FC94B}">
-              <ma14:wrappingTextBoxFlag xmlns="" xmlns:ma14="http://schemas.microsoft.com/office/mac/drawingml/2011/main" val="1"/>
+              <ma14:wrappingTextBoxFlag xmlns:ma14="http://schemas.microsoft.com/office/mac/drawingml/2011/main" xmlns="" val="1"/>
             </a:ext>
           </a:extLst>
         </p:spPr>
@@ -23697,7 +24004,7 @@
           </a:ln>
           <a:extLst>
             <a:ext uri="{C572A759-6A51-4108-AA02-DFA0A04FC94B}">
-              <ma14:wrappingTextBoxFlag xmlns="" xmlns:ma14="http://schemas.microsoft.com/office/mac/drawingml/2011/main" val="1"/>
+              <ma14:wrappingTextBoxFlag xmlns:ma14="http://schemas.microsoft.com/office/mac/drawingml/2011/main" xmlns="" val="1"/>
             </a:ext>
           </a:extLst>
         </p:spPr>
@@ -23730,7 +24037,7 @@
           <p:nvPr>
             <p:extLst>
               <p:ext uri="{D42A27DB-BD31-4B8C-83A1-F6EECF244321}">
-                <p14:modId xmlns:p14="http://schemas.microsoft.com/office/powerpoint/2010/main" val="954938193"/>
+                <p14:modId xmlns:p14="http://schemas.microsoft.com/office/powerpoint/2010/main" xmlns="" val="954938193"/>
               </p:ext>
             </p:extLst>
           </p:nvPr>
@@ -23749,21 +24056,21 @@
                 <a:gridCol w="154800">
                   <a:extLst>
                     <a:ext uri="{9D8B030D-6E8A-4147-A177-3AD203B41FA5}">
-                      <a16:colId xmlns:a16="http://schemas.microsoft.com/office/drawing/2014/main" val="20000"/>
+                      <a16:colId xmlns:a16="http://schemas.microsoft.com/office/drawing/2014/main" xmlns="" val="20000"/>
                     </a:ext>
                   </a:extLst>
                 </a:gridCol>
                 <a:gridCol w="154800">
                   <a:extLst>
                     <a:ext uri="{9D8B030D-6E8A-4147-A177-3AD203B41FA5}">
-                      <a16:colId xmlns:a16="http://schemas.microsoft.com/office/drawing/2014/main" val="20001"/>
+                      <a16:colId xmlns:a16="http://schemas.microsoft.com/office/drawing/2014/main" xmlns="" val="20001"/>
                     </a:ext>
                   </a:extLst>
                 </a:gridCol>
                 <a:gridCol w="666000">
                   <a:extLst>
                     <a:ext uri="{9D8B030D-6E8A-4147-A177-3AD203B41FA5}">
-                      <a16:colId xmlns:a16="http://schemas.microsoft.com/office/drawing/2014/main" val="20002"/>
+                      <a16:colId xmlns:a16="http://schemas.microsoft.com/office/drawing/2014/main" xmlns="" val="20002"/>
                     </a:ext>
                   </a:extLst>
                 </a:gridCol>
@@ -23851,7 +24158,7 @@
                 </a:tc>
                 <a:extLst>
                   <a:ext uri="{0D108BD9-81ED-4DB2-BD59-A6C34878D82A}">
-                    <a16:rowId xmlns:a16="http://schemas.microsoft.com/office/drawing/2014/main" val="10000"/>
+                    <a16:rowId xmlns:a16="http://schemas.microsoft.com/office/drawing/2014/main" xmlns="" val="10000"/>
                   </a:ext>
                 </a:extLst>
               </a:tr>
@@ -23960,7 +24267,7 @@
                 </a:tc>
                 <a:extLst>
                   <a:ext uri="{0D108BD9-81ED-4DB2-BD59-A6C34878D82A}">
-                    <a16:rowId xmlns:a16="http://schemas.microsoft.com/office/drawing/2014/main" val="10001"/>
+                    <a16:rowId xmlns:a16="http://schemas.microsoft.com/office/drawing/2014/main" xmlns="" val="10001"/>
                   </a:ext>
                 </a:extLst>
               </a:tr>
@@ -24069,7 +24376,7 @@
                 </a:tc>
                 <a:extLst>
                   <a:ext uri="{0D108BD9-81ED-4DB2-BD59-A6C34878D82A}">
-                    <a16:rowId xmlns:a16="http://schemas.microsoft.com/office/drawing/2014/main" val="10002"/>
+                    <a16:rowId xmlns:a16="http://schemas.microsoft.com/office/drawing/2014/main" xmlns="" val="10002"/>
                   </a:ext>
                 </a:extLst>
               </a:tr>
@@ -24084,7 +24391,7 @@
           <p:nvPr>
             <p:extLst>
               <p:ext uri="{D42A27DB-BD31-4B8C-83A1-F6EECF244321}">
-                <p14:modId xmlns:p14="http://schemas.microsoft.com/office/powerpoint/2010/main" val="2969857371"/>
+                <p14:modId xmlns:p14="http://schemas.microsoft.com/office/powerpoint/2010/main" xmlns="" val="2969857371"/>
               </p:ext>
             </p:extLst>
           </p:nvPr>
@@ -24103,28 +24410,28 @@
                 <a:gridCol w="154800">
                   <a:extLst>
                     <a:ext uri="{9D8B030D-6E8A-4147-A177-3AD203B41FA5}">
-                      <a16:colId xmlns:a16="http://schemas.microsoft.com/office/drawing/2014/main" val="20000"/>
+                      <a16:colId xmlns:a16="http://schemas.microsoft.com/office/drawing/2014/main" xmlns="" val="20000"/>
                     </a:ext>
                   </a:extLst>
                 </a:gridCol>
                 <a:gridCol w="147638">
                   <a:extLst>
                     <a:ext uri="{9D8B030D-6E8A-4147-A177-3AD203B41FA5}">
-                      <a16:colId xmlns:a16="http://schemas.microsoft.com/office/drawing/2014/main" val="20001"/>
+                      <a16:colId xmlns:a16="http://schemas.microsoft.com/office/drawing/2014/main" xmlns="" val="20001"/>
                     </a:ext>
                   </a:extLst>
                 </a:gridCol>
                 <a:gridCol w="666000">
                   <a:extLst>
                     <a:ext uri="{9D8B030D-6E8A-4147-A177-3AD203B41FA5}">
-                      <a16:colId xmlns:a16="http://schemas.microsoft.com/office/drawing/2014/main" val="20002"/>
+                      <a16:colId xmlns:a16="http://schemas.microsoft.com/office/drawing/2014/main" xmlns="" val="20002"/>
                     </a:ext>
                   </a:extLst>
                 </a:gridCol>
                 <a:gridCol w="154800">
                   <a:extLst>
                     <a:ext uri="{9D8B030D-6E8A-4147-A177-3AD203B41FA5}">
-                      <a16:colId xmlns:a16="http://schemas.microsoft.com/office/drawing/2014/main" val="20003"/>
+                      <a16:colId xmlns:a16="http://schemas.microsoft.com/office/drawing/2014/main" xmlns="" val="20003"/>
                     </a:ext>
                   </a:extLst>
                 </a:gridCol>
@@ -24238,7 +24545,7 @@
                 </a:tc>
                 <a:extLst>
                   <a:ext uri="{0D108BD9-81ED-4DB2-BD59-A6C34878D82A}">
-                    <a16:rowId xmlns:a16="http://schemas.microsoft.com/office/drawing/2014/main" val="10000"/>
+                    <a16:rowId xmlns:a16="http://schemas.microsoft.com/office/drawing/2014/main" xmlns="" val="10000"/>
                   </a:ext>
                 </a:extLst>
               </a:tr>
@@ -24381,7 +24688,7 @@
                 </a:tc>
                 <a:extLst>
                   <a:ext uri="{0D108BD9-81ED-4DB2-BD59-A6C34878D82A}">
-                    <a16:rowId xmlns:a16="http://schemas.microsoft.com/office/drawing/2014/main" val="10001"/>
+                    <a16:rowId xmlns:a16="http://schemas.microsoft.com/office/drawing/2014/main" xmlns="" val="10001"/>
                   </a:ext>
                 </a:extLst>
               </a:tr>
@@ -24524,7 +24831,7 @@
                 </a:tc>
                 <a:extLst>
                   <a:ext uri="{0D108BD9-81ED-4DB2-BD59-A6C34878D82A}">
-                    <a16:rowId xmlns:a16="http://schemas.microsoft.com/office/drawing/2014/main" val="10002"/>
+                    <a16:rowId xmlns:a16="http://schemas.microsoft.com/office/drawing/2014/main" xmlns="" val="10002"/>
                   </a:ext>
                 </a:extLst>
               </a:tr>
@@ -24551,7 +24858,7 @@
           </a:ln>
           <a:extLst>
             <a:ext uri="{C572A759-6A51-4108-AA02-DFA0A04FC94B}">
-              <ma14:wrappingTextBoxFlag xmlns="" xmlns:ma14="http://schemas.microsoft.com/office/mac/drawingml/2011/main" val="1"/>
+              <ma14:wrappingTextBoxFlag xmlns:ma14="http://schemas.microsoft.com/office/mac/drawingml/2011/main" xmlns="" val="1"/>
             </a:ext>
           </a:extLst>
         </p:spPr>
@@ -24765,7 +25072,7 @@
           </a:ln>
           <a:extLst>
             <a:ext uri="{C572A759-6A51-4108-AA02-DFA0A04FC94B}">
-              <ma14:wrappingTextBoxFlag xmlns="" xmlns:ma14="http://schemas.microsoft.com/office/mac/drawingml/2011/main" val="1"/>
+              <ma14:wrappingTextBoxFlag xmlns:ma14="http://schemas.microsoft.com/office/mac/drawingml/2011/main" xmlns="" val="1"/>
             </a:ext>
           </a:extLst>
         </p:spPr>
@@ -24852,7 +25159,7 @@
           </a:ln>
           <a:extLst>
             <a:ext uri="{C572A759-6A51-4108-AA02-DFA0A04FC94B}">
-              <ma14:wrappingTextBoxFlag xmlns="" xmlns:ma14="http://schemas.microsoft.com/office/mac/drawingml/2011/main" val="1"/>
+              <ma14:wrappingTextBoxFlag xmlns:ma14="http://schemas.microsoft.com/office/mac/drawingml/2011/main" xmlns="" val="1"/>
             </a:ext>
           </a:extLst>
         </p:spPr>
@@ -24881,7 +25188,15 @@
                   <a:srgbClr val="393939"/>
                 </a:solidFill>
               </a:rPr>
-              <a:t>Restructurer une </a:t>
+              <a:t>Restructurer </a:t>
+            </a:r>
+            <a:r>
+              <a:rPr lang="fr-FR" dirty="0" smtClean="0">
+                <a:solidFill>
+                  <a:srgbClr val="393939"/>
+                </a:solidFill>
+              </a:rPr>
+              <a:t>un </a:t>
             </a:r>
             <a:r>
               <a:rPr lang="fr-FR" dirty="0" err="1">
@@ -24908,7 +25223,7 @@
         <p:spPr>
           <a:xfrm>
             <a:off x="4812083" y="3828608"/>
-            <a:ext cx="2236417" cy="276999"/>
+            <a:ext cx="2822205" cy="276999"/>
           </a:xfrm>
           <a:prstGeom prst="rect">
             <a:avLst/>
@@ -24922,8 +25237,12 @@
           <a:p>
             <a:pPr lvl="1" indent="0"/>
             <a:r>
+              <a:rPr lang="da-DK" dirty="0" smtClean="0"/>
+              <a:t>RESTRUCTURER </a:t>
+            </a:r>
+            <a:r>
               <a:rPr lang="da-DK" dirty="0"/>
-              <a:t>RESTRUCTURE EN LARGEUR</a:t>
+              <a:t>EN LARGEUR</a:t>
             </a:r>
           </a:p>
         </p:txBody>
@@ -25074,7 +25393,7 @@
           </a:ln>
           <a:extLst>
             <a:ext uri="{C572A759-6A51-4108-AA02-DFA0A04FC94B}">
-              <ma14:wrappingTextBoxFlag xmlns="" xmlns:ma14="http://schemas.microsoft.com/office/mac/drawingml/2011/main" val="1"/>
+              <ma14:wrappingTextBoxFlag xmlns:ma14="http://schemas.microsoft.com/office/mac/drawingml/2011/main" xmlns="" val="1"/>
             </a:ext>
           </a:extLst>
         </p:spPr>
@@ -25090,12 +25409,28 @@
               </a:lnSpc>
             </a:pPr>
             <a:r>
-              <a:rPr lang="en-US" dirty="0">
-                <a:solidFill>
-                  <a:srgbClr val="000000"/>
-                </a:solidFill>
-              </a:rPr>
-              <a:t>dcast(</a:t>
+              <a:rPr lang="en-US" dirty="0" err="1">
+                <a:solidFill>
+                  <a:srgbClr val="000000"/>
+                </a:solidFill>
+              </a:rPr>
+              <a:t>dcast</a:t>
+            </a:r>
+            <a:r>
+              <a:rPr lang="en-US" dirty="0" smtClean="0">
+                <a:solidFill>
+                  <a:srgbClr val="000000"/>
+                </a:solidFill>
+              </a:rPr>
+              <a:t>( </a:t>
+            </a:r>
+            <a:r>
+              <a:rPr lang="en-US" b="0" dirty="0" err="1" smtClean="0">
+                <a:solidFill>
+                  <a:srgbClr val="000000"/>
+                </a:solidFill>
+              </a:rPr>
+              <a:t>dt</a:t>
             </a:r>
             <a:r>
               <a:rPr lang="en-US" b="0" dirty="0">
@@ -25103,7 +25438,7 @@
                   <a:srgbClr val="000000"/>
                 </a:solidFill>
               </a:rPr>
-              <a:t>dt, </a:t>
+              <a:t>, </a:t>
             </a:r>
           </a:p>
           <a:p>
@@ -25118,7 +25453,23 @@
                   <a:srgbClr val="000000"/>
                 </a:solidFill>
               </a:rPr>
-              <a:t>              id ~ y,</a:t>
+              <a:t>           </a:t>
+            </a:r>
+            <a:r>
+              <a:rPr lang="en-US" b="0" dirty="0" smtClean="0">
+                <a:solidFill>
+                  <a:srgbClr val="000000"/>
+                </a:solidFill>
+              </a:rPr>
+              <a:t> id </a:t>
+            </a:r>
+            <a:r>
+              <a:rPr lang="en-US" b="0" dirty="0">
+                <a:solidFill>
+                  <a:srgbClr val="000000"/>
+                </a:solidFill>
+              </a:rPr>
+              <a:t>~ y,</a:t>
             </a:r>
           </a:p>
           <a:p>
@@ -25133,16 +25484,45 @@
                   <a:srgbClr val="000000"/>
                 </a:solidFill>
               </a:rPr>
-              <a:t>              value.var = c("a", "b")</a:t>
-            </a:r>
-            <a:r>
-              <a:rPr lang="en-US" dirty="0">
+              <a:t>           </a:t>
+            </a:r>
+            <a:r>
+              <a:rPr lang="en-US" b="0" dirty="0" smtClean="0">
+                <a:solidFill>
+                  <a:srgbClr val="000000"/>
+                </a:solidFill>
+              </a:rPr>
+              <a:t> value.var </a:t>
+            </a:r>
+            <a:r>
+              <a:rPr lang="en-US" b="0" dirty="0">
+                <a:solidFill>
+                  <a:srgbClr val="000000"/>
+                </a:solidFill>
+              </a:rPr>
+              <a:t>= c("a", "b</a:t>
+            </a:r>
+            <a:r>
+              <a:rPr lang="en-US" b="0" dirty="0" smtClean="0">
+                <a:solidFill>
+                  <a:srgbClr val="000000"/>
+                </a:solidFill>
+              </a:rPr>
+              <a:t>") </a:t>
+            </a:r>
+            <a:r>
+              <a:rPr lang="en-US" dirty="0" smtClean="0">
                 <a:solidFill>
                   <a:srgbClr val="000000"/>
                 </a:solidFill>
               </a:rPr>
               <a:t>)</a:t>
             </a:r>
+            <a:endParaRPr lang="en-US" dirty="0">
+              <a:solidFill>
+                <a:srgbClr val="000000"/>
+              </a:solidFill>
+            </a:endParaRPr>
           </a:p>
         </p:txBody>
       </p:sp>
@@ -25227,7 +25607,7 @@
           <p:cNvPr id="4" name="Rectangle 3">
             <a:extLst>
               <a:ext uri="{FF2B5EF4-FFF2-40B4-BE49-F238E27FC236}">
-                <a16:creationId xmlns:a16="http://schemas.microsoft.com/office/drawing/2014/main" id="{6F7439FF-969F-234A-B99D-79803428D342}"/>
+                <a16:creationId xmlns:a16="http://schemas.microsoft.com/office/drawing/2014/main" xmlns="" id="{6F7439FF-969F-234A-B99D-79803428D342}"/>
               </a:ext>
             </a:extLst>
           </p:cNvPr>
@@ -25322,7 +25702,7 @@
           </a:ln>
           <a:extLst>
             <a:ext uri="{C572A759-6A51-4108-AA02-DFA0A04FC94B}">
-              <ma14:wrappingTextBoxFlag xmlns="" xmlns:ma14="http://schemas.microsoft.com/office/mac/drawingml/2011/main" val="1"/>
+              <ma14:wrappingTextBoxFlag xmlns:ma14="http://schemas.microsoft.com/office/mac/drawingml/2011/main" xmlns="" val="1"/>
             </a:ext>
           </a:extLst>
         </p:spPr>
@@ -25418,7 +25798,7 @@
           </a:ln>
           <a:extLst>
             <a:ext uri="{C572A759-6A51-4108-AA02-DFA0A04FC94B}">
-              <ma14:wrappingTextBoxFlag xmlns="" xmlns:ma14="http://schemas.microsoft.com/office/mac/drawingml/2011/main" val="1"/>
+              <ma14:wrappingTextBoxFlag xmlns:ma14="http://schemas.microsoft.com/office/mac/drawingml/2011/main" xmlns="" val="1"/>
             </a:ext>
           </a:extLst>
         </p:spPr>
@@ -25581,10 +25961,18 @@
                   <a:srgbClr val="000000"/>
                 </a:solidFill>
               </a:rPr>
-              <a:t> – renommer les colonnes a et b</a:t>
-            </a:r>
-            <a:r>
-              <a:rPr lang="fr-FR" b="0" dirty="0">
+              <a:t> – renommer les </a:t>
+            </a:r>
+            <a:r>
+              <a:rPr lang="fr-FR" b="0" dirty="0" smtClean="0">
+                <a:solidFill>
+                  <a:srgbClr val="000000"/>
+                </a:solidFill>
+              </a:rPr>
+              <a:t>anciennes colonnes (a, b) en (x, y)</a:t>
+            </a:r>
+            <a:r>
+              <a:rPr lang="fr-FR" b="0" dirty="0" smtClean="0">
                 <a:solidFill>
                   <a:srgbClr val="000000"/>
                 </a:solidFill>
@@ -25607,7 +25995,7 @@
           <p:nvPr>
             <p:extLst>
               <p:ext uri="{D42A27DB-BD31-4B8C-83A1-F6EECF244321}">
-                <p14:modId xmlns:p14="http://schemas.microsoft.com/office/powerpoint/2010/main" val="670805292"/>
+                <p14:modId xmlns:p14="http://schemas.microsoft.com/office/powerpoint/2010/main" xmlns="" val="670805292"/>
               </p:ext>
             </p:extLst>
           </p:nvPr>
@@ -25629,14 +26017,14 @@
                 <a:gridCol w="151200">
                   <a:extLst>
                     <a:ext uri="{9D8B030D-6E8A-4147-A177-3AD203B41FA5}">
-                      <a16:colId xmlns:a16="http://schemas.microsoft.com/office/drawing/2014/main" val="20000"/>
+                      <a16:colId xmlns:a16="http://schemas.microsoft.com/office/drawing/2014/main" xmlns="" val="20000"/>
                     </a:ext>
                   </a:extLst>
                 </a:gridCol>
                 <a:gridCol w="151200">
                   <a:extLst>
                     <a:ext uri="{9D8B030D-6E8A-4147-A177-3AD203B41FA5}">
-                      <a16:colId xmlns:a16="http://schemas.microsoft.com/office/drawing/2014/main" val="20001"/>
+                      <a16:colId xmlns:a16="http://schemas.microsoft.com/office/drawing/2014/main" xmlns="" val="20001"/>
                     </a:ext>
                   </a:extLst>
                 </a:gridCol>
@@ -25700,7 +26088,7 @@
                 </a:tc>
                 <a:extLst>
                   <a:ext uri="{0D108BD9-81ED-4DB2-BD59-A6C34878D82A}">
-                    <a16:rowId xmlns:a16="http://schemas.microsoft.com/office/drawing/2014/main" val="10000"/>
+                    <a16:rowId xmlns:a16="http://schemas.microsoft.com/office/drawing/2014/main" xmlns="" val="10000"/>
                   </a:ext>
                 </a:extLst>
               </a:tr>
@@ -25755,7 +26143,7 @@
                 </a:tc>
                 <a:extLst>
                   <a:ext uri="{0D108BD9-81ED-4DB2-BD59-A6C34878D82A}">
-                    <a16:rowId xmlns:a16="http://schemas.microsoft.com/office/drawing/2014/main" val="10001"/>
+                    <a16:rowId xmlns:a16="http://schemas.microsoft.com/office/drawing/2014/main" xmlns="" val="10001"/>
                   </a:ext>
                 </a:extLst>
               </a:tr>
@@ -25810,7 +26198,7 @@
                 </a:tc>
                 <a:extLst>
                   <a:ext uri="{0D108BD9-81ED-4DB2-BD59-A6C34878D82A}">
-                    <a16:rowId xmlns:a16="http://schemas.microsoft.com/office/drawing/2014/main" val="10002"/>
+                    <a16:rowId xmlns:a16="http://schemas.microsoft.com/office/drawing/2014/main" xmlns="" val="10002"/>
                   </a:ext>
                 </a:extLst>
               </a:tr>
@@ -25879,7 +26267,7 @@
           <p:nvPr>
             <p:extLst>
               <p:ext uri="{D42A27DB-BD31-4B8C-83A1-F6EECF244321}">
-                <p14:modId xmlns:p14="http://schemas.microsoft.com/office/powerpoint/2010/main" val="3842002274"/>
+                <p14:modId xmlns:p14="http://schemas.microsoft.com/office/powerpoint/2010/main" xmlns="" val="3842002274"/>
               </p:ext>
             </p:extLst>
           </p:nvPr>
@@ -25898,14 +26286,14 @@
                 <a:gridCol w="151200">
                   <a:extLst>
                     <a:ext uri="{9D8B030D-6E8A-4147-A177-3AD203B41FA5}">
-                      <a16:colId xmlns:a16="http://schemas.microsoft.com/office/drawing/2014/main" val="20000"/>
+                      <a16:colId xmlns:a16="http://schemas.microsoft.com/office/drawing/2014/main" xmlns="" val="20000"/>
                     </a:ext>
                   </a:extLst>
                 </a:gridCol>
                 <a:gridCol w="151200">
                   <a:extLst>
                     <a:ext uri="{9D8B030D-6E8A-4147-A177-3AD203B41FA5}">
-                      <a16:colId xmlns:a16="http://schemas.microsoft.com/office/drawing/2014/main" val="20001"/>
+                      <a16:colId xmlns:a16="http://schemas.microsoft.com/office/drawing/2014/main" xmlns="" val="20001"/>
                     </a:ext>
                   </a:extLst>
                 </a:gridCol>
@@ -25969,7 +26357,7 @@
                 </a:tc>
                 <a:extLst>
                   <a:ext uri="{0D108BD9-81ED-4DB2-BD59-A6C34878D82A}">
-                    <a16:rowId xmlns:a16="http://schemas.microsoft.com/office/drawing/2014/main" val="10000"/>
+                    <a16:rowId xmlns:a16="http://schemas.microsoft.com/office/drawing/2014/main" xmlns="" val="10000"/>
                   </a:ext>
                 </a:extLst>
               </a:tr>
@@ -26024,7 +26412,7 @@
                 </a:tc>
                 <a:extLst>
                   <a:ext uri="{0D108BD9-81ED-4DB2-BD59-A6C34878D82A}">
-                    <a16:rowId xmlns:a16="http://schemas.microsoft.com/office/drawing/2014/main" val="10001"/>
+                    <a16:rowId xmlns:a16="http://schemas.microsoft.com/office/drawing/2014/main" xmlns="" val="10001"/>
                   </a:ext>
                 </a:extLst>
               </a:tr>
@@ -26079,7 +26467,7 @@
                 </a:tc>
                 <a:extLst>
                   <a:ext uri="{0D108BD9-81ED-4DB2-BD59-A6C34878D82A}">
-                    <a16:rowId xmlns:a16="http://schemas.microsoft.com/office/drawing/2014/main" val="10002"/>
+                    <a16:rowId xmlns:a16="http://schemas.microsoft.com/office/drawing/2014/main" xmlns="" val="10002"/>
                   </a:ext>
                 </a:extLst>
               </a:tr>
@@ -26170,7 +26558,7 @@
           <p:nvPr>
             <p:extLst>
               <p:ext uri="{D42A27DB-BD31-4B8C-83A1-F6EECF244321}">
-                <p14:modId xmlns:p14="http://schemas.microsoft.com/office/powerpoint/2010/main" val="1674421554"/>
+                <p14:modId xmlns:p14="http://schemas.microsoft.com/office/powerpoint/2010/main" xmlns="" val="1674421554"/>
               </p:ext>
             </p:extLst>
           </p:nvPr>
@@ -26189,35 +26577,35 @@
                 <a:gridCol w="154800">
                   <a:extLst>
                     <a:ext uri="{9D8B030D-6E8A-4147-A177-3AD203B41FA5}">
-                      <a16:colId xmlns:a16="http://schemas.microsoft.com/office/drawing/2014/main" val="20000"/>
+                      <a16:colId xmlns:a16="http://schemas.microsoft.com/office/drawing/2014/main" xmlns="" val="20000"/>
                     </a:ext>
                   </a:extLst>
                 </a:gridCol>
                 <a:gridCol w="244475">
                   <a:extLst>
                     <a:ext uri="{9D8B030D-6E8A-4147-A177-3AD203B41FA5}">
-                      <a16:colId xmlns:a16="http://schemas.microsoft.com/office/drawing/2014/main" val="20001"/>
+                      <a16:colId xmlns:a16="http://schemas.microsoft.com/office/drawing/2014/main" xmlns="" val="20001"/>
                     </a:ext>
                   </a:extLst>
                 </a:gridCol>
                 <a:gridCol w="238125">
                   <a:extLst>
                     <a:ext uri="{9D8B030D-6E8A-4147-A177-3AD203B41FA5}">
-                      <a16:colId xmlns:a16="http://schemas.microsoft.com/office/drawing/2014/main" val="20002"/>
+                      <a16:colId xmlns:a16="http://schemas.microsoft.com/office/drawing/2014/main" xmlns="" val="20002"/>
                     </a:ext>
                   </a:extLst>
                 </a:gridCol>
                 <a:gridCol w="252412">
                   <a:extLst>
                     <a:ext uri="{9D8B030D-6E8A-4147-A177-3AD203B41FA5}">
-                      <a16:colId xmlns:a16="http://schemas.microsoft.com/office/drawing/2014/main" val="20003"/>
+                      <a16:colId xmlns:a16="http://schemas.microsoft.com/office/drawing/2014/main" xmlns="" val="20003"/>
                     </a:ext>
                   </a:extLst>
                 </a:gridCol>
                 <a:gridCol w="252000">
                   <a:extLst>
                     <a:ext uri="{9D8B030D-6E8A-4147-A177-3AD203B41FA5}">
-                      <a16:colId xmlns:a16="http://schemas.microsoft.com/office/drawing/2014/main" val="20004"/>
+                      <a16:colId xmlns:a16="http://schemas.microsoft.com/office/drawing/2014/main" xmlns="" val="20004"/>
                     </a:ext>
                   </a:extLst>
                 </a:gridCol>
@@ -26355,7 +26743,7 @@
                 </a:tc>
                 <a:extLst>
                   <a:ext uri="{0D108BD9-81ED-4DB2-BD59-A6C34878D82A}">
-                    <a16:rowId xmlns:a16="http://schemas.microsoft.com/office/drawing/2014/main" val="10000"/>
+                    <a16:rowId xmlns:a16="http://schemas.microsoft.com/office/drawing/2014/main" xmlns="" val="10000"/>
                   </a:ext>
                 </a:extLst>
               </a:tr>
@@ -26532,7 +26920,7 @@
                 </a:tc>
                 <a:extLst>
                   <a:ext uri="{0D108BD9-81ED-4DB2-BD59-A6C34878D82A}">
-                    <a16:rowId xmlns:a16="http://schemas.microsoft.com/office/drawing/2014/main" val="10001"/>
+                    <a16:rowId xmlns:a16="http://schemas.microsoft.com/office/drawing/2014/main" xmlns="" val="10001"/>
                   </a:ext>
                 </a:extLst>
               </a:tr>
@@ -26709,7 +27097,7 @@
                 </a:tc>
                 <a:extLst>
                   <a:ext uri="{0D108BD9-81ED-4DB2-BD59-A6C34878D82A}">
-                    <a16:rowId xmlns:a16="http://schemas.microsoft.com/office/drawing/2014/main" val="10002"/>
+                    <a16:rowId xmlns:a16="http://schemas.microsoft.com/office/drawing/2014/main" xmlns="" val="10002"/>
                   </a:ext>
                 </a:extLst>
               </a:tr>
@@ -26726,7 +27114,7 @@
         <p:spPr>
           <a:xfrm>
             <a:off x="6834189" y="6715122"/>
-            <a:ext cx="2400300" cy="714042"/>
+            <a:ext cx="2400300" cy="905889"/>
           </a:xfrm>
           <a:prstGeom prst="rect">
             <a:avLst/>
@@ -26736,7 +27124,7 @@
           </a:ln>
           <a:extLst>
             <a:ext uri="{C572A759-6A51-4108-AA02-DFA0A04FC94B}">
-              <ma14:wrappingTextBoxFlag xmlns="" xmlns:ma14="http://schemas.microsoft.com/office/mac/drawingml/2011/main" val="1"/>
+              <ma14:wrappingTextBoxFlag xmlns:ma14="http://schemas.microsoft.com/office/mac/drawingml/2011/main" xmlns="" val="1"/>
             </a:ext>
           </a:extLst>
         </p:spPr>
@@ -26780,7 +27168,31 @@
                   <a:srgbClr val="000000"/>
                 </a:solidFill>
               </a:rPr>
-              <a:t>            measure.vars = measure ( </a:t>
+              <a:t>         </a:t>
+            </a:r>
+            <a:r>
+              <a:rPr lang="en-US" b="0" dirty="0" err="1" smtClean="0">
+                <a:solidFill>
+                  <a:srgbClr val="000000"/>
+                </a:solidFill>
+              </a:rPr>
+              <a:t>measure.vars</a:t>
+            </a:r>
+            <a:r>
+              <a:rPr lang="en-US" b="0" dirty="0" smtClean="0">
+                <a:solidFill>
+                  <a:srgbClr val="000000"/>
+                </a:solidFill>
+              </a:rPr>
+              <a:t> </a:t>
+            </a:r>
+            <a:r>
+              <a:rPr lang="en-US" b="0" dirty="0">
+                <a:solidFill>
+                  <a:srgbClr val="000000"/>
+                </a:solidFill>
+              </a:rPr>
+              <a:t>= measure ( </a:t>
             </a:r>
           </a:p>
           <a:p>
@@ -26795,8 +27207,68 @@
                   <a:srgbClr val="000000"/>
                 </a:solidFill>
               </a:rPr>
-              <a:t>                value.name,  y, sep="_"))</a:t>
-            </a:r>
+              <a:t>             </a:t>
+            </a:r>
+            <a:r>
+              <a:rPr lang="en-US" b="0" dirty="0" smtClean="0">
+                <a:solidFill>
+                  <a:srgbClr val="000000"/>
+                </a:solidFill>
+              </a:rPr>
+              <a:t>value.name</a:t>
+            </a:r>
+            <a:r>
+              <a:rPr lang="en-US" b="0" dirty="0">
+                <a:solidFill>
+                  <a:srgbClr val="000000"/>
+                </a:solidFill>
+              </a:rPr>
+              <a:t>,  y, sep</a:t>
+            </a:r>
+            <a:r>
+              <a:rPr lang="en-US" b="0" dirty="0" smtClean="0">
+                <a:solidFill>
+                  <a:srgbClr val="000000"/>
+                </a:solidFill>
+              </a:rPr>
+              <a:t>="_") </a:t>
+            </a:r>
+          </a:p>
+          <a:p>
+            <a:pPr lvl="1" indent="0">
+              <a:lnSpc>
+                <a:spcPct val="90000"/>
+              </a:lnSpc>
+            </a:pPr>
+            <a:r>
+              <a:rPr lang="en-US" b="0" dirty="0" smtClean="0">
+                <a:solidFill>
+                  <a:srgbClr val="000000"/>
+                </a:solidFill>
+              </a:rPr>
+              <a:t> </a:t>
+            </a:r>
+            <a:r>
+              <a:rPr lang="en-US" b="0" dirty="0" smtClean="0">
+                <a:solidFill>
+                  <a:srgbClr val="000000"/>
+                </a:solidFill>
+              </a:rPr>
+              <a:t>   </a:t>
+            </a:r>
+            <a:r>
+              <a:rPr lang="en-US" dirty="0" smtClean="0">
+                <a:solidFill>
+                  <a:srgbClr val="000000"/>
+                </a:solidFill>
+              </a:rPr>
+              <a:t>)</a:t>
+            </a:r>
+            <a:endParaRPr lang="en-US" dirty="0">
+              <a:solidFill>
+                <a:srgbClr val="000000"/>
+              </a:solidFill>
+            </a:endParaRPr>
           </a:p>
           <a:p>
             <a:pPr lvl="1" indent="0">
@@ -26820,8 +27292,8 @@
         </p:nvSpPr>
         <p:spPr>
           <a:xfrm>
-            <a:off x="4812083" y="5005761"/>
-            <a:ext cx="4055692" cy="276405"/>
+            <a:off x="4812082" y="5005761"/>
+            <a:ext cx="4331917" cy="276405"/>
           </a:xfrm>
           <a:prstGeom prst="rect">
             <a:avLst/>
@@ -26831,7 +27303,7 @@
           </a:ln>
           <a:extLst>
             <a:ext uri="{C572A759-6A51-4108-AA02-DFA0A04FC94B}">
-              <ma14:wrappingTextBoxFlag xmlns="" xmlns:ma14="http://schemas.microsoft.com/office/mac/drawingml/2011/main" val="1"/>
+              <ma14:wrappingTextBoxFlag xmlns:ma14="http://schemas.microsoft.com/office/mac/drawingml/2011/main" xmlns="" val="1"/>
             </a:ext>
           </a:extLst>
         </p:spPr>
@@ -26874,7 +27346,37 @@
                   </a:schemeClr>
                 </a:solidFill>
               </a:rPr>
-              <a:t> d’un format long en format large. </a:t>
+              <a:t> d’un format </a:t>
+            </a:r>
+            <a:r>
+              <a:rPr lang="fr-FR" b="0" dirty="0" smtClean="0">
+                <a:solidFill>
+                  <a:schemeClr val="tx1">
+                    <a:lumMod val="50000"/>
+                  </a:schemeClr>
+                </a:solidFill>
+              </a:rPr>
+              <a:t>long en </a:t>
+            </a:r>
+            <a:r>
+              <a:rPr lang="fr-FR" b="0" dirty="0">
+                <a:solidFill>
+                  <a:schemeClr val="tx1">
+                    <a:lumMod val="50000"/>
+                  </a:schemeClr>
+                </a:solidFill>
+              </a:rPr>
+              <a:t>format </a:t>
+            </a:r>
+            <a:r>
+              <a:rPr lang="fr-FR" b="0" dirty="0" smtClean="0">
+                <a:solidFill>
+                  <a:schemeClr val="tx1">
+                    <a:lumMod val="50000"/>
+                  </a:schemeClr>
+                </a:solidFill>
+              </a:rPr>
+              <a:t>large. </a:t>
             </a:r>
             <a:endParaRPr lang="fr-FR" b="0" dirty="0">
               <a:solidFill>
@@ -26891,7 +27393,7 @@
           <p:nvPr>
             <p:extLst>
               <p:ext uri="{D42A27DB-BD31-4B8C-83A1-F6EECF244321}">
-                <p14:modId xmlns:p14="http://schemas.microsoft.com/office/powerpoint/2010/main" val="4066342989"/>
+                <p14:modId xmlns:p14="http://schemas.microsoft.com/office/powerpoint/2010/main" xmlns="" val="4066342989"/>
               </p:ext>
             </p:extLst>
           </p:nvPr>
@@ -26910,28 +27412,28 @@
                 <a:gridCol w="154800">
                   <a:extLst>
                     <a:ext uri="{9D8B030D-6E8A-4147-A177-3AD203B41FA5}">
-                      <a16:colId xmlns:a16="http://schemas.microsoft.com/office/drawing/2014/main" val="20000"/>
+                      <a16:colId xmlns:a16="http://schemas.microsoft.com/office/drawing/2014/main" xmlns="" val="20000"/>
                     </a:ext>
                   </a:extLst>
                 </a:gridCol>
                 <a:gridCol w="138004">
                   <a:extLst>
                     <a:ext uri="{9D8B030D-6E8A-4147-A177-3AD203B41FA5}">
-                      <a16:colId xmlns:a16="http://schemas.microsoft.com/office/drawing/2014/main" val="20001"/>
+                      <a16:colId xmlns:a16="http://schemas.microsoft.com/office/drawing/2014/main" xmlns="" val="20001"/>
                     </a:ext>
                   </a:extLst>
                 </a:gridCol>
                 <a:gridCol w="171596">
                   <a:extLst>
                     <a:ext uri="{9D8B030D-6E8A-4147-A177-3AD203B41FA5}">
-                      <a16:colId xmlns:a16="http://schemas.microsoft.com/office/drawing/2014/main" val="20002"/>
+                      <a16:colId xmlns:a16="http://schemas.microsoft.com/office/drawing/2014/main" xmlns="" val="20002"/>
                     </a:ext>
                   </a:extLst>
                 </a:gridCol>
                 <a:gridCol w="154800">
                   <a:extLst>
                     <a:ext uri="{9D8B030D-6E8A-4147-A177-3AD203B41FA5}">
-                      <a16:colId xmlns:a16="http://schemas.microsoft.com/office/drawing/2014/main" val="20003"/>
+                      <a16:colId xmlns:a16="http://schemas.microsoft.com/office/drawing/2014/main" xmlns="" val="20003"/>
                     </a:ext>
                   </a:extLst>
                 </a:gridCol>
@@ -27043,7 +27545,7 @@
                 </a:tc>
                 <a:extLst>
                   <a:ext uri="{0D108BD9-81ED-4DB2-BD59-A6C34878D82A}">
-                    <a16:rowId xmlns:a16="http://schemas.microsoft.com/office/drawing/2014/main" val="10000"/>
+                    <a16:rowId xmlns:a16="http://schemas.microsoft.com/office/drawing/2014/main" xmlns="" val="10000"/>
                   </a:ext>
                 </a:extLst>
               </a:tr>
@@ -27186,7 +27688,7 @@
                 </a:tc>
                 <a:extLst>
                   <a:ext uri="{0D108BD9-81ED-4DB2-BD59-A6C34878D82A}">
-                    <a16:rowId xmlns:a16="http://schemas.microsoft.com/office/drawing/2014/main" val="10001"/>
+                    <a16:rowId xmlns:a16="http://schemas.microsoft.com/office/drawing/2014/main" xmlns="" val="10001"/>
                   </a:ext>
                 </a:extLst>
               </a:tr>
@@ -27338,7 +27840,7 @@
                 </a:tc>
                 <a:extLst>
                   <a:ext uri="{0D108BD9-81ED-4DB2-BD59-A6C34878D82A}">
-                    <a16:rowId xmlns:a16="http://schemas.microsoft.com/office/drawing/2014/main" val="10002"/>
+                    <a16:rowId xmlns:a16="http://schemas.microsoft.com/office/drawing/2014/main" xmlns="" val="10002"/>
                   </a:ext>
                 </a:extLst>
               </a:tr>
@@ -27490,7 +27992,7 @@
                 </a:tc>
                 <a:extLst>
                   <a:ext uri="{0D108BD9-81ED-4DB2-BD59-A6C34878D82A}">
-                    <a16:rowId xmlns:a16="http://schemas.microsoft.com/office/drawing/2014/main" val="10003"/>
+                    <a16:rowId xmlns:a16="http://schemas.microsoft.com/office/drawing/2014/main" xmlns="" val="10003"/>
                   </a:ext>
                 </a:extLst>
               </a:tr>
@@ -27633,7 +28135,7 @@
                 </a:tc>
                 <a:extLst>
                   <a:ext uri="{0D108BD9-81ED-4DB2-BD59-A6C34878D82A}">
-                    <a16:rowId xmlns:a16="http://schemas.microsoft.com/office/drawing/2014/main" val="10004"/>
+                    <a16:rowId xmlns:a16="http://schemas.microsoft.com/office/drawing/2014/main" xmlns="" val="10004"/>
                   </a:ext>
                 </a:extLst>
               </a:tr>
@@ -27702,7 +28204,7 @@
           <p:nvPr>
             <p:extLst>
               <p:ext uri="{D42A27DB-BD31-4B8C-83A1-F6EECF244321}">
-                <p14:modId xmlns:p14="http://schemas.microsoft.com/office/powerpoint/2010/main" val="44970439"/>
+                <p14:modId xmlns:p14="http://schemas.microsoft.com/office/powerpoint/2010/main" xmlns="" val="44970439"/>
               </p:ext>
             </p:extLst>
           </p:nvPr>
@@ -27721,35 +28223,35 @@
                 <a:gridCol w="150314">
                   <a:extLst>
                     <a:ext uri="{9D8B030D-6E8A-4147-A177-3AD203B41FA5}">
-                      <a16:colId xmlns:a16="http://schemas.microsoft.com/office/drawing/2014/main" val="20000"/>
+                      <a16:colId xmlns:a16="http://schemas.microsoft.com/office/drawing/2014/main" xmlns="" val="20000"/>
                     </a:ext>
                   </a:extLst>
                 </a:gridCol>
                 <a:gridCol w="258762">
                   <a:extLst>
                     <a:ext uri="{9D8B030D-6E8A-4147-A177-3AD203B41FA5}">
-                      <a16:colId xmlns:a16="http://schemas.microsoft.com/office/drawing/2014/main" val="20001"/>
+                      <a16:colId xmlns:a16="http://schemas.microsoft.com/office/drawing/2014/main" xmlns="" val="20001"/>
                     </a:ext>
                   </a:extLst>
                 </a:gridCol>
                 <a:gridCol w="252412">
                   <a:extLst>
                     <a:ext uri="{9D8B030D-6E8A-4147-A177-3AD203B41FA5}">
-                      <a16:colId xmlns:a16="http://schemas.microsoft.com/office/drawing/2014/main" val="20002"/>
+                      <a16:colId xmlns:a16="http://schemas.microsoft.com/office/drawing/2014/main" xmlns="" val="20002"/>
                     </a:ext>
                   </a:extLst>
                 </a:gridCol>
                 <a:gridCol w="256987">
                   <a:extLst>
                     <a:ext uri="{9D8B030D-6E8A-4147-A177-3AD203B41FA5}">
-                      <a16:colId xmlns:a16="http://schemas.microsoft.com/office/drawing/2014/main" val="20003"/>
+                      <a16:colId xmlns:a16="http://schemas.microsoft.com/office/drawing/2014/main" xmlns="" val="20003"/>
                     </a:ext>
                   </a:extLst>
                 </a:gridCol>
                 <a:gridCol w="250522">
                   <a:extLst>
                     <a:ext uri="{9D8B030D-6E8A-4147-A177-3AD203B41FA5}">
-                      <a16:colId xmlns:a16="http://schemas.microsoft.com/office/drawing/2014/main" val="20004"/>
+                      <a16:colId xmlns:a16="http://schemas.microsoft.com/office/drawing/2014/main" xmlns="" val="20004"/>
                     </a:ext>
                   </a:extLst>
                 </a:gridCol>
@@ -27887,7 +28389,7 @@
                 </a:tc>
                 <a:extLst>
                   <a:ext uri="{0D108BD9-81ED-4DB2-BD59-A6C34878D82A}">
-                    <a16:rowId xmlns:a16="http://schemas.microsoft.com/office/drawing/2014/main" val="10000"/>
+                    <a16:rowId xmlns:a16="http://schemas.microsoft.com/office/drawing/2014/main" xmlns="" val="10000"/>
                   </a:ext>
                 </a:extLst>
               </a:tr>
@@ -28064,7 +28566,7 @@
                 </a:tc>
                 <a:extLst>
                   <a:ext uri="{0D108BD9-81ED-4DB2-BD59-A6C34878D82A}">
-                    <a16:rowId xmlns:a16="http://schemas.microsoft.com/office/drawing/2014/main" val="10001"/>
+                    <a16:rowId xmlns:a16="http://schemas.microsoft.com/office/drawing/2014/main" xmlns="" val="10001"/>
                   </a:ext>
                 </a:extLst>
               </a:tr>
@@ -28241,7 +28743,7 @@
                 </a:tc>
                 <a:extLst>
                   <a:ext uri="{0D108BD9-81ED-4DB2-BD59-A6C34878D82A}">
-                    <a16:rowId xmlns:a16="http://schemas.microsoft.com/office/drawing/2014/main" val="10002"/>
+                    <a16:rowId xmlns:a16="http://schemas.microsoft.com/office/drawing/2014/main" xmlns="" val="10002"/>
                   </a:ext>
                 </a:extLst>
               </a:tr>
@@ -28268,7 +28770,7 @@
           </a:ln>
           <a:extLst>
             <a:ext uri="{C572A759-6A51-4108-AA02-DFA0A04FC94B}">
-              <ma14:wrappingTextBoxFlag xmlns="" xmlns:ma14="http://schemas.microsoft.com/office/mac/drawingml/2011/main" val="1"/>
+              <ma14:wrappingTextBoxFlag xmlns:ma14="http://schemas.microsoft.com/office/mac/drawingml/2011/main" xmlns="" val="1"/>
             </a:ext>
           </a:extLst>
         </p:spPr>
@@ -28291,7 +28793,17 @@
                   </a:schemeClr>
                 </a:solidFill>
               </a:rPr>
-              <a:t>Restructurer une </a:t>
+              <a:t>Restructurer </a:t>
+            </a:r>
+            <a:r>
+              <a:rPr lang="fr-FR" b="0" dirty="0" smtClean="0">
+                <a:solidFill>
+                  <a:schemeClr val="tx1">
+                    <a:lumMod val="50000"/>
+                  </a:schemeClr>
+                </a:solidFill>
+              </a:rPr>
+              <a:t>un </a:t>
             </a:r>
             <a:r>
               <a:rPr lang="fr-FR" b="0" dirty="0" err="1">
@@ -28324,7 +28836,7 @@
         </p:nvSpPr>
         <p:spPr>
           <a:xfrm flipV="1">
-            <a:off x="9359106" y="4351097"/>
+            <a:off x="9359106" y="4370149"/>
             <a:ext cx="4320000" cy="0"/>
           </a:xfrm>
           <a:prstGeom prst="line">
@@ -28380,7 +28892,7 @@
           </a:ln>
           <a:extLst>
             <a:ext uri="{C572A759-6A51-4108-AA02-DFA0A04FC94B}">
-              <ma14:wrappingTextBoxFlag xmlns="" xmlns:ma14="http://schemas.microsoft.com/office/mac/drawingml/2011/main" val="1"/>
+              <ma14:wrappingTextBoxFlag xmlns:ma14="http://schemas.microsoft.com/office/mac/drawingml/2011/main" xmlns="" val="1"/>
             </a:ext>
           </a:extLst>
         </p:spPr>
@@ -28419,7 +28931,7 @@
           <p:cNvPr id="96" name="Table 95">
             <a:extLst>
               <a:ext uri="{FF2B5EF4-FFF2-40B4-BE49-F238E27FC236}">
-                <a16:creationId xmlns:a16="http://schemas.microsoft.com/office/drawing/2014/main" id="{D888ACE9-7937-1742-8112-74898F785820}"/>
+                <a16:creationId xmlns:a16="http://schemas.microsoft.com/office/drawing/2014/main" xmlns="" id="{D888ACE9-7937-1742-8112-74898F785820}"/>
               </a:ext>
             </a:extLst>
           </p:cNvPr>
@@ -28429,7 +28941,7 @@
           <p:nvPr>
             <p:extLst>
               <p:ext uri="{D42A27DB-BD31-4B8C-83A1-F6EECF244321}">
-                <p14:modId xmlns:p14="http://schemas.microsoft.com/office/powerpoint/2010/main" val="188517551"/>
+                <p14:modId xmlns:p14="http://schemas.microsoft.com/office/powerpoint/2010/main" xmlns="" val="188517551"/>
               </p:ext>
             </p:extLst>
           </p:nvPr>
@@ -28448,14 +28960,14 @@
                 <a:gridCol w="795655">
                   <a:extLst>
                     <a:ext uri="{9D8B030D-6E8A-4147-A177-3AD203B41FA5}">
-                      <a16:colId xmlns:a16="http://schemas.microsoft.com/office/drawing/2014/main" val="985492433"/>
+                      <a16:colId xmlns:a16="http://schemas.microsoft.com/office/drawing/2014/main" xmlns="" val="985492433"/>
                     </a:ext>
                   </a:extLst>
                 </a:gridCol>
                 <a:gridCol w="3639836">
                   <a:extLst>
                     <a:ext uri="{9D8B030D-6E8A-4147-A177-3AD203B41FA5}">
-                      <a16:colId xmlns:a16="http://schemas.microsoft.com/office/drawing/2014/main" val="1441745969"/>
+                      <a16:colId xmlns:a16="http://schemas.microsoft.com/office/drawing/2014/main" xmlns="" val="1441745969"/>
                     </a:ext>
                   </a:extLst>
                 </a:gridCol>
@@ -28475,7 +28987,7 @@
                         </a:spcBef>
                       </a:pPr>
                       <a:r>
-                        <a:rPr lang="fr-FR" sz="1200" b="0" noProof="0">
+                        <a:rPr lang="fr-FR" sz="1200" b="0" noProof="0" dirty="0" err="1">
                           <a:solidFill>
                             <a:srgbClr val="5B6167"/>
                           </a:solidFill>
@@ -28484,7 +28996,7 @@
                         </a:rPr>
                         <a:t>dt</a:t>
                       </a:r>
-                      <a:endParaRPr lang="fr-FR" sz="1200" noProof="0">
+                      <a:endParaRPr lang="fr-FR" sz="1200" noProof="0" dirty="0">
                         <a:solidFill>
                           <a:srgbClr val="5B6167"/>
                         </a:solidFill>
@@ -28563,17 +29075,17 @@
                         <a:defRPr/>
                       </a:pPr>
                       <a:r>
-                        <a:rPr lang="fr-FR" sz="1200" b="0" noProof="0">
+                        <a:rPr lang="fr-FR" sz="1200" b="0" noProof="0" dirty="0" smtClean="0">
                           <a:solidFill>
                             <a:srgbClr val="5B6167"/>
                           </a:solidFill>
                           <a:latin typeface="Source Sans Pro" panose="020B0503030403020204" pitchFamily="34" charset="0"/>
                           <a:ea typeface="Source Sans Pro" panose="020B0503030403020204" pitchFamily="34" charset="0"/>
                         </a:rPr>
-                        <a:t>Une</a:t>
+                        <a:t>Un</a:t>
                       </a:r>
                       <a:r>
-                        <a:rPr lang="fr-FR" sz="1200" b="0" baseline="0" noProof="0">
+                        <a:rPr lang="fr-FR" sz="1200" b="0" baseline="0" noProof="0" dirty="0" smtClean="0">
                           <a:solidFill>
                             <a:srgbClr val="5B6167"/>
                           </a:solidFill>
@@ -28583,16 +29095,26 @@
                         <a:t> </a:t>
                       </a:r>
                       <a:r>
-                        <a:rPr lang="fr-FR" sz="1200" b="0" noProof="0">
+                        <a:rPr lang="fr-FR" sz="1200" b="0" noProof="0" dirty="0" err="1">
                           <a:solidFill>
                             <a:srgbClr val="5B6167"/>
                           </a:solidFill>
                           <a:latin typeface="Source Sans Pro" panose="020B0503030403020204" pitchFamily="34" charset="0"/>
                           <a:ea typeface="Source Sans Pro" panose="020B0503030403020204" pitchFamily="34" charset="0"/>
                         </a:rPr>
-                        <a:t>data.table.</a:t>
+                        <a:t>data.table</a:t>
                       </a:r>
-                      <a:endParaRPr lang="fr-FR" sz="1200" noProof="0">
+                      <a:r>
+                        <a:rPr lang="fr-FR" sz="1200" b="0" noProof="0" dirty="0">
+                          <a:solidFill>
+                            <a:srgbClr val="5B6167"/>
+                          </a:solidFill>
+                          <a:latin typeface="Source Sans Pro" panose="020B0503030403020204" pitchFamily="34" charset="0"/>
+                          <a:ea typeface="Source Sans Pro" panose="020B0503030403020204" pitchFamily="34" charset="0"/>
+                        </a:rPr>
+                        <a:t>.</a:t>
+                      </a:r>
+                      <a:endParaRPr lang="fr-FR" sz="1200" noProof="0" dirty="0">
                         <a:solidFill>
                           <a:srgbClr val="5B6167"/>
                         </a:solidFill>
@@ -28650,7 +29172,7 @@
                 </a:tc>
                 <a:extLst>
                   <a:ext uri="{0D108BD9-81ED-4DB2-BD59-A6C34878D82A}">
-                    <a16:rowId xmlns:a16="http://schemas.microsoft.com/office/drawing/2014/main" val="293864515"/>
+                    <a16:rowId xmlns:a16="http://schemas.microsoft.com/office/drawing/2014/main" xmlns="" val="293864515"/>
                   </a:ext>
                 </a:extLst>
               </a:tr>
@@ -28757,14 +29279,94 @@
                         <a:defRPr/>
                       </a:pPr>
                       <a:r>
-                        <a:rPr lang="fr-FR" sz="1200" b="0" noProof="0">
+                        <a:rPr lang="fr-FR" sz="1200" b="0" noProof="0" dirty="0">
                           <a:solidFill>
                             <a:srgbClr val="5B6167"/>
                           </a:solidFill>
                           <a:latin typeface="Source Sans Pro" panose="020B0503030403020204" pitchFamily="34" charset="0"/>
                           <a:ea typeface="Source Sans Pro" panose="020B0503030403020204" pitchFamily="34" charset="0"/>
                         </a:rPr>
-                        <a:t>Formule avec pour membre gauche : colonnes ID contenant les IDs d’entrées multiples. Et pour membre droit : les colonnes avec les valeurs à distribuer dans les entêtes des colonnes. </a:t>
+                        <a:t>Formule avec pour </a:t>
+                      </a:r>
+                      <a:r>
+                        <a:rPr lang="fr-FR" sz="1200" b="0" noProof="0" dirty="0" smtClean="0">
+                          <a:solidFill>
+                            <a:srgbClr val="5B6167"/>
+                          </a:solidFill>
+                          <a:latin typeface="Source Sans Pro" panose="020B0503030403020204" pitchFamily="34" charset="0"/>
+                          <a:ea typeface="Source Sans Pro" panose="020B0503030403020204" pitchFamily="34" charset="0"/>
+                        </a:rPr>
+                        <a:t>le membre de gauche </a:t>
+                      </a:r>
+                      <a:r>
+                        <a:rPr lang="fr-FR" sz="1200" b="0" noProof="0" dirty="0">
+                          <a:solidFill>
+                            <a:srgbClr val="5B6167"/>
+                          </a:solidFill>
+                          <a:latin typeface="Source Sans Pro" panose="020B0503030403020204" pitchFamily="34" charset="0"/>
+                          <a:ea typeface="Source Sans Pro" panose="020B0503030403020204" pitchFamily="34" charset="0"/>
+                        </a:rPr>
+                        <a:t>: colonnes ID contenant les </a:t>
+                      </a:r>
+                      <a:r>
+                        <a:rPr lang="fr-FR" sz="1200" b="0" noProof="0" dirty="0" err="1">
+                          <a:solidFill>
+                            <a:srgbClr val="5B6167"/>
+                          </a:solidFill>
+                          <a:latin typeface="Source Sans Pro" panose="020B0503030403020204" pitchFamily="34" charset="0"/>
+                          <a:ea typeface="Source Sans Pro" panose="020B0503030403020204" pitchFamily="34" charset="0"/>
+                        </a:rPr>
+                        <a:t>IDs</a:t>
+                      </a:r>
+                      <a:r>
+                        <a:rPr lang="fr-FR" sz="1200" b="0" noProof="0" dirty="0">
+                          <a:solidFill>
+                            <a:srgbClr val="5B6167"/>
+                          </a:solidFill>
+                          <a:latin typeface="Source Sans Pro" panose="020B0503030403020204" pitchFamily="34" charset="0"/>
+                          <a:ea typeface="Source Sans Pro" panose="020B0503030403020204" pitchFamily="34" charset="0"/>
+                        </a:rPr>
+                        <a:t> d’entrées multiples. Et pour membre </a:t>
+                      </a:r>
+                      <a:r>
+                        <a:rPr lang="fr-FR" sz="1200" b="0" noProof="0" dirty="0" smtClean="0">
+                          <a:solidFill>
+                            <a:srgbClr val="5B6167"/>
+                          </a:solidFill>
+                          <a:latin typeface="Source Sans Pro" panose="020B0503030403020204" pitchFamily="34" charset="0"/>
+                          <a:ea typeface="Source Sans Pro" panose="020B0503030403020204" pitchFamily="34" charset="0"/>
+                        </a:rPr>
+                        <a:t>de droite </a:t>
+                      </a:r>
+                      <a:r>
+                        <a:rPr lang="fr-FR" sz="1200" b="0" noProof="0" dirty="0">
+                          <a:solidFill>
+                            <a:srgbClr val="5B6167"/>
+                          </a:solidFill>
+                          <a:latin typeface="Source Sans Pro" panose="020B0503030403020204" pitchFamily="34" charset="0"/>
+                          <a:ea typeface="Source Sans Pro" panose="020B0503030403020204" pitchFamily="34" charset="0"/>
+                        </a:rPr>
+                        <a:t>: les colonnes avec les valeurs à distribuer dans </a:t>
+                      </a:r>
+                      <a:r>
+                        <a:rPr lang="fr-FR" sz="1200" b="0" noProof="0" dirty="0" smtClean="0">
+                          <a:solidFill>
+                            <a:srgbClr val="5B6167"/>
+                          </a:solidFill>
+                          <a:latin typeface="Source Sans Pro" panose="020B0503030403020204" pitchFamily="34" charset="0"/>
+                          <a:ea typeface="Source Sans Pro" panose="020B0503030403020204" pitchFamily="34" charset="0"/>
+                        </a:rPr>
+                        <a:t>l’entête </a:t>
+                      </a:r>
+                      <a:r>
+                        <a:rPr lang="fr-FR" sz="1200" b="0" noProof="0" dirty="0">
+                          <a:solidFill>
+                            <a:srgbClr val="5B6167"/>
+                          </a:solidFill>
+                          <a:latin typeface="Source Sans Pro" panose="020B0503030403020204" pitchFamily="34" charset="0"/>
+                          <a:ea typeface="Source Sans Pro" panose="020B0503030403020204" pitchFamily="34" charset="0"/>
+                        </a:rPr>
+                        <a:t>des colonnes. </a:t>
                       </a:r>
                     </a:p>
                   </a:txBody>
@@ -28817,7 +29419,7 @@
                 </a:tc>
                 <a:extLst>
                   <a:ext uri="{0D108BD9-81ED-4DB2-BD59-A6C34878D82A}">
-                    <a16:rowId xmlns:a16="http://schemas.microsoft.com/office/drawing/2014/main" val="352687017"/>
+                    <a16:rowId xmlns:a16="http://schemas.microsoft.com/office/drawing/2014/main" xmlns="" val="352687017"/>
                   </a:ext>
                 </a:extLst>
               </a:tr>
@@ -28991,7 +29593,7 @@
                 </a:tc>
                 <a:extLst>
                   <a:ext uri="{0D108BD9-81ED-4DB2-BD59-A6C34878D82A}">
-                    <a16:rowId xmlns:a16="http://schemas.microsoft.com/office/drawing/2014/main" val="1630144068"/>
+                    <a16:rowId xmlns:a16="http://schemas.microsoft.com/office/drawing/2014/main" xmlns="" val="1630144068"/>
                   </a:ext>
                 </a:extLst>
               </a:tr>
@@ -29004,7 +29606,7 @@
           <p:cNvPr id="97" name="Table 96">
             <a:extLst>
               <a:ext uri="{FF2B5EF4-FFF2-40B4-BE49-F238E27FC236}">
-                <a16:creationId xmlns:a16="http://schemas.microsoft.com/office/drawing/2014/main" id="{725F88E0-FF3D-8A4A-8ECB-854DE71CF602}"/>
+                <a16:creationId xmlns:a16="http://schemas.microsoft.com/office/drawing/2014/main" xmlns="" id="{725F88E0-FF3D-8A4A-8ECB-854DE71CF602}"/>
               </a:ext>
             </a:extLst>
           </p:cNvPr>
@@ -29014,7 +29616,7 @@
           <p:nvPr>
             <p:extLst>
               <p:ext uri="{D42A27DB-BD31-4B8C-83A1-F6EECF244321}">
-                <p14:modId xmlns:p14="http://schemas.microsoft.com/office/powerpoint/2010/main" val="547704636"/>
+                <p14:modId xmlns:p14="http://schemas.microsoft.com/office/powerpoint/2010/main" xmlns="" val="547704636"/>
               </p:ext>
             </p:extLst>
           </p:nvPr>
@@ -29033,14 +29635,14 @@
                 <a:gridCol w="1033628">
                   <a:extLst>
                     <a:ext uri="{9D8B030D-6E8A-4147-A177-3AD203B41FA5}">
-                      <a16:colId xmlns:a16="http://schemas.microsoft.com/office/drawing/2014/main" val="985492433"/>
+                      <a16:colId xmlns:a16="http://schemas.microsoft.com/office/drawing/2014/main" xmlns="" val="985492433"/>
                     </a:ext>
                   </a:extLst>
                 </a:gridCol>
                 <a:gridCol w="3343278">
                   <a:extLst>
                     <a:ext uri="{9D8B030D-6E8A-4147-A177-3AD203B41FA5}">
-                      <a16:colId xmlns:a16="http://schemas.microsoft.com/office/drawing/2014/main" val="1441745969"/>
+                      <a16:colId xmlns:a16="http://schemas.microsoft.com/office/drawing/2014/main" xmlns="" val="1441745969"/>
                     </a:ext>
                   </a:extLst>
                 </a:gridCol>
@@ -29060,7 +29662,7 @@
                         </a:spcBef>
                       </a:pPr>
                       <a:r>
-                        <a:rPr lang="fr-FR" sz="1200" b="0">
+                        <a:rPr lang="fr-FR" sz="1200" b="0" dirty="0" err="1">
                           <a:solidFill>
                             <a:srgbClr val="5B6167"/>
                           </a:solidFill>
@@ -29148,14 +29750,34 @@
                         <a:defRPr/>
                       </a:pPr>
                       <a:r>
-                        <a:rPr lang="fr-FR" sz="1200" b="0">
+                        <a:rPr lang="fr-FR" sz="1200" b="0" dirty="0" smtClean="0">
                           <a:solidFill>
                             <a:srgbClr val="5B6167"/>
                           </a:solidFill>
                           <a:latin typeface="Source Sans Pro" panose="020B0503030403020204" pitchFamily="34" charset="0"/>
                           <a:ea typeface="Source Sans Pro" panose="020B0503030403020204" pitchFamily="34" charset="0"/>
                         </a:rPr>
-                        <a:t>Une data.table.</a:t>
+                        <a:t>Un </a:t>
+                      </a:r>
+                      <a:r>
+                        <a:rPr lang="fr-FR" sz="1200" b="0" dirty="0" err="1">
+                          <a:solidFill>
+                            <a:srgbClr val="5B6167"/>
+                          </a:solidFill>
+                          <a:latin typeface="Source Sans Pro" panose="020B0503030403020204" pitchFamily="34" charset="0"/>
+                          <a:ea typeface="Source Sans Pro" panose="020B0503030403020204" pitchFamily="34" charset="0"/>
+                        </a:rPr>
+                        <a:t>data.table</a:t>
+                      </a:r>
+                      <a:r>
+                        <a:rPr lang="fr-FR" sz="1200" b="0" dirty="0">
+                          <a:solidFill>
+                            <a:srgbClr val="5B6167"/>
+                          </a:solidFill>
+                          <a:latin typeface="Source Sans Pro" panose="020B0503030403020204" pitchFamily="34" charset="0"/>
+                          <a:ea typeface="Source Sans Pro" panose="020B0503030403020204" pitchFamily="34" charset="0"/>
+                        </a:rPr>
+                        <a:t>.</a:t>
                       </a:r>
                       <a:endParaRPr lang="fr-FR" sz="1200" dirty="0">
                         <a:solidFill>
@@ -29215,7 +29837,7 @@
                 </a:tc>
                 <a:extLst>
                   <a:ext uri="{0D108BD9-81ED-4DB2-BD59-A6C34878D82A}">
-                    <a16:rowId xmlns:a16="http://schemas.microsoft.com/office/drawing/2014/main" val="293864515"/>
+                    <a16:rowId xmlns:a16="http://schemas.microsoft.com/office/drawing/2014/main" xmlns="" val="293864515"/>
                   </a:ext>
                 </a:extLst>
               </a:tr>
@@ -29744,7 +30366,7 @@
                 </a:tc>
                 <a:extLst>
                   <a:ext uri="{0D108BD9-81ED-4DB2-BD59-A6C34878D82A}">
-                    <a16:rowId xmlns:a16="http://schemas.microsoft.com/office/drawing/2014/main" val="352687017"/>
+                    <a16:rowId xmlns:a16="http://schemas.microsoft.com/office/drawing/2014/main" xmlns="" val="352687017"/>
                   </a:ext>
                 </a:extLst>
               </a:tr>
@@ -29898,7 +30520,7 @@
                 </a:tc>
                 <a:extLst>
                   <a:ext uri="{0D108BD9-81ED-4DB2-BD59-A6C34878D82A}">
-                    <a16:rowId xmlns:a16="http://schemas.microsoft.com/office/drawing/2014/main" val="1630144068"/>
+                    <a16:rowId xmlns:a16="http://schemas.microsoft.com/office/drawing/2014/main" xmlns="" val="1630144068"/>
                   </a:ext>
                 </a:extLst>
               </a:tr>
@@ -29916,6 +30538,16 @@
                           <a:spcPts val="200"/>
                         </a:spcBef>
                       </a:pPr>
+                      <a:r>
+                        <a:rPr lang="en-US" sz="1200" b="0" dirty="0">
+                          <a:solidFill>
+                            <a:srgbClr val="5B6167"/>
+                          </a:solidFill>
+                          <a:latin typeface="Source Sans Pro" panose="020B0503030403020204" pitchFamily="34" charset="0"/>
+                          <a:ea typeface="Source Sans Pro" panose="020B0503030403020204" pitchFamily="34" charset="0"/>
+                        </a:rPr>
+                        <a:t/>
+                      </a:r>
                       <a:br>
                         <a:rPr lang="en-US" sz="1200" b="0" dirty="0">
                           <a:solidFill>
@@ -30072,6 +30704,16 @@
                         <a:tabLst/>
                         <a:defRPr/>
                       </a:pPr>
+                      <a:r>
+                        <a:rPr lang="en-US" sz="1200" noProof="0" dirty="0">
+                          <a:solidFill>
+                            <a:srgbClr val="5B6167"/>
+                          </a:solidFill>
+                          <a:latin typeface="Source Sans Pro" panose="020B0503030403020204" pitchFamily="34" charset="0"/>
+                          <a:ea typeface="Source Sans Pro" panose="020B0503030403020204" pitchFamily="34" charset="0"/>
+                        </a:rPr>
+                        <a:t/>
+                      </a:r>
                       <a:br>
                         <a:rPr lang="en-US" sz="1200" noProof="0" dirty="0">
                           <a:solidFill>
@@ -30139,7 +30781,7 @@
                 </a:tc>
                 <a:extLst>
                   <a:ext uri="{0D108BD9-81ED-4DB2-BD59-A6C34878D82A}">
-                    <a16:rowId xmlns:a16="http://schemas.microsoft.com/office/drawing/2014/main" val="2087247653"/>
+                    <a16:rowId xmlns:a16="http://schemas.microsoft.com/office/drawing/2014/main" xmlns="" val="2087247653"/>
                   </a:ext>
                 </a:extLst>
               </a:tr>
@@ -30293,7 +30935,7 @@
                 </a:tc>
                 <a:extLst>
                   <a:ext uri="{0D108BD9-81ED-4DB2-BD59-A6C34878D82A}">
-                    <a16:rowId xmlns:a16="http://schemas.microsoft.com/office/drawing/2014/main" val="2058199522"/>
+                    <a16:rowId xmlns:a16="http://schemas.microsoft.com/office/drawing/2014/main" xmlns="" val="2058199522"/>
                   </a:ext>
                 </a:extLst>
               </a:tr>
@@ -30306,7 +30948,7 @@
           <p:cNvPr id="134" name="Graphic 133">
             <a:extLst>
               <a:ext uri="{FF2B5EF4-FFF2-40B4-BE49-F238E27FC236}">
-                <a16:creationId xmlns:a16="http://schemas.microsoft.com/office/drawing/2014/main" id="{9163FF8E-1C9A-C347-A90F-68E553F7FC6A}"/>
+                <a16:creationId xmlns:a16="http://schemas.microsoft.com/office/drawing/2014/main" xmlns="" id="{9163FF8E-1C9A-C347-A90F-68E553F7FC6A}"/>
               </a:ext>
             </a:extLst>
           </p:cNvPr>
@@ -30336,7 +30978,7 @@
           <p:cNvPr id="133" name="Use headers, colors, and/or backgrounds to separate or group together sections.">
             <a:extLst>
               <a:ext uri="{FF2B5EF4-FFF2-40B4-BE49-F238E27FC236}">
-                <a16:creationId xmlns:a16="http://schemas.microsoft.com/office/drawing/2014/main" id="{0C396202-9E18-464B-BF48-226ABDFEE842}"/>
+                <a16:creationId xmlns:a16="http://schemas.microsoft.com/office/drawing/2014/main" xmlns="" id="{0C396202-9E18-464B-BF48-226ABDFEE842}"/>
               </a:ext>
             </a:extLst>
           </p:cNvPr>
@@ -30356,7 +30998,7 @@
           </a:ln>
           <a:extLst>
             <a:ext uri="{C572A759-6A51-4108-AA02-DFA0A04FC94B}">
-              <ma14:wrappingTextBoxFlag xmlns="" xmlns:ma14="http://schemas.microsoft.com/office/mac/drawingml/2011/main" val="1"/>
+              <ma14:wrappingTextBoxFlag xmlns:ma14="http://schemas.microsoft.com/office/mac/drawingml/2011/main" xmlns="" val="1"/>
             </a:ext>
           </a:extLst>
         </p:spPr>
@@ -30419,7 +31061,7 @@
           <p:cNvPr id="135" name="Table">
             <a:extLst>
               <a:ext uri="{FF2B5EF4-FFF2-40B4-BE49-F238E27FC236}">
-                <a16:creationId xmlns:a16="http://schemas.microsoft.com/office/drawing/2014/main" id="{9C8AD6D5-DB64-C346-8A99-4F949EA9B409}"/>
+                <a16:creationId xmlns:a16="http://schemas.microsoft.com/office/drawing/2014/main" xmlns="" id="{9C8AD6D5-DB64-C346-8A99-4F949EA9B409}"/>
               </a:ext>
             </a:extLst>
           </p:cNvPr>
@@ -30427,7 +31069,7 @@
           <p:nvPr>
             <p:extLst>
               <p:ext uri="{D42A27DB-BD31-4B8C-83A1-F6EECF244321}">
-                <p14:modId xmlns:p14="http://schemas.microsoft.com/office/powerpoint/2010/main" val="2508528484"/>
+                <p14:modId xmlns:p14="http://schemas.microsoft.com/office/powerpoint/2010/main" xmlns="" val="2508528484"/>
               </p:ext>
             </p:extLst>
           </p:nvPr>
@@ -30449,21 +31091,21 @@
                 <a:gridCol w="151200">
                   <a:extLst>
                     <a:ext uri="{9D8B030D-6E8A-4147-A177-3AD203B41FA5}">
-                      <a16:colId xmlns:a16="http://schemas.microsoft.com/office/drawing/2014/main" val="20000"/>
+                      <a16:colId xmlns:a16="http://schemas.microsoft.com/office/drawing/2014/main" xmlns="" val="20000"/>
                     </a:ext>
                   </a:extLst>
                 </a:gridCol>
                 <a:gridCol w="151200">
                   <a:extLst>
                     <a:ext uri="{9D8B030D-6E8A-4147-A177-3AD203B41FA5}">
-                      <a16:colId xmlns:a16="http://schemas.microsoft.com/office/drawing/2014/main" val="20001"/>
+                      <a16:colId xmlns:a16="http://schemas.microsoft.com/office/drawing/2014/main" xmlns="" val="20001"/>
                     </a:ext>
                   </a:extLst>
                 </a:gridCol>
                 <a:gridCol w="151200">
                   <a:extLst>
                     <a:ext uri="{9D8B030D-6E8A-4147-A177-3AD203B41FA5}">
-                      <a16:colId xmlns:a16="http://schemas.microsoft.com/office/drawing/2014/main" val="20002"/>
+                      <a16:colId xmlns:a16="http://schemas.microsoft.com/office/drawing/2014/main" xmlns="" val="20002"/>
                     </a:ext>
                   </a:extLst>
                 </a:gridCol>
@@ -30549,7 +31191,7 @@
                 </a:tc>
                 <a:extLst>
                   <a:ext uri="{0D108BD9-81ED-4DB2-BD59-A6C34878D82A}">
-                    <a16:rowId xmlns:a16="http://schemas.microsoft.com/office/drawing/2014/main" val="10000"/>
+                    <a16:rowId xmlns:a16="http://schemas.microsoft.com/office/drawing/2014/main" xmlns="" val="10000"/>
                   </a:ext>
                 </a:extLst>
               </a:tr>
@@ -30646,7 +31288,7 @@
                 </a:tc>
                 <a:extLst>
                   <a:ext uri="{0D108BD9-81ED-4DB2-BD59-A6C34878D82A}">
-                    <a16:rowId xmlns:a16="http://schemas.microsoft.com/office/drawing/2014/main" val="10001"/>
+                    <a16:rowId xmlns:a16="http://schemas.microsoft.com/office/drawing/2014/main" xmlns="" val="10001"/>
                   </a:ext>
                 </a:extLst>
               </a:tr>
@@ -30743,7 +31385,7 @@
                 </a:tc>
                 <a:extLst>
                   <a:ext uri="{0D108BD9-81ED-4DB2-BD59-A6C34878D82A}">
-                    <a16:rowId xmlns:a16="http://schemas.microsoft.com/office/drawing/2014/main" val="10002"/>
+                    <a16:rowId xmlns:a16="http://schemas.microsoft.com/office/drawing/2014/main" xmlns="" val="10002"/>
                   </a:ext>
                 </a:extLst>
               </a:tr>
@@ -30756,7 +31398,7 @@
           <p:cNvPr id="136" name="Line">
             <a:extLst>
               <a:ext uri="{FF2B5EF4-FFF2-40B4-BE49-F238E27FC236}">
-                <a16:creationId xmlns:a16="http://schemas.microsoft.com/office/drawing/2014/main" id="{696663BE-E143-AB44-837F-761306C82E85}"/>
+                <a16:creationId xmlns:a16="http://schemas.microsoft.com/office/drawing/2014/main" xmlns="" id="{696663BE-E143-AB44-837F-761306C82E85}"/>
               </a:ext>
             </a:extLst>
           </p:cNvPr>
@@ -30816,7 +31458,7 @@
           <p:cNvPr id="137" name="Table">
             <a:extLst>
               <a:ext uri="{FF2B5EF4-FFF2-40B4-BE49-F238E27FC236}">
-                <a16:creationId xmlns:a16="http://schemas.microsoft.com/office/drawing/2014/main" id="{5069B41E-8080-4349-A966-1FC08E4E089D}"/>
+                <a16:creationId xmlns:a16="http://schemas.microsoft.com/office/drawing/2014/main" xmlns="" id="{5069B41E-8080-4349-A966-1FC08E4E089D}"/>
               </a:ext>
             </a:extLst>
           </p:cNvPr>
@@ -30824,7 +31466,7 @@
           <p:nvPr>
             <p:extLst>
               <p:ext uri="{D42A27DB-BD31-4B8C-83A1-F6EECF244321}">
-                <p14:modId xmlns:p14="http://schemas.microsoft.com/office/powerpoint/2010/main" val="1738896368"/>
+                <p14:modId xmlns:p14="http://schemas.microsoft.com/office/powerpoint/2010/main" xmlns="" val="1738896368"/>
               </p:ext>
             </p:extLst>
           </p:nvPr>
@@ -30843,21 +31485,21 @@
                 <a:gridCol w="151200">
                   <a:extLst>
                     <a:ext uri="{9D8B030D-6E8A-4147-A177-3AD203B41FA5}">
-                      <a16:colId xmlns:a16="http://schemas.microsoft.com/office/drawing/2014/main" val="20000"/>
+                      <a16:colId xmlns:a16="http://schemas.microsoft.com/office/drawing/2014/main" xmlns="" val="20000"/>
                     </a:ext>
                   </a:extLst>
                 </a:gridCol>
                 <a:gridCol w="151200">
                   <a:extLst>
                     <a:ext uri="{9D8B030D-6E8A-4147-A177-3AD203B41FA5}">
-                      <a16:colId xmlns:a16="http://schemas.microsoft.com/office/drawing/2014/main" val="20001"/>
+                      <a16:colId xmlns:a16="http://schemas.microsoft.com/office/drawing/2014/main" xmlns="" val="20001"/>
                     </a:ext>
                   </a:extLst>
                 </a:gridCol>
                 <a:gridCol w="151200">
                   <a:extLst>
                     <a:ext uri="{9D8B030D-6E8A-4147-A177-3AD203B41FA5}">
-                      <a16:colId xmlns:a16="http://schemas.microsoft.com/office/drawing/2014/main" val="20002"/>
+                      <a16:colId xmlns:a16="http://schemas.microsoft.com/office/drawing/2014/main" xmlns="" val="20002"/>
                     </a:ext>
                   </a:extLst>
                 </a:gridCol>
@@ -30943,7 +31585,7 @@
                 </a:tc>
                 <a:extLst>
                   <a:ext uri="{0D108BD9-81ED-4DB2-BD59-A6C34878D82A}">
-                    <a16:rowId xmlns:a16="http://schemas.microsoft.com/office/drawing/2014/main" val="10000"/>
+                    <a16:rowId xmlns:a16="http://schemas.microsoft.com/office/drawing/2014/main" xmlns="" val="10000"/>
                   </a:ext>
                 </a:extLst>
               </a:tr>
@@ -31040,7 +31682,7 @@
                 </a:tc>
                 <a:extLst>
                   <a:ext uri="{0D108BD9-81ED-4DB2-BD59-A6C34878D82A}">
-                    <a16:rowId xmlns:a16="http://schemas.microsoft.com/office/drawing/2014/main" val="10001"/>
+                    <a16:rowId xmlns:a16="http://schemas.microsoft.com/office/drawing/2014/main" xmlns="" val="10001"/>
                   </a:ext>
                 </a:extLst>
               </a:tr>
@@ -31137,7 +31779,7 @@
                 </a:tc>
                 <a:extLst>
                   <a:ext uri="{0D108BD9-81ED-4DB2-BD59-A6C34878D82A}">
-                    <a16:rowId xmlns:a16="http://schemas.microsoft.com/office/drawing/2014/main" val="10002"/>
+                    <a16:rowId xmlns:a16="http://schemas.microsoft.com/office/drawing/2014/main" xmlns="" val="10002"/>
                   </a:ext>
                 </a:extLst>
               </a:tr>
@@ -31234,7 +31876,7 @@
                 </a:tc>
                 <a:extLst>
                   <a:ext uri="{0D108BD9-81ED-4DB2-BD59-A6C34878D82A}">
-                    <a16:rowId xmlns:a16="http://schemas.microsoft.com/office/drawing/2014/main" val="10004"/>
+                    <a16:rowId xmlns:a16="http://schemas.microsoft.com/office/drawing/2014/main" xmlns="" val="10004"/>
                   </a:ext>
                 </a:extLst>
               </a:tr>
@@ -31247,7 +31889,7 @@
           <p:cNvPr id="138" name="Rektangel 233">
             <a:extLst>
               <a:ext uri="{FF2B5EF4-FFF2-40B4-BE49-F238E27FC236}">
-                <a16:creationId xmlns:a16="http://schemas.microsoft.com/office/drawing/2014/main" id="{B1705F28-49EC-904F-8301-BBB43A56FFE4}"/>
+                <a16:creationId xmlns:a16="http://schemas.microsoft.com/office/drawing/2014/main" xmlns="" id="{B1705F28-49EC-904F-8301-BBB43A56FFE4}"/>
               </a:ext>
             </a:extLst>
           </p:cNvPr>
@@ -31282,7 +31924,7 @@
           <p:cNvPr id="139" name="Line">
             <a:extLst>
               <a:ext uri="{FF2B5EF4-FFF2-40B4-BE49-F238E27FC236}">
-                <a16:creationId xmlns:a16="http://schemas.microsoft.com/office/drawing/2014/main" id="{ED5A95C8-3B26-F14E-BABB-4B05CA4324A0}"/>
+                <a16:creationId xmlns:a16="http://schemas.microsoft.com/office/drawing/2014/main" xmlns="" id="{ED5A95C8-3B26-F14E-BABB-4B05CA4324A0}"/>
               </a:ext>
             </a:extLst>
           </p:cNvPr>
@@ -31335,7 +31977,7 @@
           <p:cNvPr id="140" name="Rektangel 2">
             <a:extLst>
               <a:ext uri="{FF2B5EF4-FFF2-40B4-BE49-F238E27FC236}">
-                <a16:creationId xmlns:a16="http://schemas.microsoft.com/office/drawing/2014/main" id="{DE36B239-B9D7-4B48-9C30-718452AB5C20}"/>
+                <a16:creationId xmlns:a16="http://schemas.microsoft.com/office/drawing/2014/main" xmlns="" id="{DE36B239-B9D7-4B48-9C30-718452AB5C20}"/>
               </a:ext>
             </a:extLst>
           </p:cNvPr>
@@ -31418,7 +32060,7 @@
           <p:cNvPr id="176" name="Line">
             <a:extLst>
               <a:ext uri="{FF2B5EF4-FFF2-40B4-BE49-F238E27FC236}">
-                <a16:creationId xmlns:a16="http://schemas.microsoft.com/office/drawing/2014/main" id="{0E6EC67C-D120-3645-A37F-F7B0618C1CE3}"/>
+                <a16:creationId xmlns:a16="http://schemas.microsoft.com/office/drawing/2014/main" xmlns="" id="{0E6EC67C-D120-3645-A37F-F7B0618C1CE3}"/>
               </a:ext>
             </a:extLst>
           </p:cNvPr>
@@ -31427,7 +32069,7 @@
         </p:nvSpPr>
         <p:spPr>
           <a:xfrm flipV="1">
-            <a:off x="9356759" y="7688302"/>
+            <a:off x="9356759" y="7712117"/>
             <a:ext cx="4320000" cy="0"/>
           </a:xfrm>
           <a:prstGeom prst="line">
@@ -31469,7 +32111,7 @@
           <p:cNvPr id="177" name="Layout Suggestions">
             <a:extLst>
               <a:ext uri="{FF2B5EF4-FFF2-40B4-BE49-F238E27FC236}">
-                <a16:creationId xmlns:a16="http://schemas.microsoft.com/office/drawing/2014/main" id="{3DB7DEC3-69FE-4F45-AA0A-0DEDBA8F8165}"/>
+                <a16:creationId xmlns:a16="http://schemas.microsoft.com/office/drawing/2014/main" xmlns="" id="{3DB7DEC3-69FE-4F45-AA0A-0DEDBA8F8165}"/>
               </a:ext>
             </a:extLst>
           </p:cNvPr>
@@ -31489,7 +32131,7 @@
           </a:ln>
           <a:extLst>
             <a:ext uri="{C572A759-6A51-4108-AA02-DFA0A04FC94B}">
-              <ma14:wrappingTextBoxFlag xmlns="" xmlns:ma14="http://schemas.microsoft.com/office/mac/drawingml/2011/main" val="1"/>
+              <ma14:wrappingTextBoxFlag xmlns:ma14="http://schemas.microsoft.com/office/mac/drawingml/2011/main" xmlns="" val="1"/>
             </a:ext>
           </a:extLst>
         </p:spPr>
@@ -31528,7 +32170,7 @@
           <p:cNvPr id="178" name="Rektangel 155">
             <a:extLst>
               <a:ext uri="{FF2B5EF4-FFF2-40B4-BE49-F238E27FC236}">
-                <a16:creationId xmlns:a16="http://schemas.microsoft.com/office/drawing/2014/main" id="{B038AC34-4A7A-D242-9897-3F8A428B219F}"/>
+                <a16:creationId xmlns:a16="http://schemas.microsoft.com/office/drawing/2014/main" xmlns="" id="{B038AC34-4A7A-D242-9897-3F8A428B219F}"/>
               </a:ext>
             </a:extLst>
           </p:cNvPr>
@@ -31563,7 +32205,7 @@
           <p:cNvPr id="179" name="Line">
             <a:extLst>
               <a:ext uri="{FF2B5EF4-FFF2-40B4-BE49-F238E27FC236}">
-                <a16:creationId xmlns:a16="http://schemas.microsoft.com/office/drawing/2014/main" id="{AC20BEC0-106F-A04E-BFF2-6EEE149FBF88}"/>
+                <a16:creationId xmlns:a16="http://schemas.microsoft.com/office/drawing/2014/main" xmlns="" id="{AC20BEC0-106F-A04E-BFF2-6EEE149FBF88}"/>
               </a:ext>
             </a:extLst>
           </p:cNvPr>
@@ -31616,7 +32258,7 @@
           <p:cNvPr id="181" name="Use headers, colors, and/or backgrounds to separate or group together sections.">
             <a:extLst>
               <a:ext uri="{FF2B5EF4-FFF2-40B4-BE49-F238E27FC236}">
-                <a16:creationId xmlns:a16="http://schemas.microsoft.com/office/drawing/2014/main" id="{B965A2A8-07AB-FA4A-9EF1-25CF40429C89}"/>
+                <a16:creationId xmlns:a16="http://schemas.microsoft.com/office/drawing/2014/main" xmlns="" id="{B965A2A8-07AB-FA4A-9EF1-25CF40429C89}"/>
               </a:ext>
             </a:extLst>
           </p:cNvPr>
@@ -31636,7 +32278,7 @@
           </a:ln>
           <a:extLst>
             <a:ext uri="{C572A759-6A51-4108-AA02-DFA0A04FC94B}">
-              <ma14:wrappingTextBoxFlag xmlns="" xmlns:ma14="http://schemas.microsoft.com/office/mac/drawingml/2011/main" val="1"/>
+              <ma14:wrappingTextBoxFlag xmlns:ma14="http://schemas.microsoft.com/office/mac/drawingml/2011/main" xmlns="" val="1"/>
             </a:ext>
           </a:extLst>
         </p:spPr>
@@ -31806,7 +32448,7 @@
           <p:cNvPr id="182" name="Rektangel 159">
             <a:extLst>
               <a:ext uri="{FF2B5EF4-FFF2-40B4-BE49-F238E27FC236}">
-                <a16:creationId xmlns:a16="http://schemas.microsoft.com/office/drawing/2014/main" id="{8F960253-C848-8749-8CD3-96FCF54FF180}"/>
+                <a16:creationId xmlns:a16="http://schemas.microsoft.com/office/drawing/2014/main" xmlns="" id="{8F960253-C848-8749-8CD3-96FCF54FF180}"/>
               </a:ext>
             </a:extLst>
           </p:cNvPr>
@@ -31841,7 +32483,7 @@
           <p:cNvPr id="183" name="Line">
             <a:extLst>
               <a:ext uri="{FF2B5EF4-FFF2-40B4-BE49-F238E27FC236}">
-                <a16:creationId xmlns:a16="http://schemas.microsoft.com/office/drawing/2014/main" id="{60B5A5C6-7273-C446-8A46-584A87A3B57B}"/>
+                <a16:creationId xmlns:a16="http://schemas.microsoft.com/office/drawing/2014/main" xmlns="" id="{60B5A5C6-7273-C446-8A46-584A87A3B57B}"/>
               </a:ext>
             </a:extLst>
           </p:cNvPr>
@@ -31894,7 +32536,7 @@
           <p:cNvPr id="184" name="Use headers, colors, and/or backgrounds to separate or group together sections.">
             <a:extLst>
               <a:ext uri="{FF2B5EF4-FFF2-40B4-BE49-F238E27FC236}">
-                <a16:creationId xmlns:a16="http://schemas.microsoft.com/office/drawing/2014/main" id="{747CA66B-94D9-3948-89F6-A0F219DD4A6A}"/>
+                <a16:creationId xmlns:a16="http://schemas.microsoft.com/office/drawing/2014/main" xmlns="" id="{747CA66B-94D9-3948-89F6-A0F219DD4A6A}"/>
               </a:ext>
             </a:extLst>
           </p:cNvPr>
@@ -31914,7 +32556,7 @@
           </a:ln>
           <a:extLst>
             <a:ext uri="{C572A759-6A51-4108-AA02-DFA0A04FC94B}">
-              <ma14:wrappingTextBoxFlag xmlns="" xmlns:ma14="http://schemas.microsoft.com/office/mac/drawingml/2011/main" val="1"/>
+              <ma14:wrappingTextBoxFlag xmlns:ma14="http://schemas.microsoft.com/office/mac/drawingml/2011/main" xmlns="" val="1"/>
             </a:ext>
           </a:extLst>
         </p:spPr>
@@ -32001,7 +32643,7 @@
           <p:cNvPr id="185" name="Use headers, colors, and/or backgrounds to separate or group together sections.">
             <a:extLst>
               <a:ext uri="{FF2B5EF4-FFF2-40B4-BE49-F238E27FC236}">
-                <a16:creationId xmlns:a16="http://schemas.microsoft.com/office/drawing/2014/main" id="{AC1C5AEF-A815-8D40-A386-513D5A00ABCA}"/>
+                <a16:creationId xmlns:a16="http://schemas.microsoft.com/office/drawing/2014/main" xmlns="" id="{AC1C5AEF-A815-8D40-A386-513D5A00ABCA}"/>
               </a:ext>
             </a:extLst>
           </p:cNvPr>
@@ -32021,7 +32663,7 @@
           </a:ln>
           <a:extLst>
             <a:ext uri="{C572A759-6A51-4108-AA02-DFA0A04FC94B}">
-              <ma14:wrappingTextBoxFlag xmlns="" xmlns:ma14="http://schemas.microsoft.com/office/mac/drawingml/2011/main" val="1"/>
+              <ma14:wrappingTextBoxFlag xmlns:ma14="http://schemas.microsoft.com/office/mac/drawingml/2011/main" xmlns="" val="1"/>
             </a:ext>
           </a:extLst>
         </p:spPr>
@@ -32116,7 +32758,7 @@
           <p:cNvPr id="188" name="Table">
             <a:extLst>
               <a:ext uri="{FF2B5EF4-FFF2-40B4-BE49-F238E27FC236}">
-                <a16:creationId xmlns:a16="http://schemas.microsoft.com/office/drawing/2014/main" id="{DBBF6157-07E8-2448-9DEF-52F204CA035F}"/>
+                <a16:creationId xmlns:a16="http://schemas.microsoft.com/office/drawing/2014/main" xmlns="" id="{DBBF6157-07E8-2448-9DEF-52F204CA035F}"/>
               </a:ext>
             </a:extLst>
           </p:cNvPr>
@@ -32124,7 +32766,7 @@
           <p:nvPr>
             <p:extLst>
               <p:ext uri="{D42A27DB-BD31-4B8C-83A1-F6EECF244321}">
-                <p14:modId xmlns:p14="http://schemas.microsoft.com/office/powerpoint/2010/main" val="970800801"/>
+                <p14:modId xmlns:p14="http://schemas.microsoft.com/office/powerpoint/2010/main" xmlns="" val="970800801"/>
               </p:ext>
             </p:extLst>
           </p:nvPr>
@@ -32146,21 +32788,21 @@
                 <a:gridCol w="154800">
                   <a:extLst>
                     <a:ext uri="{9D8B030D-6E8A-4147-A177-3AD203B41FA5}">
-                      <a16:colId xmlns:a16="http://schemas.microsoft.com/office/drawing/2014/main" val="20000"/>
+                      <a16:colId xmlns:a16="http://schemas.microsoft.com/office/drawing/2014/main" xmlns="" val="20000"/>
                     </a:ext>
                   </a:extLst>
                 </a:gridCol>
                 <a:gridCol w="154800">
                   <a:extLst>
                     <a:ext uri="{9D8B030D-6E8A-4147-A177-3AD203B41FA5}">
-                      <a16:colId xmlns:a16="http://schemas.microsoft.com/office/drawing/2014/main" val="20001"/>
+                      <a16:colId xmlns:a16="http://schemas.microsoft.com/office/drawing/2014/main" xmlns="" val="20001"/>
                     </a:ext>
                   </a:extLst>
                 </a:gridCol>
                 <a:gridCol w="154800">
                   <a:extLst>
                     <a:ext uri="{9D8B030D-6E8A-4147-A177-3AD203B41FA5}">
-                      <a16:colId xmlns:a16="http://schemas.microsoft.com/office/drawing/2014/main" val="20002"/>
+                      <a16:colId xmlns:a16="http://schemas.microsoft.com/office/drawing/2014/main" xmlns="" val="20002"/>
                     </a:ext>
                   </a:extLst>
                 </a:gridCol>
@@ -32246,7 +32888,7 @@
                 </a:tc>
                 <a:extLst>
                   <a:ext uri="{0D108BD9-81ED-4DB2-BD59-A6C34878D82A}">
-                    <a16:rowId xmlns:a16="http://schemas.microsoft.com/office/drawing/2014/main" val="10000"/>
+                    <a16:rowId xmlns:a16="http://schemas.microsoft.com/office/drawing/2014/main" xmlns="" val="10000"/>
                   </a:ext>
                 </a:extLst>
               </a:tr>
@@ -32347,7 +32989,7 @@
                 </a:tc>
                 <a:extLst>
                   <a:ext uri="{0D108BD9-81ED-4DB2-BD59-A6C34878D82A}">
-                    <a16:rowId xmlns:a16="http://schemas.microsoft.com/office/drawing/2014/main" val="10001"/>
+                    <a16:rowId xmlns:a16="http://schemas.microsoft.com/office/drawing/2014/main" xmlns="" val="10001"/>
                   </a:ext>
                 </a:extLst>
               </a:tr>
@@ -32448,7 +33090,7 @@
                 </a:tc>
                 <a:extLst>
                   <a:ext uri="{0D108BD9-81ED-4DB2-BD59-A6C34878D82A}">
-                    <a16:rowId xmlns:a16="http://schemas.microsoft.com/office/drawing/2014/main" val="2906400767"/>
+                    <a16:rowId xmlns:a16="http://schemas.microsoft.com/office/drawing/2014/main" xmlns="" val="2906400767"/>
                   </a:ext>
                 </a:extLst>
               </a:tr>
@@ -32549,7 +33191,7 @@
                 </a:tc>
                 <a:extLst>
                   <a:ext uri="{0D108BD9-81ED-4DB2-BD59-A6C34878D82A}">
-                    <a16:rowId xmlns:a16="http://schemas.microsoft.com/office/drawing/2014/main" val="1131086346"/>
+                    <a16:rowId xmlns:a16="http://schemas.microsoft.com/office/drawing/2014/main" xmlns="" val="1131086346"/>
                   </a:ext>
                 </a:extLst>
               </a:tr>
@@ -32562,7 +33204,7 @@
           <p:cNvPr id="189" name="Line">
             <a:extLst>
               <a:ext uri="{FF2B5EF4-FFF2-40B4-BE49-F238E27FC236}">
-                <a16:creationId xmlns:a16="http://schemas.microsoft.com/office/drawing/2014/main" id="{6E740812-550F-A74A-9F29-CDD87CA6C0CC}"/>
+                <a16:creationId xmlns:a16="http://schemas.microsoft.com/office/drawing/2014/main" xmlns="" id="{6E740812-550F-A74A-9F29-CDD87CA6C0CC}"/>
               </a:ext>
             </a:extLst>
           </p:cNvPr>
@@ -32622,7 +33264,7 @@
           <p:cNvPr id="190" name="Table">
             <a:extLst>
               <a:ext uri="{FF2B5EF4-FFF2-40B4-BE49-F238E27FC236}">
-                <a16:creationId xmlns:a16="http://schemas.microsoft.com/office/drawing/2014/main" id="{421648D4-4E7F-C44B-908F-938A70381EA7}"/>
+                <a16:creationId xmlns:a16="http://schemas.microsoft.com/office/drawing/2014/main" xmlns="" id="{421648D4-4E7F-C44B-908F-938A70381EA7}"/>
               </a:ext>
             </a:extLst>
           </p:cNvPr>
@@ -32630,7 +33272,7 @@
           <p:nvPr>
             <p:extLst>
               <p:ext uri="{D42A27DB-BD31-4B8C-83A1-F6EECF244321}">
-                <p14:modId xmlns:p14="http://schemas.microsoft.com/office/powerpoint/2010/main" val="204463635"/>
+                <p14:modId xmlns:p14="http://schemas.microsoft.com/office/powerpoint/2010/main" xmlns="" val="204463635"/>
               </p:ext>
             </p:extLst>
           </p:nvPr>
@@ -32649,14 +33291,14 @@
                 <a:gridCol w="154800">
                   <a:extLst>
                     <a:ext uri="{9D8B030D-6E8A-4147-A177-3AD203B41FA5}">
-                      <a16:colId xmlns:a16="http://schemas.microsoft.com/office/drawing/2014/main" val="20000"/>
+                      <a16:colId xmlns:a16="http://schemas.microsoft.com/office/drawing/2014/main" xmlns="" val="20000"/>
                     </a:ext>
                   </a:extLst>
                 </a:gridCol>
                 <a:gridCol w="154800">
                   <a:extLst>
                     <a:ext uri="{9D8B030D-6E8A-4147-A177-3AD203B41FA5}">
-                      <a16:colId xmlns:a16="http://schemas.microsoft.com/office/drawing/2014/main" val="20001"/>
+                      <a16:colId xmlns:a16="http://schemas.microsoft.com/office/drawing/2014/main" xmlns="" val="20001"/>
                     </a:ext>
                   </a:extLst>
                 </a:gridCol>
@@ -32716,7 +33358,7 @@
                 </a:tc>
                 <a:extLst>
                   <a:ext uri="{0D108BD9-81ED-4DB2-BD59-A6C34878D82A}">
-                    <a16:rowId xmlns:a16="http://schemas.microsoft.com/office/drawing/2014/main" val="10000"/>
+                    <a16:rowId xmlns:a16="http://schemas.microsoft.com/office/drawing/2014/main" xmlns="" val="10000"/>
                   </a:ext>
                 </a:extLst>
               </a:tr>
@@ -32791,7 +33433,7 @@
                 </a:tc>
                 <a:extLst>
                   <a:ext uri="{0D108BD9-81ED-4DB2-BD59-A6C34878D82A}">
-                    <a16:rowId xmlns:a16="http://schemas.microsoft.com/office/drawing/2014/main" val="10001"/>
+                    <a16:rowId xmlns:a16="http://schemas.microsoft.com/office/drawing/2014/main" xmlns="" val="10001"/>
                   </a:ext>
                 </a:extLst>
               </a:tr>
@@ -32866,7 +33508,7 @@
                 </a:tc>
                 <a:extLst>
                   <a:ext uri="{0D108BD9-81ED-4DB2-BD59-A6C34878D82A}">
-                    <a16:rowId xmlns:a16="http://schemas.microsoft.com/office/drawing/2014/main" val="10002"/>
+                    <a16:rowId xmlns:a16="http://schemas.microsoft.com/office/drawing/2014/main" xmlns="" val="10002"/>
                   </a:ext>
                 </a:extLst>
               </a:tr>
@@ -32941,7 +33583,7 @@
                 </a:tc>
                 <a:extLst>
                   <a:ext uri="{0D108BD9-81ED-4DB2-BD59-A6C34878D82A}">
-                    <a16:rowId xmlns:a16="http://schemas.microsoft.com/office/drawing/2014/main" val="10004"/>
+                    <a16:rowId xmlns:a16="http://schemas.microsoft.com/office/drawing/2014/main" xmlns="" val="10004"/>
                   </a:ext>
                 </a:extLst>
               </a:tr>
@@ -32954,7 +33596,7 @@
           <p:cNvPr id="191" name="Rektangel 233">
             <a:extLst>
               <a:ext uri="{FF2B5EF4-FFF2-40B4-BE49-F238E27FC236}">
-                <a16:creationId xmlns:a16="http://schemas.microsoft.com/office/drawing/2014/main" id="{2A2A6639-064D-F74C-BF62-FC9050054137}"/>
+                <a16:creationId xmlns:a16="http://schemas.microsoft.com/office/drawing/2014/main" xmlns="" id="{2A2A6639-064D-F74C-BF62-FC9050054137}"/>
               </a:ext>
             </a:extLst>
           </p:cNvPr>
@@ -32989,7 +33631,7 @@
           <p:cNvPr id="192" name="Line">
             <a:extLst>
               <a:ext uri="{FF2B5EF4-FFF2-40B4-BE49-F238E27FC236}">
-                <a16:creationId xmlns:a16="http://schemas.microsoft.com/office/drawing/2014/main" id="{88EEE6AE-E62A-2D4F-806F-7EA6C7B86367}"/>
+                <a16:creationId xmlns:a16="http://schemas.microsoft.com/office/drawing/2014/main" xmlns="" id="{88EEE6AE-E62A-2D4F-806F-7EA6C7B86367}"/>
               </a:ext>
             </a:extLst>
           </p:cNvPr>
@@ -33042,7 +33684,7 @@
           <p:cNvPr id="193" name="Use headers, colors, and/or backgrounds to separate or group together sections.">
             <a:extLst>
               <a:ext uri="{FF2B5EF4-FFF2-40B4-BE49-F238E27FC236}">
-                <a16:creationId xmlns:a16="http://schemas.microsoft.com/office/drawing/2014/main" id="{355C3CC6-3290-CE4F-9781-ABDA3E67AB7C}"/>
+                <a16:creationId xmlns:a16="http://schemas.microsoft.com/office/drawing/2014/main" xmlns="" id="{355C3CC6-3290-CE4F-9781-ABDA3E67AB7C}"/>
               </a:ext>
             </a:extLst>
           </p:cNvPr>
@@ -33062,7 +33704,7 @@
           </a:ln>
           <a:extLst>
             <a:ext uri="{C572A759-6A51-4108-AA02-DFA0A04FC94B}">
-              <ma14:wrappingTextBoxFlag xmlns="" xmlns:ma14="http://schemas.microsoft.com/office/mac/drawingml/2011/main" val="1"/>
+              <ma14:wrappingTextBoxFlag xmlns:ma14="http://schemas.microsoft.com/office/mac/drawingml/2011/main" xmlns="" val="1"/>
             </a:ext>
           </a:extLst>
         </p:spPr>
@@ -33232,7 +33874,7 @@
           <p:cNvPr id="194" name="Table">
             <a:extLst>
               <a:ext uri="{FF2B5EF4-FFF2-40B4-BE49-F238E27FC236}">
-                <a16:creationId xmlns:a16="http://schemas.microsoft.com/office/drawing/2014/main" id="{A351BA8C-EE4C-E046-9CFE-6F1F0D0EC1E6}"/>
+                <a16:creationId xmlns:a16="http://schemas.microsoft.com/office/drawing/2014/main" xmlns="" id="{A351BA8C-EE4C-E046-9CFE-6F1F0D0EC1E6}"/>
               </a:ext>
             </a:extLst>
           </p:cNvPr>
@@ -33240,7 +33882,7 @@
           <p:nvPr>
             <p:extLst>
               <p:ext uri="{D42A27DB-BD31-4B8C-83A1-F6EECF244321}">
-                <p14:modId xmlns:p14="http://schemas.microsoft.com/office/powerpoint/2010/main" val="3031287073"/>
+                <p14:modId xmlns:p14="http://schemas.microsoft.com/office/powerpoint/2010/main" xmlns="" val="3031287073"/>
               </p:ext>
             </p:extLst>
           </p:nvPr>
@@ -33262,21 +33904,21 @@
                 <a:gridCol w="151200">
                   <a:extLst>
                     <a:ext uri="{9D8B030D-6E8A-4147-A177-3AD203B41FA5}">
-                      <a16:colId xmlns:a16="http://schemas.microsoft.com/office/drawing/2014/main" val="20000"/>
+                      <a16:colId xmlns:a16="http://schemas.microsoft.com/office/drawing/2014/main" xmlns="" val="20000"/>
                     </a:ext>
                   </a:extLst>
                 </a:gridCol>
                 <a:gridCol w="151200">
                   <a:extLst>
                     <a:ext uri="{9D8B030D-6E8A-4147-A177-3AD203B41FA5}">
-                      <a16:colId xmlns:a16="http://schemas.microsoft.com/office/drawing/2014/main" val="20001"/>
+                      <a16:colId xmlns:a16="http://schemas.microsoft.com/office/drawing/2014/main" xmlns="" val="20001"/>
                     </a:ext>
                   </a:extLst>
                 </a:gridCol>
                 <a:gridCol w="198000">
                   <a:extLst>
                     <a:ext uri="{9D8B030D-6E8A-4147-A177-3AD203B41FA5}">
-                      <a16:colId xmlns:a16="http://schemas.microsoft.com/office/drawing/2014/main" val="20002"/>
+                      <a16:colId xmlns:a16="http://schemas.microsoft.com/office/drawing/2014/main" xmlns="" val="20002"/>
                     </a:ext>
                   </a:extLst>
                 </a:gridCol>
@@ -33362,7 +34004,7 @@
                 </a:tc>
                 <a:extLst>
                   <a:ext uri="{0D108BD9-81ED-4DB2-BD59-A6C34878D82A}">
-                    <a16:rowId xmlns:a16="http://schemas.microsoft.com/office/drawing/2014/main" val="10000"/>
+                    <a16:rowId xmlns:a16="http://schemas.microsoft.com/office/drawing/2014/main" xmlns="" val="10000"/>
                   </a:ext>
                 </a:extLst>
               </a:tr>
@@ -33463,7 +34105,7 @@
                 </a:tc>
                 <a:extLst>
                   <a:ext uri="{0D108BD9-81ED-4DB2-BD59-A6C34878D82A}">
-                    <a16:rowId xmlns:a16="http://schemas.microsoft.com/office/drawing/2014/main" val="10001"/>
+                    <a16:rowId xmlns:a16="http://schemas.microsoft.com/office/drawing/2014/main" xmlns="" val="10001"/>
                   </a:ext>
                 </a:extLst>
               </a:tr>
@@ -33564,7 +34206,7 @@
                 </a:tc>
                 <a:extLst>
                   <a:ext uri="{0D108BD9-81ED-4DB2-BD59-A6C34878D82A}">
-                    <a16:rowId xmlns:a16="http://schemas.microsoft.com/office/drawing/2014/main" val="2906400767"/>
+                    <a16:rowId xmlns:a16="http://schemas.microsoft.com/office/drawing/2014/main" xmlns="" val="2906400767"/>
                   </a:ext>
                 </a:extLst>
               </a:tr>
@@ -33665,7 +34307,7 @@
                 </a:tc>
                 <a:extLst>
                   <a:ext uri="{0D108BD9-81ED-4DB2-BD59-A6C34878D82A}">
-                    <a16:rowId xmlns:a16="http://schemas.microsoft.com/office/drawing/2014/main" val="1131086346"/>
+                    <a16:rowId xmlns:a16="http://schemas.microsoft.com/office/drawing/2014/main" xmlns="" val="1131086346"/>
                   </a:ext>
                 </a:extLst>
               </a:tr>
@@ -33766,7 +34408,7 @@
                 </a:tc>
                 <a:extLst>
                   <a:ext uri="{0D108BD9-81ED-4DB2-BD59-A6C34878D82A}">
-                    <a16:rowId xmlns:a16="http://schemas.microsoft.com/office/drawing/2014/main" val="1476441198"/>
+                    <a16:rowId xmlns:a16="http://schemas.microsoft.com/office/drawing/2014/main" xmlns="" val="1476441198"/>
                   </a:ext>
                 </a:extLst>
               </a:tr>
@@ -33867,7 +34509,7 @@
                 </a:tc>
                 <a:extLst>
                   <a:ext uri="{0D108BD9-81ED-4DB2-BD59-A6C34878D82A}">
-                    <a16:rowId xmlns:a16="http://schemas.microsoft.com/office/drawing/2014/main" val="3201463207"/>
+                    <a16:rowId xmlns:a16="http://schemas.microsoft.com/office/drawing/2014/main" xmlns="" val="3201463207"/>
                   </a:ext>
                 </a:extLst>
               </a:tr>
@@ -33880,7 +34522,7 @@
           <p:cNvPr id="195" name="Line">
             <a:extLst>
               <a:ext uri="{FF2B5EF4-FFF2-40B4-BE49-F238E27FC236}">
-                <a16:creationId xmlns:a16="http://schemas.microsoft.com/office/drawing/2014/main" id="{AD863863-A2B6-5E4B-B267-EA9337690DC6}"/>
+                <a16:creationId xmlns:a16="http://schemas.microsoft.com/office/drawing/2014/main" xmlns="" id="{AD863863-A2B6-5E4B-B267-EA9337690DC6}"/>
               </a:ext>
             </a:extLst>
           </p:cNvPr>
@@ -33940,7 +34582,7 @@
           <p:cNvPr id="196" name="Table">
             <a:extLst>
               <a:ext uri="{FF2B5EF4-FFF2-40B4-BE49-F238E27FC236}">
-                <a16:creationId xmlns:a16="http://schemas.microsoft.com/office/drawing/2014/main" id="{8002CC11-4E5D-8C46-BA98-E52FC4FB124E}"/>
+                <a16:creationId xmlns:a16="http://schemas.microsoft.com/office/drawing/2014/main" xmlns="" id="{8002CC11-4E5D-8C46-BA98-E52FC4FB124E}"/>
               </a:ext>
             </a:extLst>
           </p:cNvPr>
@@ -33948,7 +34590,7 @@
           <p:nvPr>
             <p:extLst>
               <p:ext uri="{D42A27DB-BD31-4B8C-83A1-F6EECF244321}">
-                <p14:modId xmlns:p14="http://schemas.microsoft.com/office/powerpoint/2010/main" val="3772387896"/>
+                <p14:modId xmlns:p14="http://schemas.microsoft.com/office/powerpoint/2010/main" xmlns="" val="3772387896"/>
               </p:ext>
             </p:extLst>
           </p:nvPr>
@@ -33967,14 +34609,14 @@
                 <a:gridCol w="151200">
                   <a:extLst>
                     <a:ext uri="{9D8B030D-6E8A-4147-A177-3AD203B41FA5}">
-                      <a16:colId xmlns:a16="http://schemas.microsoft.com/office/drawing/2014/main" val="20000"/>
+                      <a16:colId xmlns:a16="http://schemas.microsoft.com/office/drawing/2014/main" xmlns="" val="20000"/>
                     </a:ext>
                   </a:extLst>
                 </a:gridCol>
                 <a:gridCol w="151200">
                   <a:extLst>
                     <a:ext uri="{9D8B030D-6E8A-4147-A177-3AD203B41FA5}">
-                      <a16:colId xmlns:a16="http://schemas.microsoft.com/office/drawing/2014/main" val="20001"/>
+                      <a16:colId xmlns:a16="http://schemas.microsoft.com/office/drawing/2014/main" xmlns="" val="20001"/>
                     </a:ext>
                   </a:extLst>
                 </a:gridCol>
@@ -34034,7 +34676,7 @@
                 </a:tc>
                 <a:extLst>
                   <a:ext uri="{0D108BD9-81ED-4DB2-BD59-A6C34878D82A}">
-                    <a16:rowId xmlns:a16="http://schemas.microsoft.com/office/drawing/2014/main" val="10000"/>
+                    <a16:rowId xmlns:a16="http://schemas.microsoft.com/office/drawing/2014/main" xmlns="" val="10000"/>
                   </a:ext>
                 </a:extLst>
               </a:tr>
@@ -34109,7 +34751,7 @@
                 </a:tc>
                 <a:extLst>
                   <a:ext uri="{0D108BD9-81ED-4DB2-BD59-A6C34878D82A}">
-                    <a16:rowId xmlns:a16="http://schemas.microsoft.com/office/drawing/2014/main" val="10001"/>
+                    <a16:rowId xmlns:a16="http://schemas.microsoft.com/office/drawing/2014/main" xmlns="" val="10001"/>
                   </a:ext>
                 </a:extLst>
               </a:tr>
@@ -34184,7 +34826,7 @@
                 </a:tc>
                 <a:extLst>
                   <a:ext uri="{0D108BD9-81ED-4DB2-BD59-A6C34878D82A}">
-                    <a16:rowId xmlns:a16="http://schemas.microsoft.com/office/drawing/2014/main" val="10002"/>
+                    <a16:rowId xmlns:a16="http://schemas.microsoft.com/office/drawing/2014/main" xmlns="" val="10002"/>
                   </a:ext>
                 </a:extLst>
               </a:tr>
@@ -34259,7 +34901,7 @@
                 </a:tc>
                 <a:extLst>
                   <a:ext uri="{0D108BD9-81ED-4DB2-BD59-A6C34878D82A}">
-                    <a16:rowId xmlns:a16="http://schemas.microsoft.com/office/drawing/2014/main" val="10004"/>
+                    <a16:rowId xmlns:a16="http://schemas.microsoft.com/office/drawing/2014/main" xmlns="" val="10004"/>
                   </a:ext>
                 </a:extLst>
               </a:tr>
@@ -34334,7 +34976,7 @@
                 </a:tc>
                 <a:extLst>
                   <a:ext uri="{0D108BD9-81ED-4DB2-BD59-A6C34878D82A}">
-                    <a16:rowId xmlns:a16="http://schemas.microsoft.com/office/drawing/2014/main" val="1198630673"/>
+                    <a16:rowId xmlns:a16="http://schemas.microsoft.com/office/drawing/2014/main" xmlns="" val="1198630673"/>
                   </a:ext>
                 </a:extLst>
               </a:tr>
@@ -34409,7 +35051,7 @@
                 </a:tc>
                 <a:extLst>
                   <a:ext uri="{0D108BD9-81ED-4DB2-BD59-A6C34878D82A}">
-                    <a16:rowId xmlns:a16="http://schemas.microsoft.com/office/drawing/2014/main" val="2777770057"/>
+                    <a16:rowId xmlns:a16="http://schemas.microsoft.com/office/drawing/2014/main" xmlns="" val="2777770057"/>
                   </a:ext>
                 </a:extLst>
               </a:tr>
@@ -34422,7 +35064,7 @@
           <p:cNvPr id="197" name="Rektangel 233">
             <a:extLst>
               <a:ext uri="{FF2B5EF4-FFF2-40B4-BE49-F238E27FC236}">
-                <a16:creationId xmlns:a16="http://schemas.microsoft.com/office/drawing/2014/main" id="{EADC1A11-CA6A-634C-9A77-7EAF4900A12A}"/>
+                <a16:creationId xmlns:a16="http://schemas.microsoft.com/office/drawing/2014/main" xmlns="" id="{EADC1A11-CA6A-634C-9A77-7EAF4900A12A}"/>
               </a:ext>
             </a:extLst>
           </p:cNvPr>
@@ -34457,7 +35099,7 @@
           <p:cNvPr id="198" name="Line">
             <a:extLst>
               <a:ext uri="{FF2B5EF4-FFF2-40B4-BE49-F238E27FC236}">
-                <a16:creationId xmlns:a16="http://schemas.microsoft.com/office/drawing/2014/main" id="{A75F0BB1-546A-D64B-89F5-85D1F1D1792E}"/>
+                <a16:creationId xmlns:a16="http://schemas.microsoft.com/office/drawing/2014/main" xmlns="" id="{A75F0BB1-546A-D64B-89F5-85D1F1D1792E}"/>
               </a:ext>
             </a:extLst>
           </p:cNvPr>
@@ -34510,7 +35152,7 @@
           <p:cNvPr id="142" name="Use headers, colors, and/or backgrounds to separate or group together sections.">
             <a:extLst>
               <a:ext uri="{FF2B5EF4-FFF2-40B4-BE49-F238E27FC236}">
-                <a16:creationId xmlns:a16="http://schemas.microsoft.com/office/drawing/2014/main" id="{9C639F80-B1BE-CC45-A383-CB91E59278DC}"/>
+                <a16:creationId xmlns:a16="http://schemas.microsoft.com/office/drawing/2014/main" xmlns="" id="{9C639F80-B1BE-CC45-A383-CB91E59278DC}"/>
               </a:ext>
             </a:extLst>
           </p:cNvPr>
@@ -34520,7 +35162,7 @@
         <p:spPr>
           <a:xfrm>
             <a:off x="10548939" y="2122337"/>
-            <a:ext cx="3228974" cy="2045688"/>
+            <a:ext cx="3228974" cy="2211888"/>
           </a:xfrm>
           <a:prstGeom prst="rect">
             <a:avLst/>
@@ -34530,7 +35172,7 @@
           </a:ln>
           <a:extLst>
             <a:ext uri="{C572A759-6A51-4108-AA02-DFA0A04FC94B}">
-              <ma14:wrappingTextBoxFlag xmlns="" xmlns:ma14="http://schemas.microsoft.com/office/mac/drawingml/2011/main" val="1"/>
+              <ma14:wrappingTextBoxFlag xmlns:ma14="http://schemas.microsoft.com/office/mac/drawingml/2011/main" xmlns="" val="1"/>
             </a:ext>
           </a:extLst>
         </p:spPr>
@@ -34897,7 +35539,23 @@
                   <a:srgbClr val="000000"/>
                 </a:solidFill>
               </a:rPr>
-              <a:t>] – appliquer une fonction aux colonnes indiquées et assigne le résultat avec les noms des variables suffixés aux données originales.</a:t>
+              <a:t>] – appliquer une fonction aux colonnes indiquées et </a:t>
+            </a:r>
+            <a:r>
+              <a:rPr lang="fr-FR" b="0" dirty="0" smtClean="0">
+                <a:solidFill>
+                  <a:srgbClr val="000000"/>
+                </a:solidFill>
+              </a:rPr>
+              <a:t>assigner </a:t>
+            </a:r>
+            <a:r>
+              <a:rPr lang="fr-FR" b="0" dirty="0">
+                <a:solidFill>
+                  <a:srgbClr val="000000"/>
+                </a:solidFill>
+              </a:rPr>
+              <a:t>le résultat avec les noms des variables suffixés aux données originales.</a:t>
             </a:r>
             <a:endParaRPr lang="fr-FR" b="0" dirty="0">
               <a:solidFill>
@@ -34912,7 +35570,7 @@
           <p:cNvPr id="149" name="Table">
             <a:extLst>
               <a:ext uri="{FF2B5EF4-FFF2-40B4-BE49-F238E27FC236}">
-                <a16:creationId xmlns:a16="http://schemas.microsoft.com/office/drawing/2014/main" id="{ECE8CCFE-4E7D-E64E-BC1C-FBB100EF602F}"/>
+                <a16:creationId xmlns:a16="http://schemas.microsoft.com/office/drawing/2014/main" xmlns="" id="{ECE8CCFE-4E7D-E64E-BC1C-FBB100EF602F}"/>
               </a:ext>
             </a:extLst>
           </p:cNvPr>
@@ -34920,7 +35578,7 @@
           <p:nvPr>
             <p:extLst>
               <p:ext uri="{D42A27DB-BD31-4B8C-83A1-F6EECF244321}">
-                <p14:modId xmlns:p14="http://schemas.microsoft.com/office/powerpoint/2010/main" val="1900699663"/>
+                <p14:modId xmlns:p14="http://schemas.microsoft.com/office/powerpoint/2010/main" xmlns="" val="1900699663"/>
               </p:ext>
             </p:extLst>
           </p:nvPr>
@@ -34942,14 +35600,14 @@
                 <a:gridCol w="154800">
                   <a:extLst>
                     <a:ext uri="{9D8B030D-6E8A-4147-A177-3AD203B41FA5}">
-                      <a16:colId xmlns:a16="http://schemas.microsoft.com/office/drawing/2014/main" val="20000"/>
+                      <a16:colId xmlns:a16="http://schemas.microsoft.com/office/drawing/2014/main" xmlns="" val="20000"/>
                     </a:ext>
                   </a:extLst>
                 </a:gridCol>
                 <a:gridCol w="154800">
                   <a:extLst>
                     <a:ext uri="{9D8B030D-6E8A-4147-A177-3AD203B41FA5}">
-                      <a16:colId xmlns:a16="http://schemas.microsoft.com/office/drawing/2014/main" val="20001"/>
+                      <a16:colId xmlns:a16="http://schemas.microsoft.com/office/drawing/2014/main" xmlns="" val="20001"/>
                     </a:ext>
                   </a:extLst>
                 </a:gridCol>
@@ -35013,7 +35671,7 @@
                 </a:tc>
                 <a:extLst>
                   <a:ext uri="{0D108BD9-81ED-4DB2-BD59-A6C34878D82A}">
-                    <a16:rowId xmlns:a16="http://schemas.microsoft.com/office/drawing/2014/main" val="10000"/>
+                    <a16:rowId xmlns:a16="http://schemas.microsoft.com/office/drawing/2014/main" xmlns="" val="10000"/>
                   </a:ext>
                 </a:extLst>
               </a:tr>
@@ -35088,7 +35746,7 @@
                 </a:tc>
                 <a:extLst>
                   <a:ext uri="{0D108BD9-81ED-4DB2-BD59-A6C34878D82A}">
-                    <a16:rowId xmlns:a16="http://schemas.microsoft.com/office/drawing/2014/main" val="10001"/>
+                    <a16:rowId xmlns:a16="http://schemas.microsoft.com/office/drawing/2014/main" xmlns="" val="10001"/>
                   </a:ext>
                 </a:extLst>
               </a:tr>
@@ -35101,7 +35759,7 @@
           <p:cNvPr id="150" name="Line">
             <a:extLst>
               <a:ext uri="{FF2B5EF4-FFF2-40B4-BE49-F238E27FC236}">
-                <a16:creationId xmlns:a16="http://schemas.microsoft.com/office/drawing/2014/main" id="{3234ED4C-69A4-5F47-B690-D14DFFBA977E}"/>
+                <a16:creationId xmlns:a16="http://schemas.microsoft.com/office/drawing/2014/main" xmlns="" id="{3234ED4C-69A4-5F47-B690-D14DFFBA977E}"/>
               </a:ext>
             </a:extLst>
           </p:cNvPr>
@@ -35161,7 +35819,7 @@
           <p:cNvPr id="151" name="Table">
             <a:extLst>
               <a:ext uri="{FF2B5EF4-FFF2-40B4-BE49-F238E27FC236}">
-                <a16:creationId xmlns:a16="http://schemas.microsoft.com/office/drawing/2014/main" id="{6389B5F2-531B-044B-A161-C22AB24AF421}"/>
+                <a16:creationId xmlns:a16="http://schemas.microsoft.com/office/drawing/2014/main" xmlns="" id="{6389B5F2-531B-044B-A161-C22AB24AF421}"/>
               </a:ext>
             </a:extLst>
           </p:cNvPr>
@@ -35169,7 +35827,7 @@
           <p:nvPr>
             <p:extLst>
               <p:ext uri="{D42A27DB-BD31-4B8C-83A1-F6EECF244321}">
-                <p14:modId xmlns:p14="http://schemas.microsoft.com/office/powerpoint/2010/main" val="821145429"/>
+                <p14:modId xmlns:p14="http://schemas.microsoft.com/office/powerpoint/2010/main" xmlns="" val="821145429"/>
               </p:ext>
             </p:extLst>
           </p:nvPr>
@@ -35188,21 +35846,21 @@
                 <a:gridCol w="151200">
                   <a:extLst>
                     <a:ext uri="{9D8B030D-6E8A-4147-A177-3AD203B41FA5}">
-                      <a16:colId xmlns:a16="http://schemas.microsoft.com/office/drawing/2014/main" val="20000"/>
+                      <a16:colId xmlns:a16="http://schemas.microsoft.com/office/drawing/2014/main" xmlns="" val="20000"/>
                     </a:ext>
                   </a:extLst>
                 </a:gridCol>
                 <a:gridCol w="151200">
                   <a:extLst>
                     <a:ext uri="{9D8B030D-6E8A-4147-A177-3AD203B41FA5}">
-                      <a16:colId xmlns:a16="http://schemas.microsoft.com/office/drawing/2014/main" val="20001"/>
+                      <a16:colId xmlns:a16="http://schemas.microsoft.com/office/drawing/2014/main" xmlns="" val="20001"/>
                     </a:ext>
                   </a:extLst>
                 </a:gridCol>
                 <a:gridCol w="151200">
                   <a:extLst>
                     <a:ext uri="{9D8B030D-6E8A-4147-A177-3AD203B41FA5}">
-                      <a16:colId xmlns:a16="http://schemas.microsoft.com/office/drawing/2014/main" val="20002"/>
+                      <a16:colId xmlns:a16="http://schemas.microsoft.com/office/drawing/2014/main" xmlns="" val="20002"/>
                     </a:ext>
                   </a:extLst>
                 </a:gridCol>
@@ -35288,7 +35946,7 @@
                 </a:tc>
                 <a:extLst>
                   <a:ext uri="{0D108BD9-81ED-4DB2-BD59-A6C34878D82A}">
-                    <a16:rowId xmlns:a16="http://schemas.microsoft.com/office/drawing/2014/main" val="10000"/>
+                    <a16:rowId xmlns:a16="http://schemas.microsoft.com/office/drawing/2014/main" xmlns="" val="10000"/>
                   </a:ext>
                 </a:extLst>
               </a:tr>
@@ -35385,7 +36043,7 @@
                 </a:tc>
                 <a:extLst>
                   <a:ext uri="{0D108BD9-81ED-4DB2-BD59-A6C34878D82A}">
-                    <a16:rowId xmlns:a16="http://schemas.microsoft.com/office/drawing/2014/main" val="10001"/>
+                    <a16:rowId xmlns:a16="http://schemas.microsoft.com/office/drawing/2014/main" xmlns="" val="10001"/>
                   </a:ext>
                 </a:extLst>
               </a:tr>
@@ -35482,7 +36140,7 @@
                 </a:tc>
                 <a:extLst>
                   <a:ext uri="{0D108BD9-81ED-4DB2-BD59-A6C34878D82A}">
-                    <a16:rowId xmlns:a16="http://schemas.microsoft.com/office/drawing/2014/main" val="10002"/>
+                    <a16:rowId xmlns:a16="http://schemas.microsoft.com/office/drawing/2014/main" xmlns="" val="10002"/>
                   </a:ext>
                 </a:extLst>
               </a:tr>
@@ -35579,7 +36237,7 @@
                 </a:tc>
                 <a:extLst>
                   <a:ext uri="{0D108BD9-81ED-4DB2-BD59-A6C34878D82A}">
-                    <a16:rowId xmlns:a16="http://schemas.microsoft.com/office/drawing/2014/main" val="1931809070"/>
+                    <a16:rowId xmlns:a16="http://schemas.microsoft.com/office/drawing/2014/main" xmlns="" val="1931809070"/>
                   </a:ext>
                 </a:extLst>
               </a:tr>
@@ -35592,7 +36250,7 @@
           <p:cNvPr id="152" name="Table">
             <a:extLst>
               <a:ext uri="{FF2B5EF4-FFF2-40B4-BE49-F238E27FC236}">
-                <a16:creationId xmlns:a16="http://schemas.microsoft.com/office/drawing/2014/main" id="{3B3DBC46-25B1-0A4A-9D1D-2EFEA449F964}"/>
+                <a16:creationId xmlns:a16="http://schemas.microsoft.com/office/drawing/2014/main" xmlns="" id="{3B3DBC46-25B1-0A4A-9D1D-2EFEA449F964}"/>
               </a:ext>
             </a:extLst>
           </p:cNvPr>
@@ -35600,7 +36258,7 @@
           <p:nvPr>
             <p:extLst>
               <p:ext uri="{D42A27DB-BD31-4B8C-83A1-F6EECF244321}">
-                <p14:modId xmlns:p14="http://schemas.microsoft.com/office/powerpoint/2010/main" val="4097219336"/>
+                <p14:modId xmlns:p14="http://schemas.microsoft.com/office/powerpoint/2010/main" xmlns="" val="4097219336"/>
               </p:ext>
             </p:extLst>
           </p:nvPr>
@@ -35622,21 +36280,21 @@
                 <a:gridCol w="154800">
                   <a:extLst>
                     <a:ext uri="{9D8B030D-6E8A-4147-A177-3AD203B41FA5}">
-                      <a16:colId xmlns:a16="http://schemas.microsoft.com/office/drawing/2014/main" val="20000"/>
+                      <a16:colId xmlns:a16="http://schemas.microsoft.com/office/drawing/2014/main" xmlns="" val="20000"/>
                     </a:ext>
                   </a:extLst>
                 </a:gridCol>
                 <a:gridCol w="154800">
                   <a:extLst>
                     <a:ext uri="{9D8B030D-6E8A-4147-A177-3AD203B41FA5}">
-                      <a16:colId xmlns:a16="http://schemas.microsoft.com/office/drawing/2014/main" val="3799027635"/>
+                      <a16:colId xmlns:a16="http://schemas.microsoft.com/office/drawing/2014/main" xmlns="" val="3799027635"/>
                     </a:ext>
                   </a:extLst>
                 </a:gridCol>
                 <a:gridCol w="270000">
                   <a:extLst>
                     <a:ext uri="{9D8B030D-6E8A-4147-A177-3AD203B41FA5}">
-                      <a16:colId xmlns:a16="http://schemas.microsoft.com/office/drawing/2014/main" val="20001"/>
+                      <a16:colId xmlns:a16="http://schemas.microsoft.com/office/drawing/2014/main" xmlns="" val="20001"/>
                     </a:ext>
                   </a:extLst>
                 </a:gridCol>
@@ -35722,7 +36380,7 @@
                 </a:tc>
                 <a:extLst>
                   <a:ext uri="{0D108BD9-81ED-4DB2-BD59-A6C34878D82A}">
-                    <a16:rowId xmlns:a16="http://schemas.microsoft.com/office/drawing/2014/main" val="10000"/>
+                    <a16:rowId xmlns:a16="http://schemas.microsoft.com/office/drawing/2014/main" xmlns="" val="10000"/>
                   </a:ext>
                 </a:extLst>
               </a:tr>
@@ -35823,7 +36481,7 @@
                 </a:tc>
                 <a:extLst>
                   <a:ext uri="{0D108BD9-81ED-4DB2-BD59-A6C34878D82A}">
-                    <a16:rowId xmlns:a16="http://schemas.microsoft.com/office/drawing/2014/main" val="10001"/>
+                    <a16:rowId xmlns:a16="http://schemas.microsoft.com/office/drawing/2014/main" xmlns="" val="10001"/>
                   </a:ext>
                 </a:extLst>
               </a:tr>
@@ -35924,7 +36582,7 @@
                 </a:tc>
                 <a:extLst>
                   <a:ext uri="{0D108BD9-81ED-4DB2-BD59-A6C34878D82A}">
-                    <a16:rowId xmlns:a16="http://schemas.microsoft.com/office/drawing/2014/main" val="1646634945"/>
+                    <a16:rowId xmlns:a16="http://schemas.microsoft.com/office/drawing/2014/main" xmlns="" val="1646634945"/>
                   </a:ext>
                 </a:extLst>
               </a:tr>
@@ -36025,7 +36683,7 @@
                 </a:tc>
                 <a:extLst>
                   <a:ext uri="{0D108BD9-81ED-4DB2-BD59-A6C34878D82A}">
-                    <a16:rowId xmlns:a16="http://schemas.microsoft.com/office/drawing/2014/main" val="2400910294"/>
+                    <a16:rowId xmlns:a16="http://schemas.microsoft.com/office/drawing/2014/main" xmlns="" val="2400910294"/>
                   </a:ext>
                 </a:extLst>
               </a:tr>
@@ -36038,7 +36696,7 @@
           <p:cNvPr id="153" name="Line">
             <a:extLst>
               <a:ext uri="{FF2B5EF4-FFF2-40B4-BE49-F238E27FC236}">
-                <a16:creationId xmlns:a16="http://schemas.microsoft.com/office/drawing/2014/main" id="{8F129C43-906F-3B47-AC5E-BF045351693F}"/>
+                <a16:creationId xmlns:a16="http://schemas.microsoft.com/office/drawing/2014/main" xmlns="" id="{8F129C43-906F-3B47-AC5E-BF045351693F}"/>
               </a:ext>
             </a:extLst>
           </p:cNvPr>
@@ -36098,7 +36756,7 @@
           <p:cNvPr id="156" name="Table">
             <a:extLst>
               <a:ext uri="{FF2B5EF4-FFF2-40B4-BE49-F238E27FC236}">
-                <a16:creationId xmlns:a16="http://schemas.microsoft.com/office/drawing/2014/main" id="{02364840-A2FB-B442-A3EA-DF23597A29CD}"/>
+                <a16:creationId xmlns:a16="http://schemas.microsoft.com/office/drawing/2014/main" xmlns="" id="{02364840-A2FB-B442-A3EA-DF23597A29CD}"/>
               </a:ext>
             </a:extLst>
           </p:cNvPr>
@@ -36106,7 +36764,7 @@
           <p:nvPr>
             <p:extLst>
               <p:ext uri="{D42A27DB-BD31-4B8C-83A1-F6EECF244321}">
-                <p14:modId xmlns:p14="http://schemas.microsoft.com/office/powerpoint/2010/main" val="171183712"/>
+                <p14:modId xmlns:p14="http://schemas.microsoft.com/office/powerpoint/2010/main" xmlns="" val="171183712"/>
               </p:ext>
             </p:extLst>
           </p:nvPr>
@@ -36125,14 +36783,14 @@
                 <a:gridCol w="151200">
                   <a:extLst>
                     <a:ext uri="{9D8B030D-6E8A-4147-A177-3AD203B41FA5}">
-                      <a16:colId xmlns:a16="http://schemas.microsoft.com/office/drawing/2014/main" val="20000"/>
+                      <a16:colId xmlns:a16="http://schemas.microsoft.com/office/drawing/2014/main" xmlns="" val="20000"/>
                     </a:ext>
                   </a:extLst>
                 </a:gridCol>
                 <a:gridCol w="151200">
                   <a:extLst>
                     <a:ext uri="{9D8B030D-6E8A-4147-A177-3AD203B41FA5}">
-                      <a16:colId xmlns:a16="http://schemas.microsoft.com/office/drawing/2014/main" val="20002"/>
+                      <a16:colId xmlns:a16="http://schemas.microsoft.com/office/drawing/2014/main" xmlns="" val="20002"/>
                     </a:ext>
                   </a:extLst>
                 </a:gridCol>
@@ -36190,7 +36848,7 @@
                 </a:tc>
                 <a:extLst>
                   <a:ext uri="{0D108BD9-81ED-4DB2-BD59-A6C34878D82A}">
-                    <a16:rowId xmlns:a16="http://schemas.microsoft.com/office/drawing/2014/main" val="10000"/>
+                    <a16:rowId xmlns:a16="http://schemas.microsoft.com/office/drawing/2014/main" xmlns="" val="10000"/>
                   </a:ext>
                 </a:extLst>
               </a:tr>
@@ -36253,7 +36911,7 @@
                 </a:tc>
                 <a:extLst>
                   <a:ext uri="{0D108BD9-81ED-4DB2-BD59-A6C34878D82A}">
-                    <a16:rowId xmlns:a16="http://schemas.microsoft.com/office/drawing/2014/main" val="10001"/>
+                    <a16:rowId xmlns:a16="http://schemas.microsoft.com/office/drawing/2014/main" xmlns="" val="10001"/>
                   </a:ext>
                 </a:extLst>
               </a:tr>
@@ -36316,7 +36974,7 @@
                 </a:tc>
                 <a:extLst>
                   <a:ext uri="{0D108BD9-81ED-4DB2-BD59-A6C34878D82A}">
-                    <a16:rowId xmlns:a16="http://schemas.microsoft.com/office/drawing/2014/main" val="10002"/>
+                    <a16:rowId xmlns:a16="http://schemas.microsoft.com/office/drawing/2014/main" xmlns="" val="10002"/>
                   </a:ext>
                 </a:extLst>
               </a:tr>
@@ -36379,7 +37037,7 @@
                 </a:tc>
                 <a:extLst>
                   <a:ext uri="{0D108BD9-81ED-4DB2-BD59-A6C34878D82A}">
-                    <a16:rowId xmlns:a16="http://schemas.microsoft.com/office/drawing/2014/main" val="1931809070"/>
+                    <a16:rowId xmlns:a16="http://schemas.microsoft.com/office/drawing/2014/main" xmlns="" val="1931809070"/>
                   </a:ext>
                 </a:extLst>
               </a:tr>
@@ -36392,7 +37050,7 @@
           <p:cNvPr id="5" name="Group">
             <a:extLst>
               <a:ext uri="{FF2B5EF4-FFF2-40B4-BE49-F238E27FC236}">
-                <a16:creationId xmlns:a16="http://schemas.microsoft.com/office/drawing/2014/main" id="{C34D1DC5-7A6E-416C-B6D7-1FD21377D658}"/>
+                <a16:creationId xmlns:a16="http://schemas.microsoft.com/office/drawing/2014/main" xmlns="" id="{C34D1DC5-7A6E-416C-B6D7-1FD21377D658}"/>
               </a:ext>
             </a:extLst>
           </p:cNvPr>
@@ -36500,7 +37158,51 @@
                 </a:solidFill>
                 <a:cs typeface="Arial" panose="020B0604020202020204" pitchFamily="34" charset="0"/>
               </a:rPr>
-              <a:t>(séparateur) ou pattern (expression régulière) utilisés pour spécifier les colonnes à restructurer en scannant les noms de la colonne d’entrée.</a:t>
+              <a:t>(séparateur) ou pattern (expression régulière) utilisés pour spécifier les colonnes à restructurer en </a:t>
+            </a:r>
+            <a:r>
+              <a:rPr lang="fr-FR" sz="1100" b="0" dirty="0" smtClean="0">
+                <a:solidFill>
+                  <a:schemeClr val="tx1">
+                    <a:lumMod val="50000"/>
+                  </a:schemeClr>
+                </a:solidFill>
+                <a:cs typeface="Arial" panose="020B0604020202020204" pitchFamily="34" charset="0"/>
+              </a:rPr>
+              <a:t>analysant les </a:t>
+            </a:r>
+            <a:r>
+              <a:rPr lang="fr-FR" sz="1100" b="0" dirty="0">
+                <a:solidFill>
+                  <a:schemeClr val="tx1">
+                    <a:lumMod val="50000"/>
+                  </a:schemeClr>
+                </a:solidFill>
+                <a:cs typeface="Arial" panose="020B0604020202020204" pitchFamily="34" charset="0"/>
+              </a:rPr>
+              <a:t>noms </a:t>
+            </a:r>
+            <a:r>
+              <a:rPr lang="fr-FR" sz="1100" b="0" dirty="0" smtClean="0">
+                <a:solidFill>
+                  <a:schemeClr val="tx1">
+                    <a:lumMod val="50000"/>
+                  </a:schemeClr>
+                </a:solidFill>
+                <a:cs typeface="Arial" panose="020B0604020202020204" pitchFamily="34" charset="0"/>
+              </a:rPr>
+              <a:t>des colonnes </a:t>
+            </a:r>
+            <a:r>
+              <a:rPr lang="fr-FR" sz="1100" b="0" dirty="0">
+                <a:solidFill>
+                  <a:schemeClr val="tx1">
+                    <a:lumMod val="50000"/>
+                  </a:schemeClr>
+                </a:solidFill>
+                <a:cs typeface="Arial" panose="020B0604020202020204" pitchFamily="34" charset="0"/>
+              </a:rPr>
+              <a:t>d’entrée.</a:t>
             </a:r>
           </a:p>
           <a:p>
@@ -36584,7 +37286,7 @@
           <p:cNvPr id="3" name="Line">
             <a:extLst>
               <a:ext uri="{FF2B5EF4-FFF2-40B4-BE49-F238E27FC236}">
-                <a16:creationId xmlns:a16="http://schemas.microsoft.com/office/drawing/2014/main" id="{CE069E83-3E33-9D9C-EFA8-8DED9E3E61E7}"/>
+                <a16:creationId xmlns:a16="http://schemas.microsoft.com/office/drawing/2014/main" xmlns="" id="{CE069E83-3E33-9D9C-EFA8-8DED9E3E61E7}"/>
               </a:ext>
             </a:extLst>
           </p:cNvPr>
@@ -36632,7 +37334,7 @@
           <p:cNvPr id="7" name="ZoneTexte 6">
             <a:extLst>
               <a:ext uri="{FF2B5EF4-FFF2-40B4-BE49-F238E27FC236}">
-                <a16:creationId xmlns:a16="http://schemas.microsoft.com/office/drawing/2014/main" id="{B48A5EEB-6359-A27C-C1B7-99F9D053C0C7}"/>
+                <a16:creationId xmlns:a16="http://schemas.microsoft.com/office/drawing/2014/main" xmlns="" id="{B48A5EEB-6359-A27C-C1B7-99F9D053C0C7}"/>
               </a:ext>
             </a:extLst>
           </p:cNvPr>
@@ -36690,7 +37392,7 @@
           <p:cNvPr id="8" name="RStudio® is a trademark of RStudio, Inc.  •  CC BY SA Your Name •  your@email.com  •  844-448-1212 • your.website.com •  Learn more at webpage or vignette   •  package version  0.5.0 •  Updated: 2017-01">
             <a:extLst>
               <a:ext uri="{FF2B5EF4-FFF2-40B4-BE49-F238E27FC236}">
-                <a16:creationId xmlns:a16="http://schemas.microsoft.com/office/drawing/2014/main" id="{23F2592A-5BD6-E434-6796-425B8822AE1B}"/>
+                <a16:creationId xmlns:a16="http://schemas.microsoft.com/office/drawing/2014/main" xmlns="" id="{23F2592A-5BD6-E434-6796-425B8822AE1B}"/>
               </a:ext>
             </a:extLst>
           </p:cNvPr>
@@ -36710,7 +37412,7 @@
           </a:ln>
           <a:extLst>
             <a:ext uri="{C572A759-6A51-4108-AA02-DFA0A04FC94B}">
-              <ma14:wrappingTextBoxFlag xmlns="" xmlns:ma14="http://schemas.microsoft.com/office/mac/drawingml/2011/main" val="1"/>
+              <ma14:wrappingTextBoxFlag xmlns:ma14="http://schemas.microsoft.com/office/mac/drawingml/2011/main" xmlns="" val="1"/>
             </a:ext>
           </a:extLst>
         </p:spPr>
@@ -36742,12 +37444,36 @@
               <a:t>Créé par Erik </a:t>
             </a:r>
             <a:r>
+              <a:rPr lang="fr-FR" dirty="0" err="1" smtClean="0">
+                <a:solidFill>
+                  <a:srgbClr val="5B6167"/>
+                </a:solidFill>
+              </a:rPr>
+              <a:t>Petrovsky</a:t>
+            </a:r>
+            <a:r>
+              <a:rPr lang="fr-FR" dirty="0" smtClean="0">
+                <a:solidFill>
+                  <a:srgbClr val="5B6167"/>
+                </a:solidFill>
+              </a:rPr>
+              <a:t> </a:t>
+            </a:r>
+            <a:r>
+              <a:rPr lang="fr-FR" dirty="0">
+                <a:solidFill>
+                  <a:srgbClr val="5B6167"/>
+                </a:solidFill>
+              </a:rPr>
+              <a:t>et </a:t>
+            </a:r>
+            <a:r>
               <a:rPr lang="fr-FR" dirty="0" err="1">
                 <a:solidFill>
                   <a:srgbClr val="5B6167"/>
                 </a:solidFill>
               </a:rPr>
-              <a:t>Petrovsky</a:t>
+              <a:t>Mara</a:t>
             </a:r>
             <a:r>
               <a:rPr lang="fr-FR" dirty="0">
@@ -36755,7 +37481,7 @@
                   <a:srgbClr val="5B6167"/>
                 </a:solidFill>
               </a:rPr>
-              <a:t>  et </a:t>
+              <a:t> </a:t>
             </a:r>
             <a:r>
               <a:rPr lang="fr-FR" dirty="0" err="1">
@@ -36763,7 +37489,7 @@
                   <a:srgbClr val="5B6167"/>
                 </a:solidFill>
               </a:rPr>
-              <a:t>Mara</a:t>
+              <a:t>Destefanis</a:t>
             </a:r>
             <a:r>
               <a:rPr lang="fr-FR" dirty="0">
@@ -36771,73 +37497,49 @@
                   <a:srgbClr val="5B6167"/>
                 </a:solidFill>
               </a:rPr>
+              <a:t> – maragdestefanis@gmail.com</a:t>
+            </a:r>
+            <a:r>
+              <a:rPr lang="fr-FR" dirty="0">
+                <a:solidFill>
+                  <a:srgbClr val="757878"/>
+                </a:solidFill>
+              </a:rPr>
               <a:t> </a:t>
             </a:r>
             <a:r>
-              <a:rPr lang="fr-FR" dirty="0" err="1">
+              <a:rPr lang="fr-FR" dirty="0" smtClean="0">
                 <a:solidFill>
                   <a:srgbClr val="5B6167"/>
                 </a:solidFill>
               </a:rPr>
-              <a:t>Destefanis</a:t>
-            </a:r>
-            <a:r>
-              <a:rPr lang="fr-FR" dirty="0">
+              <a:t>• Traduit par Christian </a:t>
+            </a:r>
+            <a:r>
+              <a:rPr lang="fr-FR" dirty="0" err="1" smtClean="0">
                 <a:solidFill>
                   <a:srgbClr val="5B6167"/>
                 </a:solidFill>
               </a:rPr>
-              <a:t> – </a:t>
-            </a:r>
-            <a:r>
-              <a:rPr lang="fr-FR" dirty="0" err="1">
+              <a:t>Wiat</a:t>
+            </a:r>
+            <a:r>
+              <a:rPr lang="fr-FR" dirty="0" smtClean="0">
                 <a:solidFill>
                   <a:srgbClr val="5B6167"/>
                 </a:solidFill>
               </a:rPr>
-              <a:t>maragdestefanis@gmail.com</a:t>
-            </a:r>
-            <a:r>
-              <a:rPr lang="fr-FR" dirty="0">
-                <a:solidFill>
-                  <a:srgbClr val="757878"/>
-                </a:solidFill>
-              </a:rPr>
-              <a:t> </a:t>
-            </a:r>
-            <a:r>
-              <a:rPr lang="fr-FR" dirty="0">
-                <a:solidFill>
-                  <a:srgbClr val="5B6167"/>
-                </a:solidFill>
-              </a:rPr>
-              <a:t>• Traduit par Christian </a:t>
-            </a:r>
-            <a:r>
-              <a:rPr lang="fr-FR" dirty="0" err="1">
-                <a:solidFill>
-                  <a:srgbClr val="5B6167"/>
-                </a:solidFill>
-              </a:rPr>
-              <a:t>Wiat</a:t>
-            </a:r>
-            <a:r>
-              <a:rPr lang="fr-FR" dirty="0">
-                <a:solidFill>
-                  <a:srgbClr val="5B6167"/>
-                </a:solidFill>
-              </a:rPr>
-              <a:t> – w9204-rs@jahoo.com • Apprenez-en plus à la </a:t>
-            </a:r>
-            <a:r>
-              <a:rPr lang="fr-FR" dirty="0">
+              <a:t> – w9204-rs@yahoo.com • Voir la </a:t>
+            </a:r>
+            <a:r>
+              <a:rPr lang="fr-FR" dirty="0" smtClean="0">
                 <a:solidFill>
                   <a:srgbClr val="5B6167"/>
                 </a:solidFill>
                 <a:hlinkClick r:id="rId5">
                   <a:extLst>
                     <a:ext uri="{A12FA001-AC4F-418D-AE19-62706E023703}">
-                      <ahyp:hlinkClr xmlns:ahyp="http://schemas.microsoft.com/office/drawing/2018/hyperlinkcolor" val="tx"/>
+                      <ahyp:hlinkClr xmlns="" xmlns:ahyp="http://schemas.microsoft.com/office/drawing/2018/hyperlinkcolor" xmlns:lc="http://schemas.openxmlformats.org/drawingml/2006/lockedCanvas" val="tx"/>
                     </a:ext>
                   </a:extLst>
                 </a:hlinkClick>
@@ -36845,7 +37547,7 @@
               <a:t>page d’accueil</a:t>
             </a:r>
             <a:r>
-              <a:rPr lang="fr-FR" dirty="0">
+              <a:rPr lang="fr-FR" dirty="0" smtClean="0">
                 <a:solidFill>
                   <a:srgbClr val="5B6167"/>
                 </a:solidFill>
@@ -36853,14 +37555,14 @@
               <a:t> ou la </a:t>
             </a:r>
             <a:r>
-              <a:rPr lang="fr-FR" dirty="0">
+              <a:rPr lang="fr-FR" dirty="0" smtClean="0">
                 <a:solidFill>
                   <a:srgbClr val="5B6167"/>
                 </a:solidFill>
                 <a:hlinkClick r:id="rId6">
                   <a:extLst>
                     <a:ext uri="{A12FA001-AC4F-418D-AE19-62706E023703}">
-                      <ahyp:hlinkClr xmlns:ahyp="http://schemas.microsoft.com/office/drawing/2018/hyperlinkcolor" val="tx"/>
+                      <ahyp:hlinkClr xmlns="" xmlns:ahyp="http://schemas.microsoft.com/office/drawing/2018/hyperlinkcolor" xmlns:lc="http://schemas.openxmlformats.org/drawingml/2006/lockedCanvas" val="tx"/>
                     </a:ext>
                   </a:extLst>
                 </a:hlinkClick>
@@ -36868,7 +37570,7 @@
               <a:t>vignette</a:t>
             </a:r>
             <a:r>
-              <a:rPr lang="fr-FR" dirty="0">
+              <a:rPr lang="fr-FR" dirty="0" smtClean="0">
                 <a:solidFill>
                   <a:srgbClr val="5B6167"/>
                 </a:solidFill>
@@ -36876,7 +37578,7 @@
               <a:t> de </a:t>
             </a:r>
             <a:r>
-              <a:rPr lang="fr-FR" dirty="0" err="1">
+              <a:rPr lang="fr-FR" dirty="0" err="1" smtClean="0">
                 <a:solidFill>
                   <a:srgbClr val="5B6167"/>
                 </a:solidFill>
@@ -36884,7 +37586,7 @@
               <a:t>data.table</a:t>
             </a:r>
             <a:r>
-              <a:rPr lang="fr-FR" dirty="0">
+              <a:rPr lang="fr-FR" dirty="0" smtClean="0">
                 <a:solidFill>
                   <a:srgbClr val="5B6167"/>
                 </a:solidFill>
@@ -36892,7 +37594,7 @@
               <a:t> • </a:t>
             </a:r>
             <a:r>
-              <a:rPr lang="fr-FR" dirty="0" err="1">
+              <a:rPr lang="fr-FR" dirty="0" err="1" smtClean="0">
                 <a:solidFill>
                   <a:srgbClr val="5B6167"/>
                 </a:solidFill>
@@ -36900,13 +37602,18 @@
               <a:t>data.table</a:t>
             </a:r>
             <a:r>
-              <a:rPr lang="fr-FR" dirty="0">
+              <a:rPr lang="fr-FR" dirty="0" smtClean="0">
                 <a:solidFill>
                   <a:srgbClr val="5B6167"/>
                 </a:solidFill>
               </a:rPr>
-              <a:t> version 1.15.0 • Mise-à-jour: 2024-01, traduction 2024-08</a:t>
-            </a:r>
+              <a:t> version 1.17.8 • Mise-à-jour: 2025-07 • traduction 2025-09</a:t>
+            </a:r>
+            <a:endParaRPr lang="fr-FR" dirty="0">
+              <a:solidFill>
+                <a:srgbClr val="5B6167"/>
+              </a:solidFill>
+            </a:endParaRPr>
           </a:p>
         </p:txBody>
       </p:sp>
@@ -36915,7 +37622,7 @@
           <p:cNvPr id="9" name="Table">
             <a:extLst>
               <a:ext uri="{FF2B5EF4-FFF2-40B4-BE49-F238E27FC236}">
-                <a16:creationId xmlns:a16="http://schemas.microsoft.com/office/drawing/2014/main" id="{080CFDFB-FD7F-AB81-1978-883C3AD84E5D}"/>
+                <a16:creationId xmlns:a16="http://schemas.microsoft.com/office/drawing/2014/main" xmlns="" id="{080CFDFB-FD7F-AB81-1978-883C3AD84E5D}"/>
               </a:ext>
             </a:extLst>
           </p:cNvPr>
@@ -36923,7 +37630,7 @@
           <p:nvPr>
             <p:extLst>
               <p:ext uri="{D42A27DB-BD31-4B8C-83A1-F6EECF244321}">
-                <p14:modId xmlns:p14="http://schemas.microsoft.com/office/powerpoint/2010/main" val="1388388516"/>
+                <p14:modId xmlns:p14="http://schemas.microsoft.com/office/powerpoint/2010/main" xmlns="" val="1388388516"/>
               </p:ext>
             </p:extLst>
           </p:nvPr>
@@ -36942,28 +37649,28 @@
                 <a:gridCol w="154800">
                   <a:extLst>
                     <a:ext uri="{9D8B030D-6E8A-4147-A177-3AD203B41FA5}">
-                      <a16:colId xmlns:a16="http://schemas.microsoft.com/office/drawing/2014/main" val="20000"/>
+                      <a16:colId xmlns:a16="http://schemas.microsoft.com/office/drawing/2014/main" xmlns="" val="20000"/>
                     </a:ext>
                   </a:extLst>
                 </a:gridCol>
                 <a:gridCol w="138004">
                   <a:extLst>
                     <a:ext uri="{9D8B030D-6E8A-4147-A177-3AD203B41FA5}">
-                      <a16:colId xmlns:a16="http://schemas.microsoft.com/office/drawing/2014/main" val="20001"/>
+                      <a16:colId xmlns:a16="http://schemas.microsoft.com/office/drawing/2014/main" xmlns="" val="20001"/>
                     </a:ext>
                   </a:extLst>
                 </a:gridCol>
                 <a:gridCol w="171596">
                   <a:extLst>
                     <a:ext uri="{9D8B030D-6E8A-4147-A177-3AD203B41FA5}">
-                      <a16:colId xmlns:a16="http://schemas.microsoft.com/office/drawing/2014/main" val="20002"/>
+                      <a16:colId xmlns:a16="http://schemas.microsoft.com/office/drawing/2014/main" xmlns="" val="20002"/>
                     </a:ext>
                   </a:extLst>
                 </a:gridCol>
                 <a:gridCol w="154800">
                   <a:extLst>
                     <a:ext uri="{9D8B030D-6E8A-4147-A177-3AD203B41FA5}">
-                      <a16:colId xmlns:a16="http://schemas.microsoft.com/office/drawing/2014/main" val="20003"/>
+                      <a16:colId xmlns:a16="http://schemas.microsoft.com/office/drawing/2014/main" xmlns="" val="20003"/>
                     </a:ext>
                   </a:extLst>
                 </a:gridCol>
@@ -37075,7 +37782,7 @@
                 </a:tc>
                 <a:extLst>
                   <a:ext uri="{0D108BD9-81ED-4DB2-BD59-A6C34878D82A}">
-                    <a16:rowId xmlns:a16="http://schemas.microsoft.com/office/drawing/2014/main" val="10000"/>
+                    <a16:rowId xmlns:a16="http://schemas.microsoft.com/office/drawing/2014/main" xmlns="" val="10000"/>
                   </a:ext>
                 </a:extLst>
               </a:tr>
@@ -37218,7 +37925,7 @@
                 </a:tc>
                 <a:extLst>
                   <a:ext uri="{0D108BD9-81ED-4DB2-BD59-A6C34878D82A}">
-                    <a16:rowId xmlns:a16="http://schemas.microsoft.com/office/drawing/2014/main" val="10001"/>
+                    <a16:rowId xmlns:a16="http://schemas.microsoft.com/office/drawing/2014/main" xmlns="" val="10001"/>
                   </a:ext>
                 </a:extLst>
               </a:tr>
@@ -37370,7 +38077,7 @@
                 </a:tc>
                 <a:extLst>
                   <a:ext uri="{0D108BD9-81ED-4DB2-BD59-A6C34878D82A}">
-                    <a16:rowId xmlns:a16="http://schemas.microsoft.com/office/drawing/2014/main" val="10002"/>
+                    <a16:rowId xmlns:a16="http://schemas.microsoft.com/office/drawing/2014/main" xmlns="" val="10002"/>
                   </a:ext>
                 </a:extLst>
               </a:tr>
@@ -37522,7 +38229,7 @@
                 </a:tc>
                 <a:extLst>
                   <a:ext uri="{0D108BD9-81ED-4DB2-BD59-A6C34878D82A}">
-                    <a16:rowId xmlns:a16="http://schemas.microsoft.com/office/drawing/2014/main" val="10003"/>
+                    <a16:rowId xmlns:a16="http://schemas.microsoft.com/office/drawing/2014/main" xmlns="" val="10003"/>
                   </a:ext>
                 </a:extLst>
               </a:tr>
@@ -37665,7 +38372,7 @@
                 </a:tc>
                 <a:extLst>
                   <a:ext uri="{0D108BD9-81ED-4DB2-BD59-A6C34878D82A}">
-                    <a16:rowId xmlns:a16="http://schemas.microsoft.com/office/drawing/2014/main" val="10004"/>
+                    <a16:rowId xmlns:a16="http://schemas.microsoft.com/office/drawing/2014/main" xmlns="" val="10004"/>
                   </a:ext>
                 </a:extLst>
               </a:tr>
@@ -37676,7 +38383,7 @@
     </p:spTree>
     <p:extLst>
       <p:ext uri="{BB962C8B-B14F-4D97-AF65-F5344CB8AC3E}">
-        <p14:creationId xmlns:p14="http://schemas.microsoft.com/office/powerpoint/2010/main" val="2580689609"/>
+        <p14:creationId xmlns:p14="http://schemas.microsoft.com/office/powerpoint/2010/main" xmlns="" val="2580689609"/>
       </p:ext>
     </p:extLst>
   </p:cSld>
@@ -37684,6 +38391,13 @@
     <a:masterClrMapping/>
   </p:clrMapOvr>
   <p:transition spd="med"/>
+  <p:timing>
+    <p:tnLst>
+      <p:par>
+        <p:cTn id="1" dur="indefinite" restart="never" nodeType="tmRoot"/>
+      </p:par>
+    </p:tnLst>
+  </p:timing>
 </p:sld>
 </file>
 
@@ -40134,7 +40848,7 @@
   <a:extraClrSchemeLst/>
   <a:extLst>
     <a:ext uri="{05A4C25C-085E-4340-85A3-A5531E510DB2}">
-      <thm15:themeFamily xmlns:thm15="http://schemas.microsoft.com/office/thememl/2012/main" name="Office Theme" id="{62F939B6-93AF-4DB8-9C6B-D6C7DFDC589F}" vid="{4A3C46E8-61CC-4603-A589-7422A47A8E4A}"/>
+      <thm15:themeFamily xmlns:thm15="http://schemas.microsoft.com/office/thememl/2012/main" xmlns="" name="Office Theme" id="{62F939B6-93AF-4DB8-9C6B-D6C7DFDC589F}" vid="{4A3C46E8-61CC-4603-A589-7422A47A8E4A}"/>
     </a:ext>
   </a:extLst>
 </a:theme>
